--- a/CodeMonkey/cs01-1 开发工具及基本流程/开发工具及基本流程.pptx
+++ b/CodeMonkey/cs01-1 开发工具及基本流程/开发工具及基本流程.pptx
@@ -4,13 +4,39 @@
   <p:sldMasterIdLst>
     <p:sldMasterId id="2147483648" r:id="rId1"/>
   </p:sldMasterIdLst>
+  <p:notesMasterIdLst>
+    <p:notesMasterId r:id="rId31"/>
+  </p:notesMasterIdLst>
   <p:sldIdLst>
-    <p:sldId id="256" r:id="rId2"/>
-    <p:sldId id="261" r:id="rId3"/>
-    <p:sldId id="259" r:id="rId4"/>
-    <p:sldId id="257" r:id="rId5"/>
-    <p:sldId id="260" r:id="rId6"/>
-    <p:sldId id="258" r:id="rId7"/>
+    <p:sldId id="285" r:id="rId2"/>
+    <p:sldId id="256" r:id="rId3"/>
+    <p:sldId id="261" r:id="rId4"/>
+    <p:sldId id="259" r:id="rId5"/>
+    <p:sldId id="257" r:id="rId6"/>
+    <p:sldId id="260" r:id="rId7"/>
+    <p:sldId id="262" r:id="rId8"/>
+    <p:sldId id="263" r:id="rId9"/>
+    <p:sldId id="264" r:id="rId10"/>
+    <p:sldId id="265" r:id="rId11"/>
+    <p:sldId id="266" r:id="rId12"/>
+    <p:sldId id="267" r:id="rId13"/>
+    <p:sldId id="268" r:id="rId14"/>
+    <p:sldId id="269" r:id="rId15"/>
+    <p:sldId id="270" r:id="rId16"/>
+    <p:sldId id="271" r:id="rId17"/>
+    <p:sldId id="272" r:id="rId18"/>
+    <p:sldId id="273" r:id="rId19"/>
+    <p:sldId id="274" r:id="rId20"/>
+    <p:sldId id="275" r:id="rId21"/>
+    <p:sldId id="280" r:id="rId22"/>
+    <p:sldId id="282" r:id="rId23"/>
+    <p:sldId id="284" r:id="rId24"/>
+    <p:sldId id="281" r:id="rId25"/>
+    <p:sldId id="276" r:id="rId26"/>
+    <p:sldId id="277" r:id="rId27"/>
+    <p:sldId id="278" r:id="rId28"/>
+    <p:sldId id="258" r:id="rId29"/>
+    <p:sldId id="286" r:id="rId30"/>
   </p:sldIdLst>
   <p:sldSz cx="9144000" cy="6858000" type="screen4x3"/>
   <p:notesSz cx="6858000" cy="9144000"/>
@@ -112,6 +138,356 @@
 </p:presentation>
 </file>
 
+<file path=ppt/notesMasters/notesMaster1.xml><?xml version="1.0" encoding="utf-8"?>
+<p:notesMaster xmlns:a="http://schemas.openxmlformats.org/drawingml/2006/main" xmlns:r="http://schemas.openxmlformats.org/officeDocument/2006/relationships" xmlns:p="http://schemas.openxmlformats.org/presentationml/2006/main">
+  <p:cSld>
+    <p:bg>
+      <p:bgRef idx="1001">
+        <a:schemeClr val="bg1"/>
+      </p:bgRef>
+    </p:bg>
+    <p:spTree>
+      <p:nvGrpSpPr>
+        <p:cNvPr id="1" name=""/>
+        <p:cNvGrpSpPr/>
+        <p:nvPr/>
+      </p:nvGrpSpPr>
+      <p:grpSpPr>
+        <a:xfrm>
+          <a:off x="0" y="0"/>
+          <a:ext cx="0" cy="0"/>
+          <a:chOff x="0" y="0"/>
+          <a:chExt cx="0" cy="0"/>
+        </a:xfrm>
+      </p:grpSpPr>
+      <p:sp>
+        <p:nvSpPr>
+          <p:cNvPr id="2" name="页眉占位符 1"/>
+          <p:cNvSpPr>
+            <a:spLocks noGrp="1"/>
+          </p:cNvSpPr>
+          <p:nvPr>
+            <p:ph type="hdr" sz="quarter"/>
+          </p:nvPr>
+        </p:nvSpPr>
+        <p:spPr>
+          <a:xfrm>
+            <a:off x="0" y="0"/>
+            <a:ext cx="2971800" cy="457200"/>
+          </a:xfrm>
+          <a:prstGeom prst="rect">
+            <a:avLst/>
+          </a:prstGeom>
+        </p:spPr>
+        <p:txBody>
+          <a:bodyPr vert="horz" lIns="91440" tIns="45720" rIns="91440" bIns="45720" rtlCol="0"/>
+          <a:lstStyle>
+            <a:lvl1pPr algn="l">
+              <a:defRPr sz="1200"/>
+            </a:lvl1pPr>
+          </a:lstStyle>
+          <a:p>
+            <a:endParaRPr lang="en-US"/>
+          </a:p>
+        </p:txBody>
+      </p:sp>
+      <p:sp>
+        <p:nvSpPr>
+          <p:cNvPr id="3" name="日期占位符 2"/>
+          <p:cNvSpPr>
+            <a:spLocks noGrp="1"/>
+          </p:cNvSpPr>
+          <p:nvPr>
+            <p:ph type="dt" idx="1"/>
+          </p:nvPr>
+        </p:nvSpPr>
+        <p:spPr>
+          <a:xfrm>
+            <a:off x="3884613" y="0"/>
+            <a:ext cx="2971800" cy="457200"/>
+          </a:xfrm>
+          <a:prstGeom prst="rect">
+            <a:avLst/>
+          </a:prstGeom>
+        </p:spPr>
+        <p:txBody>
+          <a:bodyPr vert="horz" lIns="91440" tIns="45720" rIns="91440" bIns="45720" rtlCol="0"/>
+          <a:lstStyle>
+            <a:lvl1pPr algn="r">
+              <a:defRPr sz="1200"/>
+            </a:lvl1pPr>
+          </a:lstStyle>
+          <a:p>
+            <a:fld id="{86215582-AC99-4B31-92A0-C2CBBDBFD00A}" type="datetimeFigureOut">
+              <a:rPr lang="en-US" smtClean="0"/>
+              <a:t>10/10/2016</a:t>
+            </a:fld>
+            <a:endParaRPr lang="en-US"/>
+          </a:p>
+        </p:txBody>
+      </p:sp>
+      <p:sp>
+        <p:nvSpPr>
+          <p:cNvPr id="4" name="幻灯片图像占位符 3"/>
+          <p:cNvSpPr>
+            <a:spLocks noGrp="1" noRot="1" noChangeAspect="1"/>
+          </p:cNvSpPr>
+          <p:nvPr>
+            <p:ph type="sldImg" idx="2"/>
+          </p:nvPr>
+        </p:nvSpPr>
+        <p:spPr>
+          <a:xfrm>
+            <a:off x="1143000" y="685800"/>
+            <a:ext cx="4572000" cy="3429000"/>
+          </a:xfrm>
+          <a:prstGeom prst="rect">
+            <a:avLst/>
+          </a:prstGeom>
+          <a:noFill/>
+          <a:ln w="12700">
+            <a:solidFill>
+              <a:prstClr val="black"/>
+            </a:solidFill>
+          </a:ln>
+        </p:spPr>
+        <p:txBody>
+          <a:bodyPr vert="horz" lIns="91440" tIns="45720" rIns="91440" bIns="45720" rtlCol="0" anchor="ctr"/>
+          <a:lstStyle/>
+          <a:p>
+            <a:endParaRPr lang="en-US"/>
+          </a:p>
+        </p:txBody>
+      </p:sp>
+      <p:sp>
+        <p:nvSpPr>
+          <p:cNvPr id="5" name="备注占位符 4"/>
+          <p:cNvSpPr>
+            <a:spLocks noGrp="1"/>
+          </p:cNvSpPr>
+          <p:nvPr>
+            <p:ph type="body" sz="quarter" idx="3"/>
+          </p:nvPr>
+        </p:nvSpPr>
+        <p:spPr>
+          <a:xfrm>
+            <a:off x="685800" y="4343400"/>
+            <a:ext cx="5486400" cy="4114800"/>
+          </a:xfrm>
+          <a:prstGeom prst="rect">
+            <a:avLst/>
+          </a:prstGeom>
+        </p:spPr>
+        <p:txBody>
+          <a:bodyPr vert="horz" lIns="91440" tIns="45720" rIns="91440" bIns="45720" rtlCol="0"/>
+          <a:lstStyle/>
+          <a:p>
+            <a:pPr lvl="0"/>
+            <a:r>
+              <a:rPr lang="zh-CN" altLang="en-US" smtClean="0"/>
+              <a:t>单击此处编辑母版文本样式</a:t>
+            </a:r>
+          </a:p>
+          <a:p>
+            <a:pPr lvl="1"/>
+            <a:r>
+              <a:rPr lang="zh-CN" altLang="en-US" smtClean="0"/>
+              <a:t>第二级</a:t>
+            </a:r>
+          </a:p>
+          <a:p>
+            <a:pPr lvl="2"/>
+            <a:r>
+              <a:rPr lang="zh-CN" altLang="en-US" smtClean="0"/>
+              <a:t>第三级</a:t>
+            </a:r>
+          </a:p>
+          <a:p>
+            <a:pPr lvl="3"/>
+            <a:r>
+              <a:rPr lang="zh-CN" altLang="en-US" smtClean="0"/>
+              <a:t>第四级</a:t>
+            </a:r>
+          </a:p>
+          <a:p>
+            <a:pPr lvl="4"/>
+            <a:r>
+              <a:rPr lang="zh-CN" altLang="en-US" smtClean="0"/>
+              <a:t>第五级</a:t>
+            </a:r>
+            <a:endParaRPr lang="en-US"/>
+          </a:p>
+        </p:txBody>
+      </p:sp>
+      <p:sp>
+        <p:nvSpPr>
+          <p:cNvPr id="6" name="页脚占位符 5"/>
+          <p:cNvSpPr>
+            <a:spLocks noGrp="1"/>
+          </p:cNvSpPr>
+          <p:nvPr>
+            <p:ph type="ftr" sz="quarter" idx="4"/>
+          </p:nvPr>
+        </p:nvSpPr>
+        <p:spPr>
+          <a:xfrm>
+            <a:off x="0" y="8685213"/>
+            <a:ext cx="2971800" cy="457200"/>
+          </a:xfrm>
+          <a:prstGeom prst="rect">
+            <a:avLst/>
+          </a:prstGeom>
+        </p:spPr>
+        <p:txBody>
+          <a:bodyPr vert="horz" lIns="91440" tIns="45720" rIns="91440" bIns="45720" rtlCol="0" anchor="b"/>
+          <a:lstStyle>
+            <a:lvl1pPr algn="l">
+              <a:defRPr sz="1200"/>
+            </a:lvl1pPr>
+          </a:lstStyle>
+          <a:p>
+            <a:endParaRPr lang="en-US"/>
+          </a:p>
+        </p:txBody>
+      </p:sp>
+      <p:sp>
+        <p:nvSpPr>
+          <p:cNvPr id="7" name="灯片编号占位符 6"/>
+          <p:cNvSpPr>
+            <a:spLocks noGrp="1"/>
+          </p:cNvSpPr>
+          <p:nvPr>
+            <p:ph type="sldNum" sz="quarter" idx="5"/>
+          </p:nvPr>
+        </p:nvSpPr>
+        <p:spPr>
+          <a:xfrm>
+            <a:off x="3884613" y="8685213"/>
+            <a:ext cx="2971800" cy="457200"/>
+          </a:xfrm>
+          <a:prstGeom prst="rect">
+            <a:avLst/>
+          </a:prstGeom>
+        </p:spPr>
+        <p:txBody>
+          <a:bodyPr vert="horz" lIns="91440" tIns="45720" rIns="91440" bIns="45720" rtlCol="0" anchor="b"/>
+          <a:lstStyle>
+            <a:lvl1pPr algn="r">
+              <a:defRPr sz="1200"/>
+            </a:lvl1pPr>
+          </a:lstStyle>
+          <a:p>
+            <a:fld id="{E8726664-31A9-41F4-A786-71E84CA944CE}" type="slidenum">
+              <a:rPr lang="en-US" smtClean="0"/>
+              <a:t>‹#›</a:t>
+            </a:fld>
+            <a:endParaRPr lang="en-US"/>
+          </a:p>
+        </p:txBody>
+      </p:sp>
+    </p:spTree>
+    <p:extLst>
+      <p:ext uri="{BB962C8B-B14F-4D97-AF65-F5344CB8AC3E}">
+        <p14:creationId xmlns:p14="http://schemas.microsoft.com/office/powerpoint/2010/main" val="2417308021"/>
+      </p:ext>
+    </p:extLst>
+  </p:cSld>
+  <p:clrMap bg1="lt1" tx1="dk1" bg2="lt2" tx2="dk2" accent1="accent1" accent2="accent2" accent3="accent3" accent4="accent4" accent5="accent5" accent6="accent6" hlink="hlink" folHlink="folHlink"/>
+  <p:notesStyle>
+    <a:lvl1pPr marL="0" algn="l" defTabSz="914400" rtl="0" eaLnBrk="1" latinLnBrk="0" hangingPunct="1">
+      <a:defRPr sz="1200" kern="1200">
+        <a:solidFill>
+          <a:schemeClr val="tx1"/>
+        </a:solidFill>
+        <a:latin typeface="+mn-lt"/>
+        <a:ea typeface="+mn-ea"/>
+        <a:cs typeface="+mn-cs"/>
+      </a:defRPr>
+    </a:lvl1pPr>
+    <a:lvl2pPr marL="457200" algn="l" defTabSz="914400" rtl="0" eaLnBrk="1" latinLnBrk="0" hangingPunct="1">
+      <a:defRPr sz="1200" kern="1200">
+        <a:solidFill>
+          <a:schemeClr val="tx1"/>
+        </a:solidFill>
+        <a:latin typeface="+mn-lt"/>
+        <a:ea typeface="+mn-ea"/>
+        <a:cs typeface="+mn-cs"/>
+      </a:defRPr>
+    </a:lvl2pPr>
+    <a:lvl3pPr marL="914400" algn="l" defTabSz="914400" rtl="0" eaLnBrk="1" latinLnBrk="0" hangingPunct="1">
+      <a:defRPr sz="1200" kern="1200">
+        <a:solidFill>
+          <a:schemeClr val="tx1"/>
+        </a:solidFill>
+        <a:latin typeface="+mn-lt"/>
+        <a:ea typeface="+mn-ea"/>
+        <a:cs typeface="+mn-cs"/>
+      </a:defRPr>
+    </a:lvl3pPr>
+    <a:lvl4pPr marL="1371600" algn="l" defTabSz="914400" rtl="0" eaLnBrk="1" latinLnBrk="0" hangingPunct="1">
+      <a:defRPr sz="1200" kern="1200">
+        <a:solidFill>
+          <a:schemeClr val="tx1"/>
+        </a:solidFill>
+        <a:latin typeface="+mn-lt"/>
+        <a:ea typeface="+mn-ea"/>
+        <a:cs typeface="+mn-cs"/>
+      </a:defRPr>
+    </a:lvl4pPr>
+    <a:lvl5pPr marL="1828800" algn="l" defTabSz="914400" rtl="0" eaLnBrk="1" latinLnBrk="0" hangingPunct="1">
+      <a:defRPr sz="1200" kern="1200">
+        <a:solidFill>
+          <a:schemeClr val="tx1"/>
+        </a:solidFill>
+        <a:latin typeface="+mn-lt"/>
+        <a:ea typeface="+mn-ea"/>
+        <a:cs typeface="+mn-cs"/>
+      </a:defRPr>
+    </a:lvl5pPr>
+    <a:lvl6pPr marL="2286000" algn="l" defTabSz="914400" rtl="0" eaLnBrk="1" latinLnBrk="0" hangingPunct="1">
+      <a:defRPr sz="1200" kern="1200">
+        <a:solidFill>
+          <a:schemeClr val="tx1"/>
+        </a:solidFill>
+        <a:latin typeface="+mn-lt"/>
+        <a:ea typeface="+mn-ea"/>
+        <a:cs typeface="+mn-cs"/>
+      </a:defRPr>
+    </a:lvl6pPr>
+    <a:lvl7pPr marL="2743200" algn="l" defTabSz="914400" rtl="0" eaLnBrk="1" latinLnBrk="0" hangingPunct="1">
+      <a:defRPr sz="1200" kern="1200">
+        <a:solidFill>
+          <a:schemeClr val="tx1"/>
+        </a:solidFill>
+        <a:latin typeface="+mn-lt"/>
+        <a:ea typeface="+mn-ea"/>
+        <a:cs typeface="+mn-cs"/>
+      </a:defRPr>
+    </a:lvl7pPr>
+    <a:lvl8pPr marL="3200400" algn="l" defTabSz="914400" rtl="0" eaLnBrk="1" latinLnBrk="0" hangingPunct="1">
+      <a:defRPr sz="1200" kern="1200">
+        <a:solidFill>
+          <a:schemeClr val="tx1"/>
+        </a:solidFill>
+        <a:latin typeface="+mn-lt"/>
+        <a:ea typeface="+mn-ea"/>
+        <a:cs typeface="+mn-cs"/>
+      </a:defRPr>
+    </a:lvl8pPr>
+    <a:lvl9pPr marL="3657600" algn="l" defTabSz="914400" rtl="0" eaLnBrk="1" latinLnBrk="0" hangingPunct="1">
+      <a:defRPr sz="1200" kern="1200">
+        <a:solidFill>
+          <a:schemeClr val="tx1"/>
+        </a:solidFill>
+        <a:latin typeface="+mn-lt"/>
+        <a:ea typeface="+mn-ea"/>
+        <a:cs typeface="+mn-cs"/>
+      </a:defRPr>
+    </a:lvl9pPr>
+  </p:notesStyle>
+</p:notesMaster>
+</file>
+
 <file path=ppt/slideLayouts/slideLayout1.xml><?xml version="1.0" encoding="utf-8"?>
 <p:sldLayout xmlns:a="http://schemas.openxmlformats.org/drawingml/2006/main" xmlns:r="http://schemas.openxmlformats.org/officeDocument/2006/relationships" xmlns:p="http://schemas.openxmlformats.org/presentationml/2006/main" type="title" preserve="1">
   <p:cSld name="标题幻灯片">
@@ -291,7 +667,7 @@
           <a:bodyPr/>
           <a:lstStyle/>
           <a:p>
-            <a:fld id="{530820CF-B880-4189-942D-D702A7CBA730}" type="datetimeFigureOut">
+            <a:fld id="{B1ABFB5F-12B5-449A-9DCE-701BD4A50474}" type="datetime1">
               <a:rPr lang="zh-CN" altLang="en-US" smtClean="0"/>
               <a:t>2016/10/10</a:t>
             </a:fld>
@@ -456,7 +832,7 @@
           <a:bodyPr/>
           <a:lstStyle/>
           <a:p>
-            <a:fld id="{530820CF-B880-4189-942D-D702A7CBA730}" type="datetimeFigureOut">
+            <a:fld id="{FEC01CE6-863C-443C-AA68-ABF14597E9CB}" type="datetime1">
               <a:rPr lang="zh-CN" altLang="en-US" smtClean="0"/>
               <a:t>2016/10/10</a:t>
             </a:fld>
@@ -631,7 +1007,7 @@
           <a:bodyPr/>
           <a:lstStyle/>
           <a:p>
-            <a:fld id="{530820CF-B880-4189-942D-D702A7CBA730}" type="datetimeFigureOut">
+            <a:fld id="{00256401-7B2C-4EA8-AFB4-6A8D00509315}" type="datetime1">
               <a:rPr lang="zh-CN" altLang="en-US" smtClean="0"/>
               <a:t>2016/10/10</a:t>
             </a:fld>
@@ -682,6 +1058,308 @@
         </p:txBody>
       </p:sp>
     </p:spTree>
+  </p:cSld>
+  <p:clrMapOvr>
+    <a:masterClrMapping/>
+  </p:clrMapOvr>
+</p:sldLayout>
+</file>
+
+<file path=ppt/slideLayouts/slideLayout12.xml><?xml version="1.0" encoding="utf-8"?>
+<p:sldLayout xmlns:a="http://schemas.openxmlformats.org/drawingml/2006/main" xmlns:r="http://schemas.openxmlformats.org/officeDocument/2006/relationships" xmlns:p="http://schemas.openxmlformats.org/presentationml/2006/main" userDrawn="1">
+  <p:cSld name="Title Slide">
+    <p:spTree>
+      <p:nvGrpSpPr>
+        <p:cNvPr id="1" name=""/>
+        <p:cNvGrpSpPr/>
+        <p:nvPr/>
+      </p:nvGrpSpPr>
+      <p:grpSpPr>
+        <a:xfrm>
+          <a:off x="0" y="0"/>
+          <a:ext cx="0" cy="0"/>
+          <a:chOff x="0" y="0"/>
+          <a:chExt cx="0" cy="0"/>
+        </a:xfrm>
+      </p:grpSpPr>
+      <p:sp>
+        <p:nvSpPr>
+          <p:cNvPr id="8" name="Picture Placeholder 7"/>
+          <p:cNvSpPr>
+            <a:spLocks noGrp="1"/>
+          </p:cNvSpPr>
+          <p:nvPr>
+            <p:ph type="pic" sz="quarter" idx="13" hasCustomPrompt="1"/>
+          </p:nvPr>
+        </p:nvSpPr>
+        <p:spPr>
+          <a:xfrm>
+            <a:off x="0" y="1340768"/>
+            <a:ext cx="9144000" cy="3312368"/>
+          </a:xfrm>
+        </p:spPr>
+        <p:txBody>
+          <a:bodyPr>
+            <a:normAutofit/>
+          </a:bodyPr>
+          <a:lstStyle>
+            <a:lvl1pPr marL="0" indent="0">
+              <a:buNone/>
+              <a:defRPr sz="1100" baseline="0"/>
+            </a:lvl1pPr>
+          </a:lstStyle>
+          <a:p>
+            <a:r>
+              <a:rPr lang="en-US" dirty="0" smtClean="0"/>
+              <a:t>Insert Image for Title page</a:t>
+            </a:r>
+            <a:endParaRPr lang="en-IN" dirty="0"/>
+          </a:p>
+        </p:txBody>
+      </p:sp>
+      <p:sp>
+        <p:nvSpPr>
+          <p:cNvPr id="10" name="Picture Placeholder 9"/>
+          <p:cNvSpPr>
+            <a:spLocks noGrp="1"/>
+          </p:cNvSpPr>
+          <p:nvPr>
+            <p:ph type="pic" sz="quarter" idx="14" hasCustomPrompt="1"/>
+          </p:nvPr>
+        </p:nvSpPr>
+        <p:spPr>
+          <a:xfrm>
+            <a:off x="179388" y="260648"/>
+            <a:ext cx="1079500" cy="863600"/>
+          </a:xfrm>
+        </p:spPr>
+        <p:txBody>
+          <a:bodyPr>
+            <a:noAutofit/>
+          </a:bodyPr>
+          <a:lstStyle>
+            <a:lvl1pPr marL="0" indent="0">
+              <a:buNone/>
+              <a:defRPr sz="1200" baseline="0"/>
+            </a:lvl1pPr>
+          </a:lstStyle>
+          <a:p>
+            <a:r>
+              <a:rPr lang="en-US" dirty="0" smtClean="0"/>
+              <a:t>IF logo</a:t>
+            </a:r>
+            <a:endParaRPr lang="en-IN" dirty="0"/>
+          </a:p>
+        </p:txBody>
+      </p:sp>
+      <p:sp>
+        <p:nvSpPr>
+          <p:cNvPr id="11" name="Picture Placeholder 9"/>
+          <p:cNvSpPr>
+            <a:spLocks noGrp="1"/>
+          </p:cNvSpPr>
+          <p:nvPr>
+            <p:ph type="pic" sz="quarter" idx="15" hasCustomPrompt="1"/>
+          </p:nvPr>
+        </p:nvSpPr>
+        <p:spPr>
+          <a:xfrm>
+            <a:off x="7855560" y="260648"/>
+            <a:ext cx="1079500" cy="863600"/>
+          </a:xfrm>
+        </p:spPr>
+        <p:txBody>
+          <a:bodyPr>
+            <a:noAutofit/>
+          </a:bodyPr>
+          <a:lstStyle>
+            <a:lvl1pPr marL="0" indent="0">
+              <a:buNone/>
+              <a:defRPr sz="1200" baseline="0"/>
+            </a:lvl1pPr>
+          </a:lstStyle>
+          <a:p>
+            <a:r>
+              <a:rPr lang="en-US" dirty="0" smtClean="0"/>
+              <a:t>Client logo</a:t>
+            </a:r>
+            <a:endParaRPr lang="en-IN" dirty="0"/>
+          </a:p>
+        </p:txBody>
+      </p:sp>
+      <p:sp>
+        <p:nvSpPr>
+          <p:cNvPr id="13" name="Text Placeholder 12"/>
+          <p:cNvSpPr>
+            <a:spLocks noGrp="1"/>
+          </p:cNvSpPr>
+          <p:nvPr>
+            <p:ph type="body" sz="quarter" idx="16" hasCustomPrompt="1"/>
+          </p:nvPr>
+        </p:nvSpPr>
+        <p:spPr>
+          <a:xfrm>
+            <a:off x="179512" y="4725144"/>
+            <a:ext cx="5040560" cy="433387"/>
+          </a:xfrm>
+        </p:spPr>
+        <p:txBody>
+          <a:bodyPr/>
+          <a:lstStyle>
+            <a:lvl1pPr marL="0" indent="0">
+              <a:buNone/>
+              <a:defRPr>
+                <a:solidFill>
+                  <a:srgbClr val="0070C0"/>
+                </a:solidFill>
+              </a:defRPr>
+            </a:lvl1pPr>
+            <a:lvl2pPr marL="457200" indent="0">
+              <a:buNone/>
+              <a:defRPr/>
+            </a:lvl2pPr>
+            <a:lvl3pPr marL="914400" indent="0">
+              <a:buNone/>
+              <a:defRPr/>
+            </a:lvl3pPr>
+            <a:lvl4pPr marL="1371600" indent="0">
+              <a:buNone/>
+              <a:defRPr/>
+            </a:lvl4pPr>
+            <a:lvl5pPr marL="1828800" indent="0">
+              <a:buNone/>
+              <a:defRPr/>
+            </a:lvl5pPr>
+          </a:lstStyle>
+          <a:p>
+            <a:pPr lvl="0"/>
+            <a:r>
+              <a:rPr lang="en-US" dirty="0" smtClean="0"/>
+              <a:t>PRESENTATION TOPIC</a:t>
+            </a:r>
+            <a:endParaRPr lang="en-IN" dirty="0"/>
+          </a:p>
+        </p:txBody>
+      </p:sp>
+      <p:sp>
+        <p:nvSpPr>
+          <p:cNvPr id="15" name="Text Placeholder 14"/>
+          <p:cNvSpPr>
+            <a:spLocks noGrp="1"/>
+          </p:cNvSpPr>
+          <p:nvPr>
+            <p:ph type="body" sz="quarter" idx="17" hasCustomPrompt="1"/>
+          </p:nvPr>
+        </p:nvSpPr>
+        <p:spPr>
+          <a:xfrm>
+            <a:off x="179388" y="5229225"/>
+            <a:ext cx="5472112" cy="215900"/>
+          </a:xfrm>
+        </p:spPr>
+        <p:txBody>
+          <a:bodyPr>
+            <a:noAutofit/>
+          </a:bodyPr>
+          <a:lstStyle>
+            <a:lvl1pPr marL="0" indent="0">
+              <a:buNone/>
+              <a:defRPr sz="1400">
+                <a:solidFill>
+                  <a:schemeClr val="tx1">
+                    <a:lumMod val="50000"/>
+                    <a:lumOff val="50000"/>
+                  </a:schemeClr>
+                </a:solidFill>
+              </a:defRPr>
+            </a:lvl1pPr>
+          </a:lstStyle>
+          <a:p>
+            <a:pPr lvl="0"/>
+            <a:r>
+              <a:rPr lang="en-US" dirty="0" smtClean="0"/>
+              <a:t>Subtitle here</a:t>
+            </a:r>
+            <a:endParaRPr lang="en-IN" dirty="0"/>
+          </a:p>
+        </p:txBody>
+      </p:sp>
+      <p:sp>
+        <p:nvSpPr>
+          <p:cNvPr id="17" name="Text Placeholder 16"/>
+          <p:cNvSpPr>
+            <a:spLocks noGrp="1"/>
+          </p:cNvSpPr>
+          <p:nvPr>
+            <p:ph type="body" sz="quarter" idx="18" hasCustomPrompt="1"/>
+          </p:nvPr>
+        </p:nvSpPr>
+        <p:spPr>
+          <a:xfrm>
+            <a:off x="250825" y="6383710"/>
+            <a:ext cx="2809007" cy="287337"/>
+          </a:xfrm>
+        </p:spPr>
+        <p:txBody>
+          <a:bodyPr>
+            <a:noAutofit/>
+          </a:bodyPr>
+          <a:lstStyle>
+            <a:lvl1pPr marL="0" indent="0">
+              <a:buNone/>
+              <a:defRPr sz="900" b="1" spc="0" baseline="0">
+                <a:solidFill>
+                  <a:srgbClr val="00B0F0"/>
+                </a:solidFill>
+              </a:defRPr>
+            </a:lvl1pPr>
+          </a:lstStyle>
+          <a:p>
+            <a:pPr lvl="0"/>
+            <a:r>
+              <a:rPr lang="en-US" dirty="0" smtClean="0"/>
+              <a:t>PRESENTER NAME / DATE</a:t>
+            </a:r>
+            <a:endParaRPr lang="en-IN" dirty="0"/>
+          </a:p>
+        </p:txBody>
+      </p:sp>
+      <p:sp>
+        <p:nvSpPr>
+          <p:cNvPr id="20" name="TextBox 19"/>
+          <p:cNvSpPr txBox="1"/>
+          <p:nvPr userDrawn="1"/>
+        </p:nvSpPr>
+        <p:spPr>
+          <a:xfrm>
+            <a:off x="7423960" y="6419656"/>
+            <a:ext cx="1535998" cy="215444"/>
+          </a:xfrm>
+          <a:prstGeom prst="rect">
+            <a:avLst/>
+          </a:prstGeom>
+          <a:noFill/>
+        </p:spPr>
+        <p:txBody>
+          <a:bodyPr wrap="none" rtlCol="0">
+            <a:spAutoFit/>
+          </a:bodyPr>
+          <a:lstStyle/>
+          <a:p>
+            <a:pPr algn="r"/>
+            <a:r>
+              <a:rPr lang="en-US" sz="800" dirty="0" smtClean="0"/>
+              <a:t>Copyright © 2016 IF Group</a:t>
+            </a:r>
+          </a:p>
+        </p:txBody>
+      </p:sp>
+    </p:spTree>
+    <p:extLst>
+      <p:ext uri="{BB962C8B-B14F-4D97-AF65-F5344CB8AC3E}">
+        <p14:creationId xmlns:p14="http://schemas.microsoft.com/office/powerpoint/2010/main" val="3833353937"/>
+      </p:ext>
+    </p:extLst>
   </p:cSld>
   <p:clrMapOvr>
     <a:masterClrMapping/>
@@ -796,7 +1474,7 @@
           <a:bodyPr/>
           <a:lstStyle/>
           <a:p>
-            <a:fld id="{530820CF-B880-4189-942D-D702A7CBA730}" type="datetimeFigureOut">
+            <a:fld id="{E90FA0D4-31AA-4248-A1BF-8719228D4301}" type="datetime1">
               <a:rPr lang="zh-CN" altLang="en-US" smtClean="0"/>
               <a:t>2016/10/10</a:t>
             </a:fld>
@@ -1037,7 +1715,7 @@
           <a:bodyPr/>
           <a:lstStyle/>
           <a:p>
-            <a:fld id="{530820CF-B880-4189-942D-D702A7CBA730}" type="datetimeFigureOut">
+            <a:fld id="{6F5F4E28-22C1-4F88-BBF7-CC3DBFF9E515}" type="datetime1">
               <a:rPr lang="zh-CN" altLang="en-US" smtClean="0"/>
               <a:t>2016/10/10</a:t>
             </a:fld>
@@ -1320,7 +1998,7 @@
           <a:bodyPr/>
           <a:lstStyle/>
           <a:p>
-            <a:fld id="{530820CF-B880-4189-942D-D702A7CBA730}" type="datetimeFigureOut">
+            <a:fld id="{96259771-42A2-4052-98CC-317E0A991440}" type="datetime1">
               <a:rPr lang="zh-CN" altLang="en-US" smtClean="0"/>
               <a:t>2016/10/10</a:t>
             </a:fld>
@@ -1737,7 +2415,7 @@
           <a:bodyPr/>
           <a:lstStyle/>
           <a:p>
-            <a:fld id="{530820CF-B880-4189-942D-D702A7CBA730}" type="datetimeFigureOut">
+            <a:fld id="{9999B37C-72DC-455A-9D6D-556724975AD7}" type="datetime1">
               <a:rPr lang="zh-CN" altLang="en-US" smtClean="0"/>
               <a:t>2016/10/10</a:t>
             </a:fld>
@@ -1850,7 +2528,7 @@
           <a:bodyPr/>
           <a:lstStyle/>
           <a:p>
-            <a:fld id="{530820CF-B880-4189-942D-D702A7CBA730}" type="datetimeFigureOut">
+            <a:fld id="{E00380F0-94D0-4472-ADD1-6885BA5DB68D}" type="datetime1">
               <a:rPr lang="zh-CN" altLang="en-US" smtClean="0"/>
               <a:t>2016/10/10</a:t>
             </a:fld>
@@ -1940,7 +2618,7 @@
           <a:bodyPr/>
           <a:lstStyle/>
           <a:p>
-            <a:fld id="{530820CF-B880-4189-942D-D702A7CBA730}" type="datetimeFigureOut">
+            <a:fld id="{1C3B935C-7D24-4B5E-BB31-D1448149FCE7}" type="datetime1">
               <a:rPr lang="zh-CN" altLang="en-US" smtClean="0"/>
               <a:t>2016/10/10</a:t>
             </a:fld>
@@ -2212,7 +2890,7 @@
           <a:bodyPr/>
           <a:lstStyle/>
           <a:p>
-            <a:fld id="{530820CF-B880-4189-942D-D702A7CBA730}" type="datetimeFigureOut">
+            <a:fld id="{5B0E52B4-05D9-4440-A363-BF6E3D4F4A51}" type="datetime1">
               <a:rPr lang="zh-CN" altLang="en-US" smtClean="0"/>
               <a:t>2016/10/10</a:t>
             </a:fld>
@@ -2460,7 +3138,7 @@
           <a:bodyPr/>
           <a:lstStyle/>
           <a:p>
-            <a:fld id="{530820CF-B880-4189-942D-D702A7CBA730}" type="datetimeFigureOut">
+            <a:fld id="{AB461D03-8356-48E0-9239-5ADDBFEDBB25}" type="datetime1">
               <a:rPr lang="zh-CN" altLang="en-US" smtClean="0"/>
               <a:t>2016/10/10</a:t>
             </a:fld>
@@ -2668,7 +3346,7 @@
             </a:lvl1pPr>
           </a:lstStyle>
           <a:p>
-            <a:fld id="{530820CF-B880-4189-942D-D702A7CBA730}" type="datetimeFigureOut">
+            <a:fld id="{35B1741E-9776-4781-80E1-AFE3CF4A28B7}" type="datetime1">
               <a:rPr lang="zh-CN" altLang="en-US" smtClean="0"/>
               <a:t>2016/10/10</a:t>
             </a:fld>
@@ -2769,7 +3447,9 @@
     <p:sldLayoutId id="2147483657" r:id="rId9"/>
     <p:sldLayoutId id="2147483658" r:id="rId10"/>
     <p:sldLayoutId id="2147483659" r:id="rId11"/>
+    <p:sldLayoutId id="2147483660" r:id="rId12"/>
   </p:sldLayoutIdLst>
+  <p:hf hdr="0" ftr="0"/>
   <p:txStyles>
     <p:titleStyle>
       <a:lvl1pPr algn="ctr" defTabSz="914400" rtl="0" eaLnBrk="1" latinLnBrk="0" hangingPunct="1">
@@ -3040,51 +3720,2959 @@
           <a:chExt cx="0" cy="0"/>
         </a:xfrm>
       </p:grpSpPr>
-      <p:sp>
-        <p:nvSpPr>
-          <p:cNvPr id="2" name="标题 1"/>
-          <p:cNvSpPr>
-            <a:spLocks noGrp="1"/>
-          </p:cNvSpPr>
-          <p:nvPr>
-            <p:ph type="ctrTitle"/>
-          </p:nvPr>
-        </p:nvSpPr>
-        <p:spPr/>
-        <p:txBody>
-          <a:bodyPr/>
-          <a:lstStyle/>
-          <a:p>
-            <a:r>
-              <a:rPr lang="zh-CN" altLang="en-US" dirty="0"/>
-              <a:t>开发工具及基本流程</a:t>
-            </a:r>
-          </a:p>
-        </p:txBody>
-      </p:sp>
-      <p:sp>
-        <p:nvSpPr>
-          <p:cNvPr id="3" name="副标题 2"/>
-          <p:cNvSpPr>
-            <a:spLocks noGrp="1"/>
-          </p:cNvSpPr>
-          <p:nvPr>
-            <p:ph type="subTitle" idx="1"/>
-          </p:nvPr>
-        </p:nvSpPr>
-        <p:spPr/>
-        <p:txBody>
-          <a:bodyPr/>
-          <a:lstStyle/>
-          <a:p>
-            <a:endParaRPr lang="zh-CN" altLang="en-US"/>
+      <p:pic>
+        <p:nvPicPr>
+          <p:cNvPr id="9" name="Picture Placeholder 8"/>
+          <p:cNvPicPr>
+            <a:picLocks noGrp="1" noChangeAspect="1"/>
+          </p:cNvPicPr>
+          <p:nvPr>
+            <p:ph type="pic" sz="quarter" idx="13"/>
+          </p:nvPr>
+        </p:nvPicPr>
+        <p:blipFill>
+          <a:blip r:embed="rId2" cstate="print">
+            <a:extLst>
+              <a:ext uri="{28A0092B-C50C-407E-A947-70E740481C1C}">
+                <a14:useLocalDpi xmlns:a14="http://schemas.microsoft.com/office/drawing/2010/main" val="0"/>
+              </a:ext>
+            </a:extLst>
+          </a:blip>
+          <a:srcRect t="22766" b="22766"/>
+          <a:stretch>
+            <a:fillRect/>
+          </a:stretch>
+        </p:blipFill>
+        <p:spPr/>
+      </p:pic>
+      <p:pic>
+        <p:nvPicPr>
+          <p:cNvPr id="8" name="Picture Placeholder 7"/>
+          <p:cNvPicPr>
+            <a:picLocks noGrp="1" noChangeAspect="1"/>
+          </p:cNvPicPr>
+          <p:nvPr>
+            <p:ph type="pic" sz="quarter" idx="14"/>
+          </p:nvPr>
+        </p:nvPicPr>
+        <p:blipFill>
+          <a:blip r:embed="rId3" cstate="print">
+            <a:extLst>
+              <a:ext uri="{28A0092B-C50C-407E-A947-70E740481C1C}">
+                <a14:useLocalDpi xmlns:a14="http://schemas.microsoft.com/office/drawing/2010/main" val="0"/>
+              </a:ext>
+            </a:extLst>
+          </a:blip>
+          <a:srcRect l="4792" r="4792"/>
+          <a:stretch>
+            <a:fillRect/>
+          </a:stretch>
+        </p:blipFill>
+        <p:spPr/>
+      </p:pic>
+      <p:sp>
+        <p:nvSpPr>
+          <p:cNvPr id="5" name="Text Placeholder 4"/>
+          <p:cNvSpPr>
+            <a:spLocks noGrp="1"/>
+          </p:cNvSpPr>
+          <p:nvPr>
+            <p:ph type="body" sz="quarter" idx="16"/>
+          </p:nvPr>
+        </p:nvSpPr>
+        <p:spPr>
+          <a:xfrm>
+            <a:off x="156460" y="4869160"/>
+            <a:ext cx="5040560" cy="433387"/>
+          </a:xfrm>
+        </p:spPr>
+        <p:txBody>
+          <a:bodyPr>
+            <a:normAutofit fontScale="85000" lnSpcReduction="20000"/>
+          </a:bodyPr>
+          <a:lstStyle/>
+          <a:p>
+            <a:r>
+              <a:rPr lang="en-US" altLang="zh-CN" b="1" dirty="0" smtClean="0"/>
+              <a:t>I. F. </a:t>
+            </a:r>
+            <a:r>
+              <a:rPr lang="zh-CN" altLang="en-US" b="1" dirty="0"/>
+              <a:t>培训系列</a:t>
+            </a:r>
+            <a:endParaRPr lang="en-IN" b="1" dirty="0"/>
+          </a:p>
+        </p:txBody>
+      </p:sp>
+      <p:sp>
+        <p:nvSpPr>
+          <p:cNvPr id="6" name="Text Placeholder 5"/>
+          <p:cNvSpPr>
+            <a:spLocks noGrp="1"/>
+          </p:cNvSpPr>
+          <p:nvPr>
+            <p:ph type="body" sz="quarter" idx="17"/>
+          </p:nvPr>
+        </p:nvSpPr>
+        <p:spPr/>
+        <p:txBody>
+          <a:bodyPr/>
+          <a:lstStyle/>
+          <a:p>
+            <a:r>
+              <a:rPr lang="zh-CN" altLang="en-US" dirty="0" smtClean="0"/>
+              <a:t>开发培训</a:t>
+            </a:r>
+            <a:endParaRPr lang="en-IN" dirty="0" smtClean="0"/>
+          </a:p>
+        </p:txBody>
+      </p:sp>
+      <p:sp>
+        <p:nvSpPr>
+          <p:cNvPr id="7" name="Text Placeholder 6"/>
+          <p:cNvSpPr>
+            <a:spLocks noGrp="1"/>
+          </p:cNvSpPr>
+          <p:nvPr>
+            <p:ph type="body" sz="quarter" idx="18"/>
+          </p:nvPr>
+        </p:nvSpPr>
+        <p:spPr/>
+        <p:txBody>
+          <a:bodyPr/>
+          <a:lstStyle/>
+          <a:p>
+            <a:r>
+              <a:rPr lang="en-IN" dirty="0" smtClean="0"/>
+              <a:t>PRESENTER NAME / DATE</a:t>
+            </a:r>
           </a:p>
         </p:txBody>
       </p:sp>
     </p:spTree>
     <p:extLst>
       <p:ext uri="{BB962C8B-B14F-4D97-AF65-F5344CB8AC3E}">
-        <p14:creationId xmlns:p14="http://schemas.microsoft.com/office/powerpoint/2010/main" val="4269903281"/>
+        <p14:creationId xmlns:p14="http://schemas.microsoft.com/office/powerpoint/2010/main" val="3302156983"/>
+      </p:ext>
+    </p:extLst>
+  </p:cSld>
+  <p:clrMapOvr>
+    <a:masterClrMapping/>
+  </p:clrMapOvr>
+</p:sld>
+</file>
+
+<file path=ppt/slides/slide10.xml><?xml version="1.0" encoding="utf-8"?>
+<p:sld xmlns:a="http://schemas.openxmlformats.org/drawingml/2006/main" xmlns:r="http://schemas.openxmlformats.org/officeDocument/2006/relationships" xmlns:p="http://schemas.openxmlformats.org/presentationml/2006/main">
+  <p:cSld>
+    <p:spTree>
+      <p:nvGrpSpPr>
+        <p:cNvPr id="1" name=""/>
+        <p:cNvGrpSpPr/>
+        <p:nvPr/>
+      </p:nvGrpSpPr>
+      <p:grpSpPr>
+        <a:xfrm>
+          <a:off x="0" y="0"/>
+          <a:ext cx="0" cy="0"/>
+          <a:chOff x="0" y="0"/>
+          <a:chExt cx="0" cy="0"/>
+        </a:xfrm>
+      </p:grpSpPr>
+      <p:sp>
+        <p:nvSpPr>
+          <p:cNvPr id="2" name="标题 1"/>
+          <p:cNvSpPr>
+            <a:spLocks noGrp="1"/>
+          </p:cNvSpPr>
+          <p:nvPr>
+            <p:ph type="title"/>
+          </p:nvPr>
+        </p:nvSpPr>
+        <p:spPr/>
+        <p:txBody>
+          <a:bodyPr/>
+          <a:lstStyle/>
+          <a:p>
+            <a:r>
+              <a:rPr lang="en-US" altLang="zh-CN" dirty="0" err="1" smtClean="0"/>
+              <a:t>Git</a:t>
+            </a:r>
+            <a:r>
+              <a:rPr lang="zh-CN" altLang="en-US" dirty="0" smtClean="0"/>
+              <a:t>基本命令</a:t>
+            </a:r>
+            <a:endParaRPr lang="en-US" dirty="0"/>
+          </a:p>
+        </p:txBody>
+      </p:sp>
+      <p:sp>
+        <p:nvSpPr>
+          <p:cNvPr id="3" name="内容占位符 2"/>
+          <p:cNvSpPr>
+            <a:spLocks noGrp="1"/>
+          </p:cNvSpPr>
+          <p:nvPr>
+            <p:ph idx="1"/>
+          </p:nvPr>
+        </p:nvSpPr>
+        <p:spPr/>
+        <p:txBody>
+          <a:bodyPr>
+            <a:normAutofit/>
+          </a:bodyPr>
+          <a:lstStyle/>
+          <a:p>
+            <a:r>
+              <a:rPr lang="zh-CN" altLang="en-US" sz="2800" dirty="0" smtClean="0"/>
+              <a:t>在</a:t>
+            </a:r>
+            <a:r>
+              <a:rPr lang="en-US" altLang="zh-CN" sz="2800" dirty="0" err="1" smtClean="0"/>
+              <a:t>GitHub</a:t>
+            </a:r>
+            <a:r>
+              <a:rPr lang="zh-CN" altLang="en-US" sz="2800" dirty="0" smtClean="0"/>
+              <a:t>上创建一个代码库</a:t>
+            </a:r>
+            <a:r>
+              <a:rPr lang="en-US" altLang="zh-CN" sz="2800" dirty="0" smtClean="0"/>
+              <a:t>(</a:t>
+            </a:r>
+            <a:r>
+              <a:rPr lang="zh-CN" altLang="en-US" sz="2800" dirty="0" smtClean="0"/>
+              <a:t>在网站上</a:t>
+            </a:r>
+            <a:r>
+              <a:rPr lang="en-US" altLang="zh-CN" sz="2800" dirty="0" smtClean="0"/>
+              <a:t>)</a:t>
+            </a:r>
+          </a:p>
+          <a:p>
+            <a:r>
+              <a:rPr lang="zh-CN" altLang="en-US" sz="2800" dirty="0"/>
+              <a:t>克隆</a:t>
+            </a:r>
+            <a:r>
+              <a:rPr lang="zh-CN" altLang="en-US" sz="2800" dirty="0" smtClean="0"/>
+              <a:t>远程代码库</a:t>
+            </a:r>
+            <a:endParaRPr lang="en-US" altLang="zh-CN" sz="2800" dirty="0" smtClean="0"/>
+          </a:p>
+          <a:p>
+            <a:r>
+              <a:rPr lang="zh-CN" altLang="en-US" sz="2800" dirty="0" smtClean="0"/>
+              <a:t>提交代码</a:t>
+            </a:r>
+            <a:endParaRPr lang="en-US" altLang="zh-CN" sz="2800" dirty="0" smtClean="0"/>
+          </a:p>
+          <a:p>
+            <a:r>
+              <a:rPr lang="zh-CN" altLang="en-US" sz="2800" dirty="0" smtClean="0"/>
+              <a:t>更新本地代码</a:t>
+            </a:r>
+            <a:endParaRPr lang="en-US" altLang="zh-CN" sz="2800" dirty="0" smtClean="0"/>
+          </a:p>
+          <a:p>
+            <a:r>
+              <a:rPr lang="zh-CN" altLang="en-US" sz="2800" dirty="0" smtClean="0"/>
+              <a:t>分支管理</a:t>
+            </a:r>
+            <a:endParaRPr lang="en-US" altLang="zh-CN" sz="2800" dirty="0" smtClean="0"/>
+          </a:p>
+          <a:p>
+            <a:r>
+              <a:rPr lang="zh-CN" altLang="en-US" sz="2800" dirty="0" smtClean="0"/>
+              <a:t>冲突管理</a:t>
+            </a:r>
+            <a:endParaRPr lang="en-US" altLang="zh-CN" sz="2800" dirty="0" smtClean="0"/>
+          </a:p>
+          <a:p>
+            <a:r>
+              <a:rPr lang="zh-CN" altLang="en-US" sz="2800" dirty="0" smtClean="0"/>
+              <a:t>忽略管理</a:t>
+            </a:r>
+            <a:endParaRPr lang="en-US" altLang="zh-CN" sz="2800" dirty="0" smtClean="0"/>
+          </a:p>
+        </p:txBody>
+      </p:sp>
+      <p:sp>
+        <p:nvSpPr>
+          <p:cNvPr id="4" name="日期占位符 3"/>
+          <p:cNvSpPr>
+            <a:spLocks noGrp="1"/>
+          </p:cNvSpPr>
+          <p:nvPr>
+            <p:ph type="dt" sz="half" idx="10"/>
+          </p:nvPr>
+        </p:nvSpPr>
+        <p:spPr/>
+        <p:txBody>
+          <a:bodyPr/>
+          <a:lstStyle/>
+          <a:p>
+            <a:fld id="{20E2EF01-A683-4366-AA5B-B8D8D79B2493}" type="datetime1">
+              <a:rPr lang="zh-CN" altLang="en-US" smtClean="0"/>
+              <a:t>2016/10/10</a:t>
+            </a:fld>
+            <a:endParaRPr lang="zh-CN" altLang="en-US"/>
+          </a:p>
+        </p:txBody>
+      </p:sp>
+      <p:sp>
+        <p:nvSpPr>
+          <p:cNvPr id="5" name="灯片编号占位符 4"/>
+          <p:cNvSpPr>
+            <a:spLocks noGrp="1"/>
+          </p:cNvSpPr>
+          <p:nvPr>
+            <p:ph type="sldNum" sz="quarter" idx="12"/>
+          </p:nvPr>
+        </p:nvSpPr>
+        <p:spPr/>
+        <p:txBody>
+          <a:bodyPr/>
+          <a:lstStyle/>
+          <a:p>
+            <a:fld id="{0C913308-F349-4B6D-A68A-DD1791B4A57B}" type="slidenum">
+              <a:rPr lang="zh-CN" altLang="en-US" smtClean="0"/>
+              <a:t>10</a:t>
+            </a:fld>
+            <a:endParaRPr lang="zh-CN" altLang="en-US"/>
+          </a:p>
+        </p:txBody>
+      </p:sp>
+    </p:spTree>
+    <p:extLst>
+      <p:ext uri="{BB962C8B-B14F-4D97-AF65-F5344CB8AC3E}">
+        <p14:creationId xmlns:p14="http://schemas.microsoft.com/office/powerpoint/2010/main" val="170559600"/>
+      </p:ext>
+    </p:extLst>
+  </p:cSld>
+  <p:clrMapOvr>
+    <a:masterClrMapping/>
+  </p:clrMapOvr>
+</p:sld>
+</file>
+
+<file path=ppt/slides/slide11.xml><?xml version="1.0" encoding="utf-8"?>
+<p:sld xmlns:a="http://schemas.openxmlformats.org/drawingml/2006/main" xmlns:r="http://schemas.openxmlformats.org/officeDocument/2006/relationships" xmlns:p="http://schemas.openxmlformats.org/presentationml/2006/main">
+  <p:cSld>
+    <p:spTree>
+      <p:nvGrpSpPr>
+        <p:cNvPr id="1" name=""/>
+        <p:cNvGrpSpPr/>
+        <p:nvPr/>
+      </p:nvGrpSpPr>
+      <p:grpSpPr>
+        <a:xfrm>
+          <a:off x="0" y="0"/>
+          <a:ext cx="0" cy="0"/>
+          <a:chOff x="0" y="0"/>
+          <a:chExt cx="0" cy="0"/>
+        </a:xfrm>
+      </p:grpSpPr>
+      <p:sp>
+        <p:nvSpPr>
+          <p:cNvPr id="2" name="标题 1"/>
+          <p:cNvSpPr>
+            <a:spLocks noGrp="1"/>
+          </p:cNvSpPr>
+          <p:nvPr>
+            <p:ph type="title"/>
+          </p:nvPr>
+        </p:nvSpPr>
+        <p:spPr/>
+        <p:txBody>
+          <a:bodyPr>
+            <a:normAutofit/>
+          </a:bodyPr>
+          <a:lstStyle/>
+          <a:p>
+            <a:r>
+              <a:rPr lang="zh-CN" altLang="en-US" dirty="0" smtClean="0"/>
+              <a:t>克隆远程</a:t>
+            </a:r>
+            <a:r>
+              <a:rPr lang="zh-CN" altLang="en-US" dirty="0"/>
+              <a:t>代码</a:t>
+            </a:r>
+            <a:r>
+              <a:rPr lang="zh-CN" altLang="en-US" dirty="0" smtClean="0"/>
+              <a:t>库</a:t>
+            </a:r>
+            <a:endParaRPr lang="en-US" dirty="0"/>
+          </a:p>
+        </p:txBody>
+      </p:sp>
+      <p:sp>
+        <p:nvSpPr>
+          <p:cNvPr id="3" name="内容占位符 2"/>
+          <p:cNvSpPr>
+            <a:spLocks noGrp="1"/>
+          </p:cNvSpPr>
+          <p:nvPr>
+            <p:ph idx="1"/>
+          </p:nvPr>
+        </p:nvSpPr>
+        <p:spPr/>
+        <p:txBody>
+          <a:bodyPr>
+            <a:normAutofit fontScale="92500" lnSpcReduction="10000"/>
+          </a:bodyPr>
+          <a:lstStyle/>
+          <a:p>
+            <a:pPr marL="0" indent="0">
+              <a:buNone/>
+            </a:pPr>
+            <a:r>
+              <a:rPr lang="en-US" altLang="zh-CN" dirty="0" err="1" smtClean="0"/>
+              <a:t>git</a:t>
+            </a:r>
+            <a:r>
+              <a:rPr lang="en-US" altLang="zh-CN" dirty="0" smtClean="0"/>
+              <a:t> clone [</a:t>
+            </a:r>
+            <a:r>
+              <a:rPr lang="en-US" altLang="zh-CN" dirty="0" err="1" smtClean="0"/>
+              <a:t>url</a:t>
+            </a:r>
+            <a:r>
+              <a:rPr lang="en-US" altLang="zh-CN" dirty="0" smtClean="0"/>
+              <a:t>]</a:t>
+            </a:r>
+          </a:p>
+          <a:p>
+            <a:pPr marL="0" indent="0">
+              <a:buNone/>
+            </a:pPr>
+            <a:endParaRPr lang="en-US" sz="2800" dirty="0"/>
+          </a:p>
+          <a:p>
+            <a:pPr marL="0" indent="0">
+              <a:buNone/>
+            </a:pPr>
+            <a:r>
+              <a:rPr lang="en-US" altLang="zh-CN" sz="2800" dirty="0" smtClean="0"/>
+              <a:t>Monkey time</a:t>
+            </a:r>
+            <a:r>
+              <a:rPr lang="zh-CN" altLang="en-US" sz="2800" dirty="0" smtClean="0"/>
+              <a:t>：</a:t>
+            </a:r>
+            <a:endParaRPr lang="en-US" altLang="zh-CN" sz="2800" dirty="0" smtClean="0"/>
+          </a:p>
+          <a:p>
+            <a:pPr marL="0" indent="0">
+              <a:buNone/>
+            </a:pPr>
+            <a:r>
+              <a:rPr lang="zh-CN" altLang="en-US" sz="2800" dirty="0" smtClean="0"/>
+              <a:t>获取</a:t>
+            </a:r>
+            <a:r>
+              <a:rPr lang="en-US" altLang="zh-CN" sz="2800" dirty="0" err="1" smtClean="0"/>
+              <a:t>github</a:t>
+            </a:r>
+            <a:r>
+              <a:rPr lang="zh-CN" altLang="en-US" sz="2800" dirty="0" smtClean="0"/>
+              <a:t>上的代码库：</a:t>
+            </a:r>
+            <a:endParaRPr lang="en-US" altLang="zh-CN" sz="2800" dirty="0" smtClean="0"/>
+          </a:p>
+          <a:p>
+            <a:pPr marL="0" indent="0">
+              <a:buNone/>
+            </a:pPr>
+            <a:r>
+              <a:rPr lang="en-US" altLang="zh-CN" sz="2800" dirty="0" smtClean="0"/>
+              <a:t>1. </a:t>
+            </a:r>
+            <a:r>
+              <a:rPr lang="zh-CN" altLang="en-US" sz="2800" dirty="0" smtClean="0"/>
+              <a:t>进入某个文件目录</a:t>
+            </a:r>
+            <a:endParaRPr lang="en-US" altLang="zh-CN" sz="2800" dirty="0" smtClean="0"/>
+          </a:p>
+          <a:p>
+            <a:pPr marL="0" indent="0">
+              <a:buNone/>
+            </a:pPr>
+            <a:r>
+              <a:rPr lang="en-US" sz="2800" dirty="0" smtClean="0"/>
+              <a:t>     </a:t>
+            </a:r>
+            <a:r>
+              <a:rPr lang="en-US" altLang="zh-CN" sz="2800" dirty="0" smtClean="0"/>
+              <a:t>cd ~/Documents/</a:t>
+            </a:r>
+            <a:r>
+              <a:rPr lang="en-US" altLang="zh-CN" sz="2800" dirty="0" err="1" smtClean="0"/>
+              <a:t>GitHub</a:t>
+            </a:r>
+            <a:endParaRPr lang="en-US" sz="2800" dirty="0" smtClean="0"/>
+          </a:p>
+          <a:p>
+            <a:pPr marL="0" indent="0">
+              <a:buNone/>
+            </a:pPr>
+            <a:r>
+              <a:rPr lang="en-US" sz="2800" dirty="0" smtClean="0"/>
+              <a:t>2</a:t>
+            </a:r>
+            <a:r>
+              <a:rPr lang="en-US" altLang="zh-CN" sz="2800" dirty="0" smtClean="0"/>
+              <a:t>. </a:t>
+            </a:r>
+            <a:r>
+              <a:rPr lang="zh-CN" altLang="en-US" sz="2800" dirty="0" smtClean="0"/>
+              <a:t>运行命令：</a:t>
+            </a:r>
+            <a:endParaRPr lang="en-US" altLang="zh-CN" sz="2800" dirty="0" smtClean="0"/>
+          </a:p>
+          <a:p>
+            <a:pPr marL="0" indent="0">
+              <a:buNone/>
+            </a:pPr>
+            <a:r>
+              <a:rPr lang="en-US" sz="2800" dirty="0"/>
+              <a:t> </a:t>
+            </a:r>
+            <a:r>
+              <a:rPr lang="en-US" sz="2800" dirty="0" smtClean="0"/>
+              <a:t>   </a:t>
+            </a:r>
+            <a:r>
+              <a:rPr lang="en-US" sz="2800" dirty="0" err="1" smtClean="0"/>
+              <a:t>git</a:t>
+            </a:r>
+            <a:r>
+              <a:rPr lang="en-US" sz="2800" dirty="0" smtClean="0"/>
+              <a:t> c</a:t>
+            </a:r>
+            <a:r>
+              <a:rPr lang="en-US" altLang="zh-CN" sz="2800" dirty="0" smtClean="0"/>
+              <a:t>lone </a:t>
+            </a:r>
+            <a:r>
+              <a:rPr lang="en-US" altLang="zh-CN" sz="2800" dirty="0" err="1" smtClean="0">
+                <a:hlinkClick r:id="rId2"/>
+              </a:rPr>
+              <a:t>git@github.com:Charlot</a:t>
+            </a:r>
+            <a:r>
+              <a:rPr lang="en-US" altLang="zh-CN" sz="2800" dirty="0" smtClean="0">
+                <a:hlinkClick r:id="rId2"/>
+              </a:rPr>
+              <a:t>/</a:t>
+            </a:r>
+            <a:r>
+              <a:rPr lang="en-US" altLang="zh-CN" sz="2800" dirty="0" err="1" smtClean="0">
+                <a:hlinkClick r:id="rId2"/>
+              </a:rPr>
+              <a:t>GitCmdDemo.git</a:t>
+            </a:r>
+            <a:endParaRPr lang="en-US" altLang="zh-CN" sz="2800" dirty="0" smtClean="0"/>
+          </a:p>
+          <a:p>
+            <a:pPr marL="0" indent="0">
+              <a:buNone/>
+            </a:pPr>
+            <a:r>
+              <a:rPr lang="en-US" sz="2800" dirty="0" smtClean="0"/>
+              <a:t>3. </a:t>
+            </a:r>
+            <a:r>
+              <a:rPr lang="zh-CN" altLang="en-US" sz="2800" dirty="0" smtClean="0"/>
+              <a:t>查看库</a:t>
+            </a:r>
+            <a:endParaRPr lang="en-US" altLang="zh-CN" sz="2800" dirty="0" smtClean="0"/>
+          </a:p>
+          <a:p>
+            <a:pPr marL="0" indent="0">
+              <a:buNone/>
+            </a:pPr>
+            <a:r>
+              <a:rPr lang="en-US" sz="2800" dirty="0" smtClean="0"/>
+              <a:t>     </a:t>
+            </a:r>
+            <a:r>
+              <a:rPr lang="en-US" sz="2800" dirty="0" err="1" smtClean="0"/>
+              <a:t>ls</a:t>
+            </a:r>
+            <a:endParaRPr lang="en-US" sz="2800" dirty="0"/>
+          </a:p>
+        </p:txBody>
+      </p:sp>
+      <p:sp>
+        <p:nvSpPr>
+          <p:cNvPr id="4" name="日期占位符 3"/>
+          <p:cNvSpPr>
+            <a:spLocks noGrp="1"/>
+          </p:cNvSpPr>
+          <p:nvPr>
+            <p:ph type="dt" sz="half" idx="10"/>
+          </p:nvPr>
+        </p:nvSpPr>
+        <p:spPr/>
+        <p:txBody>
+          <a:bodyPr/>
+          <a:lstStyle/>
+          <a:p>
+            <a:fld id="{5E3C08E7-3F67-464C-BE8B-EC6065C403FF}" type="datetime1">
+              <a:rPr lang="zh-CN" altLang="en-US" smtClean="0"/>
+              <a:t>2016/10/10</a:t>
+            </a:fld>
+            <a:endParaRPr lang="zh-CN" altLang="en-US"/>
+          </a:p>
+        </p:txBody>
+      </p:sp>
+      <p:sp>
+        <p:nvSpPr>
+          <p:cNvPr id="5" name="灯片编号占位符 4"/>
+          <p:cNvSpPr>
+            <a:spLocks noGrp="1"/>
+          </p:cNvSpPr>
+          <p:nvPr>
+            <p:ph type="sldNum" sz="quarter" idx="12"/>
+          </p:nvPr>
+        </p:nvSpPr>
+        <p:spPr/>
+        <p:txBody>
+          <a:bodyPr/>
+          <a:lstStyle/>
+          <a:p>
+            <a:fld id="{0C913308-F349-4B6D-A68A-DD1791B4A57B}" type="slidenum">
+              <a:rPr lang="zh-CN" altLang="en-US" smtClean="0"/>
+              <a:t>11</a:t>
+            </a:fld>
+            <a:endParaRPr lang="zh-CN" altLang="en-US"/>
+          </a:p>
+        </p:txBody>
+      </p:sp>
+    </p:spTree>
+    <p:extLst>
+      <p:ext uri="{BB962C8B-B14F-4D97-AF65-F5344CB8AC3E}">
+        <p14:creationId xmlns:p14="http://schemas.microsoft.com/office/powerpoint/2010/main" val="329659499"/>
+      </p:ext>
+    </p:extLst>
+  </p:cSld>
+  <p:clrMapOvr>
+    <a:masterClrMapping/>
+  </p:clrMapOvr>
+</p:sld>
+</file>
+
+<file path=ppt/slides/slide12.xml><?xml version="1.0" encoding="utf-8"?>
+<p:sld xmlns:a="http://schemas.openxmlformats.org/drawingml/2006/main" xmlns:r="http://schemas.openxmlformats.org/officeDocument/2006/relationships" xmlns:p="http://schemas.openxmlformats.org/presentationml/2006/main">
+  <p:cSld>
+    <p:spTree>
+      <p:nvGrpSpPr>
+        <p:cNvPr id="1" name=""/>
+        <p:cNvGrpSpPr/>
+        <p:nvPr/>
+      </p:nvGrpSpPr>
+      <p:grpSpPr>
+        <a:xfrm>
+          <a:off x="0" y="0"/>
+          <a:ext cx="0" cy="0"/>
+          <a:chOff x="0" y="0"/>
+          <a:chExt cx="0" cy="0"/>
+        </a:xfrm>
+      </p:grpSpPr>
+      <p:sp>
+        <p:nvSpPr>
+          <p:cNvPr id="2" name="标题 1"/>
+          <p:cNvSpPr>
+            <a:spLocks noGrp="1"/>
+          </p:cNvSpPr>
+          <p:nvPr>
+            <p:ph type="title"/>
+          </p:nvPr>
+        </p:nvSpPr>
+        <p:spPr/>
+        <p:txBody>
+          <a:bodyPr>
+            <a:normAutofit/>
+          </a:bodyPr>
+          <a:lstStyle/>
+          <a:p>
+            <a:r>
+              <a:rPr lang="zh-CN" altLang="en-US" dirty="0"/>
+              <a:t>提交</a:t>
+            </a:r>
+            <a:r>
+              <a:rPr lang="zh-CN" altLang="en-US" dirty="0" smtClean="0"/>
+              <a:t>代码</a:t>
+            </a:r>
+            <a:endParaRPr lang="en-US" dirty="0"/>
+          </a:p>
+        </p:txBody>
+      </p:sp>
+      <p:sp>
+        <p:nvSpPr>
+          <p:cNvPr id="3" name="内容占位符 2"/>
+          <p:cNvSpPr>
+            <a:spLocks noGrp="1"/>
+          </p:cNvSpPr>
+          <p:nvPr>
+            <p:ph idx="1"/>
+          </p:nvPr>
+        </p:nvSpPr>
+        <p:spPr/>
+        <p:txBody>
+          <a:bodyPr>
+            <a:normAutofit fontScale="70000" lnSpcReduction="20000"/>
+          </a:bodyPr>
+          <a:lstStyle/>
+          <a:p>
+            <a:pPr marL="514350" indent="-514350">
+              <a:buAutoNum type="arabicPeriod"/>
+            </a:pPr>
+            <a:r>
+              <a:rPr lang="zh-CN" altLang="en-US" dirty="0" smtClean="0"/>
+              <a:t>添加内容从工作目录到暂存区</a:t>
+            </a:r>
+            <a:endParaRPr lang="en-US" altLang="zh-CN" dirty="0" smtClean="0"/>
+          </a:p>
+          <a:p>
+            <a:pPr marL="0" indent="0">
+              <a:buNone/>
+            </a:pPr>
+            <a:r>
+              <a:rPr lang="en-US" dirty="0"/>
+              <a:t> </a:t>
+            </a:r>
+            <a:r>
+              <a:rPr lang="en-US" dirty="0" smtClean="0"/>
+              <a:t>    </a:t>
+            </a:r>
+            <a:r>
+              <a:rPr lang="en-US" dirty="0" err="1" smtClean="0"/>
+              <a:t>git</a:t>
+            </a:r>
+            <a:r>
+              <a:rPr lang="en-US" dirty="0" smtClean="0"/>
+              <a:t> add &lt;</a:t>
+            </a:r>
+            <a:r>
+              <a:rPr lang="en-US" dirty="0"/>
+              <a:t>filename</a:t>
+            </a:r>
+            <a:r>
+              <a:rPr lang="en-US" dirty="0" smtClean="0"/>
+              <a:t>&gt;|.</a:t>
+            </a:r>
+            <a:r>
+              <a:rPr lang="en-US" altLang="zh-CN" dirty="0" smtClean="0"/>
+              <a:t>|</a:t>
+            </a:r>
+            <a:r>
+              <a:rPr lang="zh-CN" altLang="en-US" dirty="0" smtClean="0"/>
+              <a:t>*</a:t>
+            </a:r>
+            <a:endParaRPr lang="en-US" altLang="zh-CN" dirty="0" smtClean="0"/>
+          </a:p>
+          <a:p>
+            <a:pPr marL="0" indent="0">
+              <a:buNone/>
+            </a:pPr>
+            <a:endParaRPr lang="en-US" altLang="zh-CN" dirty="0" smtClean="0"/>
+          </a:p>
+          <a:p>
+            <a:pPr marL="0" indent="0">
+              <a:buNone/>
+            </a:pPr>
+            <a:r>
+              <a:rPr lang="en-US" dirty="0" smtClean="0"/>
+              <a:t>2</a:t>
+            </a:r>
+            <a:r>
+              <a:rPr lang="en-US" altLang="zh-CN" dirty="0" smtClean="0"/>
+              <a:t>. </a:t>
+            </a:r>
+            <a:r>
+              <a:rPr lang="zh-CN" altLang="en-US" dirty="0" smtClean="0"/>
+              <a:t>创建持久快照</a:t>
+            </a:r>
+            <a:endParaRPr lang="en-US" altLang="zh-CN" dirty="0" smtClean="0"/>
+          </a:p>
+          <a:p>
+            <a:pPr marL="0" indent="0">
+              <a:buNone/>
+            </a:pPr>
+            <a:r>
+              <a:rPr lang="en-US" dirty="0"/>
+              <a:t> </a:t>
+            </a:r>
+            <a:r>
+              <a:rPr lang="en-US" dirty="0" smtClean="0"/>
+              <a:t>  </a:t>
+            </a:r>
+            <a:r>
+              <a:rPr lang="en-US" dirty="0" err="1" smtClean="0"/>
+              <a:t>git</a:t>
+            </a:r>
+            <a:r>
+              <a:rPr lang="en-US" dirty="0" smtClean="0"/>
+              <a:t> commit –m ‘your commit’</a:t>
+            </a:r>
+          </a:p>
+          <a:p>
+            <a:pPr marL="0" indent="0">
+              <a:buNone/>
+            </a:pPr>
+            <a:endParaRPr lang="en-US" dirty="0" smtClean="0"/>
+          </a:p>
+          <a:p>
+            <a:pPr marL="0" indent="0">
+              <a:buNone/>
+            </a:pPr>
+            <a:r>
+              <a:rPr lang="en-US" dirty="0" smtClean="0"/>
+              <a:t>3</a:t>
+            </a:r>
+            <a:r>
+              <a:rPr lang="en-US" altLang="zh-CN" dirty="0" smtClean="0"/>
+              <a:t>. </a:t>
+            </a:r>
+            <a:r>
+              <a:rPr lang="zh-CN" altLang="en-US" dirty="0" smtClean="0"/>
+              <a:t>推送到代码库</a:t>
+            </a:r>
+            <a:endParaRPr lang="en-US" altLang="zh-CN" dirty="0" smtClean="0"/>
+          </a:p>
+          <a:p>
+            <a:pPr marL="0" indent="0">
+              <a:buNone/>
+            </a:pPr>
+            <a:r>
+              <a:rPr lang="en-US" dirty="0"/>
+              <a:t> </a:t>
+            </a:r>
+            <a:r>
+              <a:rPr lang="en-US" dirty="0" smtClean="0"/>
+              <a:t>    </a:t>
+            </a:r>
+            <a:r>
+              <a:rPr lang="en-US" dirty="0" err="1" smtClean="0"/>
+              <a:t>git</a:t>
+            </a:r>
+            <a:r>
+              <a:rPr lang="en-US" dirty="0" smtClean="0"/>
+              <a:t> push</a:t>
+            </a:r>
+          </a:p>
+          <a:p>
+            <a:pPr marL="0" indent="0">
+              <a:buNone/>
+            </a:pPr>
+            <a:endParaRPr lang="en-US" dirty="0" smtClean="0"/>
+          </a:p>
+          <a:p>
+            <a:pPr marL="0" indent="0">
+              <a:buNone/>
+            </a:pPr>
+            <a:r>
+              <a:rPr lang="en-US" dirty="0" smtClean="0"/>
+              <a:t>4</a:t>
+            </a:r>
+            <a:r>
+              <a:rPr lang="en-US" altLang="zh-CN" dirty="0" smtClean="0"/>
+              <a:t>. </a:t>
+            </a:r>
+            <a:r>
+              <a:rPr lang="zh-CN" altLang="en-US" dirty="0" smtClean="0"/>
+              <a:t>展示工作区及暂存区状态</a:t>
+            </a:r>
+            <a:endParaRPr lang="en-US" altLang="zh-CN" dirty="0" smtClean="0"/>
+          </a:p>
+          <a:p>
+            <a:pPr marL="0" indent="0">
+              <a:buNone/>
+            </a:pPr>
+            <a:r>
+              <a:rPr lang="en-US" altLang="zh-CN" dirty="0"/>
+              <a:t> </a:t>
+            </a:r>
+            <a:r>
+              <a:rPr lang="en-US" altLang="zh-CN" dirty="0" smtClean="0"/>
+              <a:t>    </a:t>
+            </a:r>
+            <a:r>
+              <a:rPr lang="en-US" altLang="zh-CN" dirty="0" err="1" smtClean="0"/>
+              <a:t>git</a:t>
+            </a:r>
+            <a:r>
+              <a:rPr lang="en-US" altLang="zh-CN" dirty="0" smtClean="0"/>
+              <a:t> status</a:t>
+            </a:r>
+          </a:p>
+          <a:p>
+            <a:pPr marL="0" indent="0">
+              <a:buNone/>
+            </a:pPr>
+            <a:r>
+              <a:rPr lang="en-US" dirty="0" smtClean="0"/>
+              <a:t> </a:t>
+            </a:r>
+            <a:endParaRPr lang="en-US" dirty="0"/>
+          </a:p>
+        </p:txBody>
+      </p:sp>
+      <p:pic>
+        <p:nvPicPr>
+          <p:cNvPr id="4098" name="Picture 2" descr="C:\Users\Wangsong\Pictures\company course\git push cmd trees.png"/>
+          <p:cNvPicPr>
+            <a:picLocks noChangeAspect="1" noChangeArrowheads="1"/>
+          </p:cNvPicPr>
+          <p:nvPr/>
+        </p:nvPicPr>
+        <p:blipFill>
+          <a:blip r:embed="rId2">
+            <a:extLst>
+              <a:ext uri="{28A0092B-C50C-407E-A947-70E740481C1C}">
+                <a14:useLocalDpi xmlns:a14="http://schemas.microsoft.com/office/drawing/2010/main" val="0"/>
+              </a:ext>
+            </a:extLst>
+          </a:blip>
+          <a:srcRect/>
+          <a:stretch>
+            <a:fillRect/>
+          </a:stretch>
+        </p:blipFill>
+        <p:spPr bwMode="auto">
+          <a:xfrm>
+            <a:off x="3999301" y="3789040"/>
+            <a:ext cx="5112568" cy="1956048"/>
+          </a:xfrm>
+          <a:prstGeom prst="rect">
+            <a:avLst/>
+          </a:prstGeom>
+          <a:ln w="76200"/>
+        </p:spPr>
+        <p:style>
+          <a:lnRef idx="2">
+            <a:schemeClr val="accent1"/>
+          </a:lnRef>
+          <a:fillRef idx="1">
+            <a:schemeClr val="lt1"/>
+          </a:fillRef>
+          <a:effectRef idx="0">
+            <a:schemeClr val="accent1"/>
+          </a:effectRef>
+          <a:fontRef idx="minor">
+            <a:schemeClr val="dk1"/>
+          </a:fontRef>
+        </p:style>
+      </p:pic>
+      <p:sp>
+        <p:nvSpPr>
+          <p:cNvPr id="4" name="日期占位符 3"/>
+          <p:cNvSpPr>
+            <a:spLocks noGrp="1"/>
+          </p:cNvSpPr>
+          <p:nvPr>
+            <p:ph type="dt" sz="half" idx="10"/>
+          </p:nvPr>
+        </p:nvSpPr>
+        <p:spPr/>
+        <p:txBody>
+          <a:bodyPr/>
+          <a:lstStyle/>
+          <a:p>
+            <a:fld id="{1C120109-BFF3-4EF2-8513-E276B4593416}" type="datetime1">
+              <a:rPr lang="zh-CN" altLang="en-US" smtClean="0"/>
+              <a:t>2016/10/10</a:t>
+            </a:fld>
+            <a:endParaRPr lang="zh-CN" altLang="en-US"/>
+          </a:p>
+        </p:txBody>
+      </p:sp>
+      <p:sp>
+        <p:nvSpPr>
+          <p:cNvPr id="5" name="灯片编号占位符 4"/>
+          <p:cNvSpPr>
+            <a:spLocks noGrp="1"/>
+          </p:cNvSpPr>
+          <p:nvPr>
+            <p:ph type="sldNum" sz="quarter" idx="12"/>
+          </p:nvPr>
+        </p:nvSpPr>
+        <p:spPr/>
+        <p:txBody>
+          <a:bodyPr/>
+          <a:lstStyle/>
+          <a:p>
+            <a:fld id="{0C913308-F349-4B6D-A68A-DD1791B4A57B}" type="slidenum">
+              <a:rPr lang="zh-CN" altLang="en-US" smtClean="0"/>
+              <a:t>12</a:t>
+            </a:fld>
+            <a:endParaRPr lang="zh-CN" altLang="en-US"/>
+          </a:p>
+        </p:txBody>
+      </p:sp>
+    </p:spTree>
+    <p:extLst>
+      <p:ext uri="{BB962C8B-B14F-4D97-AF65-F5344CB8AC3E}">
+        <p14:creationId xmlns:p14="http://schemas.microsoft.com/office/powerpoint/2010/main" val="3436722908"/>
+      </p:ext>
+    </p:extLst>
+  </p:cSld>
+  <p:clrMapOvr>
+    <a:masterClrMapping/>
+  </p:clrMapOvr>
+</p:sld>
+</file>
+
+<file path=ppt/slides/slide13.xml><?xml version="1.0" encoding="utf-8"?>
+<p:sld xmlns:a="http://schemas.openxmlformats.org/drawingml/2006/main" xmlns:r="http://schemas.openxmlformats.org/officeDocument/2006/relationships" xmlns:p="http://schemas.openxmlformats.org/presentationml/2006/main">
+  <p:cSld>
+    <p:spTree>
+      <p:nvGrpSpPr>
+        <p:cNvPr id="1" name=""/>
+        <p:cNvGrpSpPr/>
+        <p:nvPr/>
+      </p:nvGrpSpPr>
+      <p:grpSpPr>
+        <a:xfrm>
+          <a:off x="0" y="0"/>
+          <a:ext cx="0" cy="0"/>
+          <a:chOff x="0" y="0"/>
+          <a:chExt cx="0" cy="0"/>
+        </a:xfrm>
+      </p:grpSpPr>
+      <p:sp>
+        <p:nvSpPr>
+          <p:cNvPr id="2" name="标题 1"/>
+          <p:cNvSpPr>
+            <a:spLocks noGrp="1"/>
+          </p:cNvSpPr>
+          <p:nvPr>
+            <p:ph type="title"/>
+          </p:nvPr>
+        </p:nvSpPr>
+        <p:spPr/>
+        <p:txBody>
+          <a:bodyPr/>
+          <a:lstStyle/>
+          <a:p>
+            <a:r>
+              <a:rPr lang="zh-CN" altLang="en-US" dirty="0"/>
+              <a:t>提交代码</a:t>
+            </a:r>
+            <a:endParaRPr lang="en-US" dirty="0"/>
+          </a:p>
+        </p:txBody>
+      </p:sp>
+      <p:sp>
+        <p:nvSpPr>
+          <p:cNvPr id="3" name="内容占位符 2"/>
+          <p:cNvSpPr>
+            <a:spLocks noGrp="1"/>
+          </p:cNvSpPr>
+          <p:nvPr>
+            <p:ph idx="1"/>
+          </p:nvPr>
+        </p:nvSpPr>
+        <p:spPr/>
+        <p:txBody>
+          <a:bodyPr>
+            <a:normAutofit fontScale="92500" lnSpcReduction="20000"/>
+          </a:bodyPr>
+          <a:lstStyle/>
+          <a:p>
+            <a:pPr marL="0" indent="0">
+              <a:buNone/>
+            </a:pPr>
+            <a:r>
+              <a:rPr lang="en-US" dirty="0" smtClean="0"/>
+              <a:t>Monkey time:</a:t>
+            </a:r>
+          </a:p>
+          <a:p>
+            <a:pPr marL="0" indent="0">
+              <a:buNone/>
+            </a:pPr>
+            <a:r>
+              <a:rPr lang="zh-CN" altLang="en-US" dirty="0" smtClean="0"/>
+              <a:t>创建文本</a:t>
+            </a:r>
+            <a:r>
+              <a:rPr lang="en-US" altLang="zh-CN" dirty="0" smtClean="0"/>
+              <a:t>hellogit.txt</a:t>
+            </a:r>
+            <a:r>
+              <a:rPr lang="zh-CN" altLang="en-US" dirty="0" smtClean="0"/>
+              <a:t>并上传</a:t>
+            </a:r>
+            <a:endParaRPr lang="en-US" altLang="zh-CN" dirty="0" smtClean="0"/>
+          </a:p>
+          <a:p>
+            <a:pPr marL="0" indent="0">
+              <a:buNone/>
+            </a:pPr>
+            <a:endParaRPr lang="en-US" altLang="zh-CN" dirty="0" smtClean="0"/>
+          </a:p>
+          <a:p>
+            <a:pPr marL="0" indent="0">
+              <a:buNone/>
+            </a:pPr>
+            <a:r>
+              <a:rPr lang="en-US" altLang="zh-CN" dirty="0" err="1"/>
+              <a:t>g</a:t>
+            </a:r>
+            <a:r>
+              <a:rPr lang="en-US" altLang="zh-CN" dirty="0" err="1" smtClean="0"/>
+              <a:t>it</a:t>
+            </a:r>
+            <a:r>
+              <a:rPr lang="en-US" altLang="zh-CN" dirty="0" smtClean="0"/>
+              <a:t> add hellogit.txt</a:t>
+            </a:r>
+          </a:p>
+          <a:p>
+            <a:pPr marL="0" indent="0">
+              <a:buNone/>
+            </a:pPr>
+            <a:r>
+              <a:rPr lang="en-US" altLang="zh-CN" dirty="0" err="1" smtClean="0"/>
+              <a:t>git</a:t>
+            </a:r>
+            <a:r>
+              <a:rPr lang="en-US" altLang="zh-CN" dirty="0" smtClean="0"/>
+              <a:t> status</a:t>
+            </a:r>
+          </a:p>
+          <a:p>
+            <a:pPr marL="0" indent="0">
+              <a:buNone/>
+            </a:pPr>
+            <a:r>
+              <a:rPr lang="en-US" altLang="zh-CN" dirty="0" err="1" smtClean="0"/>
+              <a:t>git</a:t>
+            </a:r>
+            <a:r>
+              <a:rPr lang="en-US" altLang="zh-CN" dirty="0" smtClean="0"/>
+              <a:t> commit –m ‘create </a:t>
+            </a:r>
+            <a:r>
+              <a:rPr lang="en-US" altLang="zh-CN" dirty="0" err="1" smtClean="0"/>
+              <a:t>hellogit</a:t>
+            </a:r>
+            <a:r>
+              <a:rPr lang="en-US" altLang="zh-CN" dirty="0" smtClean="0"/>
+              <a:t> txt’</a:t>
+            </a:r>
+          </a:p>
+          <a:p>
+            <a:pPr marL="0" indent="0">
+              <a:buNone/>
+            </a:pPr>
+            <a:r>
+              <a:rPr lang="en-US" altLang="zh-CN" dirty="0" err="1" smtClean="0"/>
+              <a:t>git</a:t>
+            </a:r>
+            <a:r>
+              <a:rPr lang="en-US" altLang="zh-CN" dirty="0" smtClean="0"/>
+              <a:t> status</a:t>
+            </a:r>
+          </a:p>
+          <a:p>
+            <a:pPr marL="0" indent="0">
+              <a:buNone/>
+            </a:pPr>
+            <a:r>
+              <a:rPr lang="en-US" altLang="zh-CN" dirty="0" err="1" smtClean="0"/>
+              <a:t>git</a:t>
+            </a:r>
+            <a:r>
+              <a:rPr lang="en-US" altLang="zh-CN" dirty="0" smtClean="0"/>
+              <a:t> push origin master</a:t>
+            </a:r>
+          </a:p>
+          <a:p>
+            <a:pPr marL="0" indent="0">
+              <a:buNone/>
+            </a:pPr>
+            <a:r>
+              <a:rPr lang="en-US" altLang="zh-CN" dirty="0" err="1"/>
+              <a:t>g</a:t>
+            </a:r>
+            <a:r>
+              <a:rPr lang="en-US" altLang="zh-CN" dirty="0" err="1" smtClean="0"/>
+              <a:t>it</a:t>
+            </a:r>
+            <a:r>
+              <a:rPr lang="en-US" altLang="zh-CN" dirty="0" smtClean="0"/>
+              <a:t> status </a:t>
+            </a:r>
+          </a:p>
+        </p:txBody>
+      </p:sp>
+      <p:sp>
+        <p:nvSpPr>
+          <p:cNvPr id="4" name="日期占位符 3"/>
+          <p:cNvSpPr>
+            <a:spLocks noGrp="1"/>
+          </p:cNvSpPr>
+          <p:nvPr>
+            <p:ph type="dt" sz="half" idx="10"/>
+          </p:nvPr>
+        </p:nvSpPr>
+        <p:spPr/>
+        <p:txBody>
+          <a:bodyPr/>
+          <a:lstStyle/>
+          <a:p>
+            <a:fld id="{01116F07-65C2-42B3-8559-1B1AFE06F045}" type="datetime1">
+              <a:rPr lang="zh-CN" altLang="en-US" smtClean="0"/>
+              <a:t>2016/10/10</a:t>
+            </a:fld>
+            <a:endParaRPr lang="zh-CN" altLang="en-US"/>
+          </a:p>
+        </p:txBody>
+      </p:sp>
+      <p:sp>
+        <p:nvSpPr>
+          <p:cNvPr id="5" name="灯片编号占位符 4"/>
+          <p:cNvSpPr>
+            <a:spLocks noGrp="1"/>
+          </p:cNvSpPr>
+          <p:nvPr>
+            <p:ph type="sldNum" sz="quarter" idx="12"/>
+          </p:nvPr>
+        </p:nvSpPr>
+        <p:spPr/>
+        <p:txBody>
+          <a:bodyPr/>
+          <a:lstStyle/>
+          <a:p>
+            <a:fld id="{0C913308-F349-4B6D-A68A-DD1791B4A57B}" type="slidenum">
+              <a:rPr lang="zh-CN" altLang="en-US" smtClean="0"/>
+              <a:t>13</a:t>
+            </a:fld>
+            <a:endParaRPr lang="zh-CN" altLang="en-US"/>
+          </a:p>
+        </p:txBody>
+      </p:sp>
+    </p:spTree>
+    <p:extLst>
+      <p:ext uri="{BB962C8B-B14F-4D97-AF65-F5344CB8AC3E}">
+        <p14:creationId xmlns:p14="http://schemas.microsoft.com/office/powerpoint/2010/main" val="1471131782"/>
+      </p:ext>
+    </p:extLst>
+  </p:cSld>
+  <p:clrMapOvr>
+    <a:masterClrMapping/>
+  </p:clrMapOvr>
+</p:sld>
+</file>
+
+<file path=ppt/slides/slide14.xml><?xml version="1.0" encoding="utf-8"?>
+<p:sld xmlns:a="http://schemas.openxmlformats.org/drawingml/2006/main" xmlns:r="http://schemas.openxmlformats.org/officeDocument/2006/relationships" xmlns:p="http://schemas.openxmlformats.org/presentationml/2006/main">
+  <p:cSld>
+    <p:spTree>
+      <p:nvGrpSpPr>
+        <p:cNvPr id="1" name=""/>
+        <p:cNvGrpSpPr/>
+        <p:nvPr/>
+      </p:nvGrpSpPr>
+      <p:grpSpPr>
+        <a:xfrm>
+          <a:off x="0" y="0"/>
+          <a:ext cx="0" cy="0"/>
+          <a:chOff x="0" y="0"/>
+          <a:chExt cx="0" cy="0"/>
+        </a:xfrm>
+      </p:grpSpPr>
+      <p:sp>
+        <p:nvSpPr>
+          <p:cNvPr id="2" name="标题 1"/>
+          <p:cNvSpPr>
+            <a:spLocks noGrp="1"/>
+          </p:cNvSpPr>
+          <p:nvPr>
+            <p:ph type="title"/>
+          </p:nvPr>
+        </p:nvSpPr>
+        <p:spPr/>
+        <p:txBody>
+          <a:bodyPr>
+            <a:normAutofit/>
+          </a:bodyPr>
+          <a:lstStyle/>
+          <a:p>
+            <a:r>
+              <a:rPr lang="zh-CN" altLang="en-US" dirty="0"/>
+              <a:t>更新本地</a:t>
+            </a:r>
+            <a:r>
+              <a:rPr lang="zh-CN" altLang="en-US" dirty="0" smtClean="0"/>
+              <a:t>代码</a:t>
+            </a:r>
+            <a:endParaRPr lang="en-US" dirty="0"/>
+          </a:p>
+        </p:txBody>
+      </p:sp>
+      <p:sp>
+        <p:nvSpPr>
+          <p:cNvPr id="3" name="内容占位符 2"/>
+          <p:cNvSpPr>
+            <a:spLocks noGrp="1"/>
+          </p:cNvSpPr>
+          <p:nvPr>
+            <p:ph idx="1"/>
+          </p:nvPr>
+        </p:nvSpPr>
+        <p:spPr/>
+        <p:txBody>
+          <a:bodyPr/>
+          <a:lstStyle/>
+          <a:p>
+            <a:pPr marL="0" indent="0">
+              <a:buNone/>
+            </a:pPr>
+            <a:r>
+              <a:rPr lang="en-US" dirty="0" err="1" smtClean="0"/>
+              <a:t>git</a:t>
+            </a:r>
+            <a:r>
+              <a:rPr lang="en-US" dirty="0" smtClean="0"/>
+              <a:t> pull</a:t>
+            </a:r>
+          </a:p>
+          <a:p>
+            <a:pPr marL="0" indent="0">
+              <a:buNone/>
+            </a:pPr>
+            <a:endParaRPr lang="en-US" dirty="0"/>
+          </a:p>
+          <a:p>
+            <a:pPr marL="0" indent="0">
+              <a:buNone/>
+            </a:pPr>
+            <a:r>
+              <a:rPr lang="en-US" dirty="0" err="1" smtClean="0"/>
+              <a:t>Mokey</a:t>
+            </a:r>
+            <a:r>
+              <a:rPr lang="en-US" dirty="0" smtClean="0"/>
+              <a:t> </a:t>
+            </a:r>
+            <a:r>
+              <a:rPr lang="en-US" altLang="zh-CN" dirty="0" smtClean="0"/>
+              <a:t>time:</a:t>
+            </a:r>
+          </a:p>
+          <a:p>
+            <a:pPr marL="0" indent="0">
+              <a:buNone/>
+            </a:pPr>
+            <a:r>
+              <a:rPr lang="en-US" sz="2400" dirty="0"/>
+              <a:t> </a:t>
+            </a:r>
+            <a:r>
+              <a:rPr lang="zh-CN" altLang="en-US" sz="2400" dirty="0" smtClean="0"/>
+              <a:t>几乎是进入</a:t>
+            </a:r>
+            <a:r>
+              <a:rPr lang="en-US" altLang="zh-CN" sz="2400" dirty="0" err="1" smtClean="0"/>
+              <a:t>git</a:t>
+            </a:r>
+            <a:r>
+              <a:rPr lang="zh-CN" altLang="en-US" sz="2400" dirty="0" smtClean="0"/>
+              <a:t>工作状态的第一条命令</a:t>
+            </a:r>
+            <a:endParaRPr lang="en-US" altLang="zh-CN" sz="2400" dirty="0" smtClean="0"/>
+          </a:p>
+          <a:p>
+            <a:pPr marL="0" indent="0">
+              <a:buNone/>
+            </a:pPr>
+            <a:r>
+              <a:rPr lang="en-US" sz="2400" dirty="0"/>
+              <a:t> </a:t>
+            </a:r>
+            <a:r>
+              <a:rPr lang="en-US" sz="2400" dirty="0" smtClean="0"/>
+              <a:t> A</a:t>
+            </a:r>
+            <a:r>
+              <a:rPr lang="zh-CN" altLang="en-US" sz="2400" dirty="0" smtClean="0"/>
+              <a:t>创建新的文件和更新旧的文件，</a:t>
+            </a:r>
+            <a:r>
+              <a:rPr lang="en-US" altLang="zh-CN" sz="2400" dirty="0" smtClean="0"/>
+              <a:t>B</a:t>
+            </a:r>
+            <a:r>
+              <a:rPr lang="zh-CN" altLang="en-US" sz="2400" dirty="0" smtClean="0"/>
+              <a:t>进行</a:t>
+            </a:r>
+            <a:r>
+              <a:rPr lang="en-US" altLang="zh-CN" sz="2400" dirty="0"/>
+              <a:t>p</a:t>
+            </a:r>
+            <a:r>
+              <a:rPr lang="en-US" altLang="zh-CN" sz="2400" dirty="0" smtClean="0"/>
+              <a:t>ull</a:t>
+            </a:r>
+            <a:endParaRPr lang="en-US" sz="2400" dirty="0"/>
+          </a:p>
+          <a:p>
+            <a:pPr marL="0" indent="0">
+              <a:buNone/>
+            </a:pPr>
+            <a:r>
+              <a:rPr lang="en-US" sz="2400" dirty="0"/>
+              <a:t> </a:t>
+            </a:r>
+            <a:r>
+              <a:rPr lang="en-US" sz="2400" dirty="0" smtClean="0"/>
+              <a:t> </a:t>
+            </a:r>
+            <a:r>
+              <a:rPr lang="en-US" sz="2400" dirty="0" err="1" smtClean="0"/>
+              <a:t>git</a:t>
+            </a:r>
+            <a:r>
+              <a:rPr lang="en-US" sz="2400" dirty="0"/>
+              <a:t> </a:t>
+            </a:r>
+            <a:r>
+              <a:rPr lang="en-US" altLang="zh-CN" sz="2400" dirty="0" smtClean="0"/>
+              <a:t>pull</a:t>
+            </a:r>
+            <a:endParaRPr lang="en-US" dirty="0"/>
+          </a:p>
+        </p:txBody>
+      </p:sp>
+      <p:sp>
+        <p:nvSpPr>
+          <p:cNvPr id="4" name="日期占位符 3"/>
+          <p:cNvSpPr>
+            <a:spLocks noGrp="1"/>
+          </p:cNvSpPr>
+          <p:nvPr>
+            <p:ph type="dt" sz="half" idx="10"/>
+          </p:nvPr>
+        </p:nvSpPr>
+        <p:spPr/>
+        <p:txBody>
+          <a:bodyPr/>
+          <a:lstStyle/>
+          <a:p>
+            <a:fld id="{D5C44C96-1A0E-41A5-901A-4EB1EEF0261C}" type="datetime1">
+              <a:rPr lang="zh-CN" altLang="en-US" smtClean="0"/>
+              <a:t>2016/10/10</a:t>
+            </a:fld>
+            <a:endParaRPr lang="zh-CN" altLang="en-US"/>
+          </a:p>
+        </p:txBody>
+      </p:sp>
+      <p:sp>
+        <p:nvSpPr>
+          <p:cNvPr id="5" name="灯片编号占位符 4"/>
+          <p:cNvSpPr>
+            <a:spLocks noGrp="1"/>
+          </p:cNvSpPr>
+          <p:nvPr>
+            <p:ph type="sldNum" sz="quarter" idx="12"/>
+          </p:nvPr>
+        </p:nvSpPr>
+        <p:spPr/>
+        <p:txBody>
+          <a:bodyPr/>
+          <a:lstStyle/>
+          <a:p>
+            <a:fld id="{0C913308-F349-4B6D-A68A-DD1791B4A57B}" type="slidenum">
+              <a:rPr lang="zh-CN" altLang="en-US" smtClean="0"/>
+              <a:t>14</a:t>
+            </a:fld>
+            <a:endParaRPr lang="zh-CN" altLang="en-US"/>
+          </a:p>
+        </p:txBody>
+      </p:sp>
+    </p:spTree>
+    <p:extLst>
+      <p:ext uri="{BB962C8B-B14F-4D97-AF65-F5344CB8AC3E}">
+        <p14:creationId xmlns:p14="http://schemas.microsoft.com/office/powerpoint/2010/main" val="3021030520"/>
+      </p:ext>
+    </p:extLst>
+  </p:cSld>
+  <p:clrMapOvr>
+    <a:masterClrMapping/>
+  </p:clrMapOvr>
+</p:sld>
+</file>
+
+<file path=ppt/slides/slide15.xml><?xml version="1.0" encoding="utf-8"?>
+<p:sld xmlns:a="http://schemas.openxmlformats.org/drawingml/2006/main" xmlns:r="http://schemas.openxmlformats.org/officeDocument/2006/relationships" xmlns:p="http://schemas.openxmlformats.org/presentationml/2006/main">
+  <p:cSld>
+    <p:spTree>
+      <p:nvGrpSpPr>
+        <p:cNvPr id="1" name=""/>
+        <p:cNvGrpSpPr/>
+        <p:nvPr/>
+      </p:nvGrpSpPr>
+      <p:grpSpPr>
+        <a:xfrm>
+          <a:off x="0" y="0"/>
+          <a:ext cx="0" cy="0"/>
+          <a:chOff x="0" y="0"/>
+          <a:chExt cx="0" cy="0"/>
+        </a:xfrm>
+      </p:grpSpPr>
+      <p:sp>
+        <p:nvSpPr>
+          <p:cNvPr id="2" name="标题 1"/>
+          <p:cNvSpPr>
+            <a:spLocks noGrp="1"/>
+          </p:cNvSpPr>
+          <p:nvPr>
+            <p:ph type="title"/>
+          </p:nvPr>
+        </p:nvSpPr>
+        <p:spPr/>
+        <p:txBody>
+          <a:bodyPr>
+            <a:normAutofit/>
+          </a:bodyPr>
+          <a:lstStyle/>
+          <a:p>
+            <a:r>
+              <a:rPr lang="zh-CN" altLang="en-US" dirty="0"/>
+              <a:t>分支</a:t>
+            </a:r>
+            <a:r>
+              <a:rPr lang="zh-CN" altLang="en-US" dirty="0" smtClean="0"/>
+              <a:t>管理</a:t>
+            </a:r>
+            <a:endParaRPr lang="en-US" dirty="0"/>
+          </a:p>
+        </p:txBody>
+      </p:sp>
+      <p:sp>
+        <p:nvSpPr>
+          <p:cNvPr id="3" name="内容占位符 2"/>
+          <p:cNvSpPr>
+            <a:spLocks noGrp="1"/>
+          </p:cNvSpPr>
+          <p:nvPr>
+            <p:ph idx="1"/>
+          </p:nvPr>
+        </p:nvSpPr>
+        <p:spPr/>
+        <p:txBody>
+          <a:bodyPr>
+            <a:normAutofit/>
+          </a:bodyPr>
+          <a:lstStyle/>
+          <a:p>
+            <a:pPr marL="0" indent="0">
+              <a:buNone/>
+            </a:pPr>
+            <a:r>
+              <a:rPr lang="zh-CN" altLang="en-US" sz="2400" dirty="0"/>
+              <a:t>分支是用来将特性开发绝缘开来的。在你创建仓库的时候，</a:t>
+            </a:r>
+            <a:r>
+              <a:rPr lang="en-US" altLang="zh-CN" sz="2400" i="1" dirty="0"/>
+              <a:t>master</a:t>
+            </a:r>
+            <a:r>
+              <a:rPr lang="zh-CN" altLang="en-US" sz="2400" dirty="0"/>
+              <a:t> 是“默认的”。在其他分支上进行开发，完成后再将它们合并到主分支上</a:t>
+            </a:r>
+            <a:r>
+              <a:rPr lang="zh-CN" altLang="en-US" sz="2400" dirty="0" smtClean="0"/>
+              <a:t>。</a:t>
+            </a:r>
+            <a:endParaRPr lang="en-US" altLang="zh-CN" sz="2400" dirty="0" smtClean="0"/>
+          </a:p>
+          <a:p>
+            <a:pPr marL="0" indent="0">
+              <a:buNone/>
+            </a:pPr>
+            <a:endParaRPr lang="en-US" sz="2400" dirty="0"/>
+          </a:p>
+          <a:p>
+            <a:pPr marL="0" indent="0">
+              <a:buNone/>
+            </a:pPr>
+            <a:endParaRPr lang="en-US" sz="2400" dirty="0"/>
+          </a:p>
+        </p:txBody>
+      </p:sp>
+      <p:pic>
+        <p:nvPicPr>
+          <p:cNvPr id="5122" name="Picture 2" descr="C:\Users\Wangsong\Pictures\company course\branches.png"/>
+          <p:cNvPicPr>
+            <a:picLocks noChangeAspect="1" noChangeArrowheads="1"/>
+          </p:cNvPicPr>
+          <p:nvPr/>
+        </p:nvPicPr>
+        <p:blipFill>
+          <a:blip r:embed="rId2">
+            <a:extLst>
+              <a:ext uri="{28A0092B-C50C-407E-A947-70E740481C1C}">
+                <a14:useLocalDpi xmlns:a14="http://schemas.microsoft.com/office/drawing/2010/main" val="0"/>
+              </a:ext>
+            </a:extLst>
+          </a:blip>
+          <a:srcRect/>
+          <a:stretch>
+            <a:fillRect/>
+          </a:stretch>
+        </p:blipFill>
+        <p:spPr bwMode="auto">
+          <a:xfrm>
+            <a:off x="683568" y="3047033"/>
+            <a:ext cx="7975328" cy="2835672"/>
+          </a:xfrm>
+          <a:prstGeom prst="rect">
+            <a:avLst/>
+          </a:prstGeom>
+          <a:ln w="76200"/>
+        </p:spPr>
+        <p:style>
+          <a:lnRef idx="2">
+            <a:schemeClr val="accent1"/>
+          </a:lnRef>
+          <a:fillRef idx="1">
+            <a:schemeClr val="lt1"/>
+          </a:fillRef>
+          <a:effectRef idx="0">
+            <a:schemeClr val="accent1"/>
+          </a:effectRef>
+          <a:fontRef idx="minor">
+            <a:schemeClr val="dk1"/>
+          </a:fontRef>
+        </p:style>
+      </p:pic>
+      <p:sp>
+        <p:nvSpPr>
+          <p:cNvPr id="4" name="日期占位符 3"/>
+          <p:cNvSpPr>
+            <a:spLocks noGrp="1"/>
+          </p:cNvSpPr>
+          <p:nvPr>
+            <p:ph type="dt" sz="half" idx="10"/>
+          </p:nvPr>
+        </p:nvSpPr>
+        <p:spPr/>
+        <p:txBody>
+          <a:bodyPr/>
+          <a:lstStyle/>
+          <a:p>
+            <a:fld id="{EC6B3D4A-5B0C-4490-B5CD-2CF800AC3EAC}" type="datetime1">
+              <a:rPr lang="zh-CN" altLang="en-US" smtClean="0"/>
+              <a:t>2016/10/10</a:t>
+            </a:fld>
+            <a:endParaRPr lang="zh-CN" altLang="en-US"/>
+          </a:p>
+        </p:txBody>
+      </p:sp>
+      <p:sp>
+        <p:nvSpPr>
+          <p:cNvPr id="5" name="灯片编号占位符 4"/>
+          <p:cNvSpPr>
+            <a:spLocks noGrp="1"/>
+          </p:cNvSpPr>
+          <p:nvPr>
+            <p:ph type="sldNum" sz="quarter" idx="12"/>
+          </p:nvPr>
+        </p:nvSpPr>
+        <p:spPr/>
+        <p:txBody>
+          <a:bodyPr/>
+          <a:lstStyle/>
+          <a:p>
+            <a:fld id="{0C913308-F349-4B6D-A68A-DD1791B4A57B}" type="slidenum">
+              <a:rPr lang="zh-CN" altLang="en-US" smtClean="0"/>
+              <a:t>15</a:t>
+            </a:fld>
+            <a:endParaRPr lang="zh-CN" altLang="en-US"/>
+          </a:p>
+        </p:txBody>
+      </p:sp>
+    </p:spTree>
+    <p:extLst>
+      <p:ext uri="{BB962C8B-B14F-4D97-AF65-F5344CB8AC3E}">
+        <p14:creationId xmlns:p14="http://schemas.microsoft.com/office/powerpoint/2010/main" val="2388751719"/>
+      </p:ext>
+    </p:extLst>
+  </p:cSld>
+  <p:clrMapOvr>
+    <a:masterClrMapping/>
+  </p:clrMapOvr>
+</p:sld>
+</file>
+
+<file path=ppt/slides/slide16.xml><?xml version="1.0" encoding="utf-8"?>
+<p:sld xmlns:a="http://schemas.openxmlformats.org/drawingml/2006/main" xmlns:r="http://schemas.openxmlformats.org/officeDocument/2006/relationships" xmlns:p="http://schemas.openxmlformats.org/presentationml/2006/main">
+  <p:cSld>
+    <p:spTree>
+      <p:nvGrpSpPr>
+        <p:cNvPr id="1" name=""/>
+        <p:cNvGrpSpPr/>
+        <p:nvPr/>
+      </p:nvGrpSpPr>
+      <p:grpSpPr>
+        <a:xfrm>
+          <a:off x="0" y="0"/>
+          <a:ext cx="0" cy="0"/>
+          <a:chOff x="0" y="0"/>
+          <a:chExt cx="0" cy="0"/>
+        </a:xfrm>
+      </p:grpSpPr>
+      <p:sp>
+        <p:nvSpPr>
+          <p:cNvPr id="2" name="标题 1"/>
+          <p:cNvSpPr>
+            <a:spLocks noGrp="1"/>
+          </p:cNvSpPr>
+          <p:nvPr>
+            <p:ph type="title"/>
+          </p:nvPr>
+        </p:nvSpPr>
+        <p:spPr/>
+        <p:txBody>
+          <a:bodyPr/>
+          <a:lstStyle/>
+          <a:p>
+            <a:r>
+              <a:rPr lang="zh-CN" altLang="en-US" dirty="0" smtClean="0"/>
+              <a:t>分支管理</a:t>
+            </a:r>
+            <a:endParaRPr lang="en-US" dirty="0"/>
+          </a:p>
+        </p:txBody>
+      </p:sp>
+      <p:sp>
+        <p:nvSpPr>
+          <p:cNvPr id="3" name="内容占位符 2"/>
+          <p:cNvSpPr>
+            <a:spLocks noGrp="1"/>
+          </p:cNvSpPr>
+          <p:nvPr>
+            <p:ph idx="1"/>
+          </p:nvPr>
+        </p:nvSpPr>
+        <p:spPr/>
+        <p:txBody>
+          <a:bodyPr>
+            <a:normAutofit fontScale="47500" lnSpcReduction="20000"/>
+          </a:bodyPr>
+          <a:lstStyle/>
+          <a:p>
+            <a:r>
+              <a:rPr lang="zh-CN" altLang="en-US" dirty="0" smtClean="0"/>
+              <a:t>查看</a:t>
+            </a:r>
+            <a:r>
+              <a:rPr lang="zh-CN" altLang="en-US" dirty="0"/>
+              <a:t>当前分支</a:t>
+            </a:r>
+            <a:endParaRPr lang="en-US" dirty="0"/>
+          </a:p>
+          <a:p>
+            <a:pPr marL="0" indent="0">
+              <a:buNone/>
+            </a:pPr>
+            <a:r>
+              <a:rPr lang="en-US" altLang="zh-CN" dirty="0" smtClean="0"/>
+              <a:t>  </a:t>
+            </a:r>
+            <a:r>
+              <a:rPr lang="en-US" altLang="zh-CN" dirty="0" err="1" smtClean="0"/>
+              <a:t>git</a:t>
+            </a:r>
+            <a:r>
+              <a:rPr lang="en-US" altLang="zh-CN" dirty="0" smtClean="0"/>
+              <a:t> branch</a:t>
+            </a:r>
+          </a:p>
+          <a:p>
+            <a:pPr marL="0" indent="0">
+              <a:buNone/>
+            </a:pPr>
+            <a:endParaRPr lang="en-US" altLang="zh-CN" dirty="0" smtClean="0"/>
+          </a:p>
+          <a:p>
+            <a:r>
+              <a:rPr lang="zh-CN" altLang="en-US" dirty="0" smtClean="0"/>
+              <a:t>创建分支</a:t>
+            </a:r>
+            <a:endParaRPr lang="en-US" altLang="zh-CN" dirty="0" smtClean="0"/>
+          </a:p>
+          <a:p>
+            <a:pPr marL="0" indent="0">
+              <a:buNone/>
+            </a:pPr>
+            <a:r>
+              <a:rPr lang="en-US" altLang="zh-CN" dirty="0" smtClean="0"/>
+              <a:t>  </a:t>
+            </a:r>
+            <a:r>
+              <a:rPr lang="en-US" altLang="zh-CN" dirty="0" err="1" smtClean="0"/>
+              <a:t>git</a:t>
+            </a:r>
+            <a:r>
+              <a:rPr lang="en-US" altLang="zh-CN" dirty="0" smtClean="0"/>
+              <a:t> checkout –b &lt;</a:t>
+            </a:r>
+            <a:r>
+              <a:rPr lang="en-US" altLang="zh-CN" dirty="0" err="1" smtClean="0"/>
+              <a:t>branchname</a:t>
+            </a:r>
+            <a:r>
+              <a:rPr lang="en-US" altLang="zh-CN" dirty="0" smtClean="0"/>
+              <a:t>&gt;</a:t>
+            </a:r>
+          </a:p>
+          <a:p>
+            <a:pPr marL="0" indent="0">
+              <a:buNone/>
+            </a:pPr>
+            <a:endParaRPr lang="en-US" altLang="zh-CN" dirty="0" smtClean="0"/>
+          </a:p>
+          <a:p>
+            <a:r>
+              <a:rPr lang="zh-CN" altLang="en-US" dirty="0"/>
+              <a:t>推</a:t>
+            </a:r>
+            <a:r>
+              <a:rPr lang="zh-CN" altLang="en-US" dirty="0" smtClean="0"/>
+              <a:t>送本地分支到远端</a:t>
+            </a:r>
+            <a:endParaRPr lang="en-US" altLang="zh-CN" dirty="0" smtClean="0"/>
+          </a:p>
+          <a:p>
+            <a:pPr marL="0" indent="0">
+              <a:buNone/>
+            </a:pPr>
+            <a:r>
+              <a:rPr lang="en-US" altLang="zh-CN" dirty="0" err="1" smtClean="0"/>
+              <a:t>git</a:t>
+            </a:r>
+            <a:r>
+              <a:rPr lang="en-US" altLang="zh-CN" dirty="0" smtClean="0"/>
+              <a:t> push origin &lt;</a:t>
+            </a:r>
+            <a:r>
+              <a:rPr lang="en-US" altLang="zh-CN" dirty="0" err="1" smtClean="0"/>
+              <a:t>branchname</a:t>
+            </a:r>
+            <a:r>
+              <a:rPr lang="en-US" altLang="zh-CN" dirty="0" smtClean="0"/>
+              <a:t>&gt;</a:t>
+            </a:r>
+          </a:p>
+          <a:p>
+            <a:pPr marL="0" indent="0">
+              <a:buNone/>
+            </a:pPr>
+            <a:endParaRPr lang="en-US" altLang="zh-CN" dirty="0" smtClean="0"/>
+          </a:p>
+          <a:p>
+            <a:r>
+              <a:rPr lang="zh-CN" altLang="en-US" dirty="0" smtClean="0"/>
+              <a:t>切换分支</a:t>
+            </a:r>
+            <a:endParaRPr lang="en-US" altLang="zh-CN" dirty="0" smtClean="0"/>
+          </a:p>
+          <a:p>
+            <a:pPr marL="0" indent="0">
+              <a:buNone/>
+            </a:pPr>
+            <a:r>
+              <a:rPr lang="en-US" altLang="zh-CN" dirty="0" err="1"/>
+              <a:t>g</a:t>
+            </a:r>
+            <a:r>
+              <a:rPr lang="en-US" altLang="zh-CN" dirty="0" err="1" smtClean="0"/>
+              <a:t>it</a:t>
+            </a:r>
+            <a:r>
+              <a:rPr lang="en-US" altLang="zh-CN" dirty="0" smtClean="0"/>
+              <a:t> checkout master</a:t>
+            </a:r>
+          </a:p>
+          <a:p>
+            <a:pPr marL="0" indent="0">
+              <a:buNone/>
+            </a:pPr>
+            <a:endParaRPr lang="en-US" altLang="zh-CN" dirty="0" smtClean="0"/>
+          </a:p>
+          <a:p>
+            <a:r>
+              <a:rPr lang="zh-CN" altLang="en-US" dirty="0" smtClean="0"/>
+              <a:t>合并分支</a:t>
+            </a:r>
+            <a:endParaRPr lang="en-US" altLang="zh-CN" dirty="0" smtClean="0"/>
+          </a:p>
+          <a:p>
+            <a:pPr marL="0" indent="0">
+              <a:buNone/>
+            </a:pPr>
+            <a:r>
+              <a:rPr lang="en-US" altLang="zh-CN" dirty="0" err="1"/>
+              <a:t>g</a:t>
+            </a:r>
+            <a:r>
+              <a:rPr lang="en-US" altLang="zh-CN" dirty="0" err="1" smtClean="0"/>
+              <a:t>it</a:t>
+            </a:r>
+            <a:r>
+              <a:rPr lang="en-US" altLang="zh-CN" dirty="0" smtClean="0"/>
+              <a:t> merge &lt;</a:t>
+            </a:r>
+            <a:r>
+              <a:rPr lang="en-US" altLang="zh-CN" dirty="0" err="1" smtClean="0"/>
+              <a:t>branchname</a:t>
+            </a:r>
+            <a:r>
+              <a:rPr lang="en-US" altLang="zh-CN" dirty="0" smtClean="0"/>
+              <a:t>&gt;</a:t>
+            </a:r>
+          </a:p>
+          <a:p>
+            <a:pPr marL="0" indent="0">
+              <a:buNone/>
+            </a:pPr>
+            <a:endParaRPr lang="en-US" altLang="zh-CN" dirty="0"/>
+          </a:p>
+          <a:p>
+            <a:r>
+              <a:rPr lang="zh-CN" altLang="en-US" dirty="0"/>
+              <a:t>删除</a:t>
+            </a:r>
+            <a:r>
+              <a:rPr lang="zh-CN" altLang="en-US" dirty="0" smtClean="0"/>
+              <a:t>分支</a:t>
+            </a:r>
+            <a:endParaRPr lang="en-US" altLang="zh-CN" dirty="0" smtClean="0"/>
+          </a:p>
+          <a:p>
+            <a:pPr marL="0" indent="0">
+              <a:buNone/>
+            </a:pPr>
+            <a:r>
+              <a:rPr lang="en-US" altLang="zh-CN" dirty="0" err="1" smtClean="0"/>
+              <a:t>git</a:t>
+            </a:r>
+            <a:r>
+              <a:rPr lang="en-US" altLang="zh-CN" dirty="0" smtClean="0"/>
+              <a:t> branch –d &lt;</a:t>
+            </a:r>
+            <a:r>
+              <a:rPr lang="en-US" altLang="zh-CN" dirty="0" err="1" smtClean="0"/>
+              <a:t>branchname</a:t>
+            </a:r>
+            <a:r>
+              <a:rPr lang="en-US" altLang="zh-CN" dirty="0" smtClean="0"/>
+              <a:t>&gt;</a:t>
+            </a:r>
+            <a:endParaRPr lang="en-US" altLang="zh-CN" dirty="0"/>
+          </a:p>
+          <a:p>
+            <a:pPr marL="0" indent="0">
+              <a:buNone/>
+            </a:pPr>
+            <a:endParaRPr lang="en-US" altLang="zh-CN" dirty="0" smtClean="0"/>
+          </a:p>
+          <a:p>
+            <a:pPr marL="0" indent="0">
+              <a:buNone/>
+            </a:pPr>
+            <a:endParaRPr lang="en-US" altLang="zh-CN" dirty="0"/>
+          </a:p>
+          <a:p>
+            <a:pPr marL="0" indent="0">
+              <a:buNone/>
+            </a:pPr>
+            <a:endParaRPr lang="en-US" altLang="zh-CN" dirty="0" smtClean="0"/>
+          </a:p>
+          <a:p>
+            <a:pPr marL="0" indent="0">
+              <a:buNone/>
+            </a:pPr>
+            <a:endParaRPr lang="en-US" dirty="0"/>
+          </a:p>
+        </p:txBody>
+      </p:sp>
+      <p:sp>
+        <p:nvSpPr>
+          <p:cNvPr id="4" name="日期占位符 3"/>
+          <p:cNvSpPr>
+            <a:spLocks noGrp="1"/>
+          </p:cNvSpPr>
+          <p:nvPr>
+            <p:ph type="dt" sz="half" idx="10"/>
+          </p:nvPr>
+        </p:nvSpPr>
+        <p:spPr/>
+        <p:txBody>
+          <a:bodyPr/>
+          <a:lstStyle/>
+          <a:p>
+            <a:fld id="{539F7A83-FC30-44E3-A132-5E5BB676D30E}" type="datetime1">
+              <a:rPr lang="zh-CN" altLang="en-US" smtClean="0"/>
+              <a:t>2016/10/10</a:t>
+            </a:fld>
+            <a:endParaRPr lang="zh-CN" altLang="en-US"/>
+          </a:p>
+        </p:txBody>
+      </p:sp>
+      <p:sp>
+        <p:nvSpPr>
+          <p:cNvPr id="5" name="灯片编号占位符 4"/>
+          <p:cNvSpPr>
+            <a:spLocks noGrp="1"/>
+          </p:cNvSpPr>
+          <p:nvPr>
+            <p:ph type="sldNum" sz="quarter" idx="12"/>
+          </p:nvPr>
+        </p:nvSpPr>
+        <p:spPr/>
+        <p:txBody>
+          <a:bodyPr/>
+          <a:lstStyle/>
+          <a:p>
+            <a:fld id="{0C913308-F349-4B6D-A68A-DD1791B4A57B}" type="slidenum">
+              <a:rPr lang="zh-CN" altLang="en-US" smtClean="0"/>
+              <a:t>16</a:t>
+            </a:fld>
+            <a:endParaRPr lang="zh-CN" altLang="en-US"/>
+          </a:p>
+        </p:txBody>
+      </p:sp>
+    </p:spTree>
+    <p:extLst>
+      <p:ext uri="{BB962C8B-B14F-4D97-AF65-F5344CB8AC3E}">
+        <p14:creationId xmlns:p14="http://schemas.microsoft.com/office/powerpoint/2010/main" val="3692601268"/>
+      </p:ext>
+    </p:extLst>
+  </p:cSld>
+  <p:clrMapOvr>
+    <a:masterClrMapping/>
+  </p:clrMapOvr>
+</p:sld>
+</file>
+
+<file path=ppt/slides/slide17.xml><?xml version="1.0" encoding="utf-8"?>
+<p:sld xmlns:a="http://schemas.openxmlformats.org/drawingml/2006/main" xmlns:r="http://schemas.openxmlformats.org/officeDocument/2006/relationships" xmlns:p="http://schemas.openxmlformats.org/presentationml/2006/main">
+  <p:cSld>
+    <p:spTree>
+      <p:nvGrpSpPr>
+        <p:cNvPr id="1" name=""/>
+        <p:cNvGrpSpPr/>
+        <p:nvPr/>
+      </p:nvGrpSpPr>
+      <p:grpSpPr>
+        <a:xfrm>
+          <a:off x="0" y="0"/>
+          <a:ext cx="0" cy="0"/>
+          <a:chOff x="0" y="0"/>
+          <a:chExt cx="0" cy="0"/>
+        </a:xfrm>
+      </p:grpSpPr>
+      <p:sp>
+        <p:nvSpPr>
+          <p:cNvPr id="2" name="标题 1"/>
+          <p:cNvSpPr>
+            <a:spLocks noGrp="1"/>
+          </p:cNvSpPr>
+          <p:nvPr>
+            <p:ph type="title"/>
+          </p:nvPr>
+        </p:nvSpPr>
+        <p:spPr/>
+        <p:txBody>
+          <a:bodyPr/>
+          <a:lstStyle/>
+          <a:p>
+            <a:r>
+              <a:rPr lang="zh-CN" altLang="en-US" dirty="0"/>
+              <a:t>分支管理</a:t>
+            </a:r>
+            <a:endParaRPr lang="en-US" dirty="0"/>
+          </a:p>
+        </p:txBody>
+      </p:sp>
+      <p:sp>
+        <p:nvSpPr>
+          <p:cNvPr id="3" name="内容占位符 2"/>
+          <p:cNvSpPr>
+            <a:spLocks noGrp="1"/>
+          </p:cNvSpPr>
+          <p:nvPr>
+            <p:ph idx="1"/>
+          </p:nvPr>
+        </p:nvSpPr>
+        <p:spPr/>
+        <p:txBody>
+          <a:bodyPr>
+            <a:normAutofit fontScale="62500" lnSpcReduction="20000"/>
+          </a:bodyPr>
+          <a:lstStyle/>
+          <a:p>
+            <a:pPr marL="0" indent="0">
+              <a:buNone/>
+            </a:pPr>
+            <a:r>
+              <a:rPr lang="en-US" sz="2000" dirty="0" smtClean="0"/>
+              <a:t>Monkey time:</a:t>
+            </a:r>
+          </a:p>
+          <a:p>
+            <a:pPr marL="0" indent="0">
+              <a:buNone/>
+            </a:pPr>
+            <a:r>
+              <a:rPr lang="en-US" sz="2000" dirty="0" smtClean="0"/>
+              <a:t>A </a:t>
+            </a:r>
+            <a:r>
+              <a:rPr lang="zh-CN" altLang="en-US" sz="2000" dirty="0" smtClean="0"/>
+              <a:t>创建分支</a:t>
+            </a:r>
+            <a:r>
+              <a:rPr lang="en-US" altLang="zh-CN" sz="2000" dirty="0" err="1" smtClean="0"/>
+              <a:t>newb</a:t>
+            </a:r>
+            <a:r>
+              <a:rPr lang="zh-CN" altLang="en-US" sz="2000" dirty="0" smtClean="0"/>
+              <a:t>并新建文件，</a:t>
+            </a:r>
+            <a:r>
+              <a:rPr lang="en-US" altLang="zh-CN" sz="2000" dirty="0" smtClean="0"/>
+              <a:t>B</a:t>
+            </a:r>
+            <a:r>
+              <a:rPr lang="zh-CN" altLang="en-US" sz="2000" dirty="0" smtClean="0"/>
+              <a:t>将</a:t>
+            </a:r>
+            <a:r>
+              <a:rPr lang="en-US" altLang="zh-CN" sz="2000" dirty="0" err="1" smtClean="0"/>
+              <a:t>newb</a:t>
+            </a:r>
+            <a:r>
+              <a:rPr lang="zh-CN" altLang="en-US" sz="2000" dirty="0" smtClean="0"/>
+              <a:t>更新到远端</a:t>
+            </a:r>
+            <a:r>
+              <a:rPr lang="en-US" altLang="zh-CN" sz="2000" dirty="0" smtClean="0"/>
+              <a:t>master</a:t>
+            </a:r>
+            <a:r>
+              <a:rPr lang="zh-CN" altLang="en-US" sz="2000" dirty="0" smtClean="0"/>
+              <a:t>分支</a:t>
+            </a:r>
+            <a:r>
+              <a:rPr lang="en-US" altLang="zh-CN" sz="2000" dirty="0" smtClean="0"/>
+              <a:t>,</a:t>
+            </a:r>
+            <a:r>
+              <a:rPr lang="zh-CN" altLang="en-US" sz="2000" dirty="0" smtClean="0"/>
+              <a:t>然后删除分支</a:t>
+            </a:r>
+            <a:endParaRPr lang="en-US" altLang="zh-CN" sz="2000" dirty="0" smtClean="0"/>
+          </a:p>
+          <a:p>
+            <a:pPr marL="0" indent="0">
+              <a:buNone/>
+            </a:pPr>
+            <a:endParaRPr lang="en-US" sz="2000" dirty="0" smtClean="0"/>
+          </a:p>
+          <a:p>
+            <a:pPr marL="0" indent="0">
+              <a:buNone/>
+            </a:pPr>
+            <a:r>
+              <a:rPr lang="en-US" sz="2000" dirty="0" smtClean="0"/>
+              <a:t>A:</a:t>
+            </a:r>
+            <a:endParaRPr lang="en-US" sz="2000" dirty="0"/>
+          </a:p>
+          <a:p>
+            <a:pPr marL="0" indent="0">
+              <a:buNone/>
+            </a:pPr>
+            <a:r>
+              <a:rPr lang="en-US" sz="2000" dirty="0" err="1" smtClean="0"/>
+              <a:t>git</a:t>
+            </a:r>
+            <a:r>
+              <a:rPr lang="en-US" sz="2000" dirty="0" smtClean="0"/>
+              <a:t> checkout –b </a:t>
+            </a:r>
+            <a:r>
+              <a:rPr lang="en-US" sz="2000" dirty="0" err="1" smtClean="0"/>
+              <a:t>newb</a:t>
+            </a:r>
+            <a:endParaRPr lang="en-US" sz="2000" dirty="0" smtClean="0"/>
+          </a:p>
+          <a:p>
+            <a:pPr marL="0" indent="0">
+              <a:buNone/>
+            </a:pPr>
+            <a:r>
+              <a:rPr lang="en-US" sz="2000" dirty="0" smtClean="0"/>
+              <a:t>&lt;</a:t>
+            </a:r>
+            <a:r>
+              <a:rPr lang="zh-CN" altLang="en-US" sz="2000" dirty="0" smtClean="0"/>
+              <a:t>新建文件</a:t>
+            </a:r>
+            <a:r>
+              <a:rPr lang="en-US" sz="2000" dirty="0" smtClean="0"/>
+              <a:t>&gt;</a:t>
+            </a:r>
+          </a:p>
+          <a:p>
+            <a:pPr marL="0" indent="0">
+              <a:buNone/>
+            </a:pPr>
+            <a:r>
+              <a:rPr lang="en-US" sz="2000" dirty="0" err="1" smtClean="0"/>
+              <a:t>git</a:t>
+            </a:r>
+            <a:r>
+              <a:rPr lang="en-US" sz="2000" dirty="0" smtClean="0"/>
+              <a:t> add fixbug.txt</a:t>
+            </a:r>
+          </a:p>
+          <a:p>
+            <a:pPr marL="0" indent="0">
+              <a:buNone/>
+            </a:pPr>
+            <a:r>
+              <a:rPr lang="en-US" sz="2000" dirty="0" err="1" smtClean="0"/>
+              <a:t>git</a:t>
+            </a:r>
+            <a:r>
+              <a:rPr lang="en-US" sz="2000" dirty="0" smtClean="0"/>
+              <a:t> commit –m ‘add fixbug.txt’</a:t>
+            </a:r>
+          </a:p>
+          <a:p>
+            <a:pPr marL="0" indent="0">
+              <a:buNone/>
+            </a:pPr>
+            <a:r>
+              <a:rPr lang="en-US" sz="2000" dirty="0" err="1" smtClean="0"/>
+              <a:t>git</a:t>
+            </a:r>
+            <a:r>
+              <a:rPr lang="en-US" sz="2000" dirty="0" smtClean="0"/>
+              <a:t> push origin </a:t>
+            </a:r>
+            <a:r>
+              <a:rPr lang="en-US" sz="2000" dirty="0" err="1" smtClean="0"/>
+              <a:t>newb</a:t>
+            </a:r>
+            <a:endParaRPr lang="en-US" sz="2000" dirty="0" smtClean="0"/>
+          </a:p>
+          <a:p>
+            <a:pPr marL="0" indent="0">
+              <a:buNone/>
+            </a:pPr>
+            <a:endParaRPr lang="en-US" sz="2000" dirty="0"/>
+          </a:p>
+          <a:p>
+            <a:pPr marL="0" indent="0">
+              <a:buNone/>
+            </a:pPr>
+            <a:r>
+              <a:rPr lang="en-US" sz="2000" dirty="0" smtClean="0"/>
+              <a:t>B:</a:t>
+            </a:r>
+          </a:p>
+          <a:p>
+            <a:pPr marL="0" indent="0">
+              <a:buNone/>
+            </a:pPr>
+            <a:r>
+              <a:rPr lang="en-US" sz="2000" dirty="0" err="1" smtClean="0"/>
+              <a:t>git</a:t>
+            </a:r>
+            <a:r>
+              <a:rPr lang="en-US" sz="2000" dirty="0" smtClean="0"/>
+              <a:t> pull</a:t>
+            </a:r>
+          </a:p>
+          <a:p>
+            <a:pPr marL="0" indent="0">
+              <a:buNone/>
+            </a:pPr>
+            <a:r>
+              <a:rPr lang="en-US" sz="2000" dirty="0" err="1" smtClean="0"/>
+              <a:t>git</a:t>
+            </a:r>
+            <a:r>
+              <a:rPr lang="en-US" sz="2000" dirty="0" smtClean="0"/>
+              <a:t> checkout </a:t>
+            </a:r>
+            <a:r>
+              <a:rPr lang="en-US" sz="2000" dirty="0" err="1" smtClean="0"/>
+              <a:t>newb</a:t>
+            </a:r>
+            <a:endParaRPr lang="en-US" sz="2000" dirty="0" smtClean="0"/>
+          </a:p>
+          <a:p>
+            <a:pPr marL="0" indent="0">
+              <a:buNone/>
+            </a:pPr>
+            <a:r>
+              <a:rPr lang="en-US" sz="2000" dirty="0" smtClean="0"/>
+              <a:t>&lt;</a:t>
+            </a:r>
+            <a:r>
+              <a:rPr lang="zh-CN" altLang="en-US" sz="2000" dirty="0" smtClean="0"/>
+              <a:t>修改文件</a:t>
+            </a:r>
+            <a:r>
+              <a:rPr lang="en-US" sz="2000" dirty="0" smtClean="0"/>
+              <a:t>&gt;</a:t>
+            </a:r>
+          </a:p>
+          <a:p>
+            <a:pPr marL="0" indent="0">
+              <a:buNone/>
+            </a:pPr>
+            <a:r>
+              <a:rPr lang="en-US" altLang="zh-CN" sz="2000" dirty="0" err="1" smtClean="0"/>
+              <a:t>git</a:t>
+            </a:r>
+            <a:r>
+              <a:rPr lang="en-US" altLang="zh-CN" sz="2000" dirty="0" smtClean="0"/>
+              <a:t> add .</a:t>
+            </a:r>
+          </a:p>
+          <a:p>
+            <a:pPr marL="0" indent="0">
+              <a:buNone/>
+            </a:pPr>
+            <a:r>
+              <a:rPr lang="en-US" sz="2000" dirty="0" err="1" smtClean="0"/>
+              <a:t>git</a:t>
+            </a:r>
+            <a:r>
+              <a:rPr lang="en-US" sz="2000" dirty="0" smtClean="0"/>
+              <a:t> commit –m ‘update fixbug.txt’</a:t>
+            </a:r>
+          </a:p>
+          <a:p>
+            <a:pPr marL="0" indent="0">
+              <a:buNone/>
+            </a:pPr>
+            <a:r>
+              <a:rPr lang="en-US" sz="2000" dirty="0" err="1" smtClean="0"/>
+              <a:t>git</a:t>
+            </a:r>
+            <a:r>
+              <a:rPr lang="en-US" sz="2000" dirty="0" smtClean="0"/>
+              <a:t> push origin </a:t>
+            </a:r>
+            <a:r>
+              <a:rPr lang="en-US" sz="2000" dirty="0" err="1" smtClean="0"/>
+              <a:t>newb</a:t>
+            </a:r>
+            <a:endParaRPr lang="en-US" sz="2000" dirty="0" smtClean="0"/>
+          </a:p>
+          <a:p>
+            <a:pPr marL="0" indent="0">
+              <a:buNone/>
+            </a:pPr>
+            <a:r>
+              <a:rPr lang="en-US" sz="2000" dirty="0" err="1" smtClean="0"/>
+              <a:t>git</a:t>
+            </a:r>
+            <a:r>
+              <a:rPr lang="en-US" sz="2000" dirty="0" smtClean="0"/>
+              <a:t> checkout master</a:t>
+            </a:r>
+          </a:p>
+          <a:p>
+            <a:pPr marL="0" indent="0">
+              <a:buNone/>
+            </a:pPr>
+            <a:r>
+              <a:rPr lang="en-US" sz="2000" dirty="0" err="1" smtClean="0"/>
+              <a:t>git</a:t>
+            </a:r>
+            <a:r>
+              <a:rPr lang="en-US" sz="2000" dirty="0" smtClean="0"/>
+              <a:t> merge </a:t>
+            </a:r>
+            <a:r>
+              <a:rPr lang="en-US" sz="2000" dirty="0" err="1" smtClean="0"/>
+              <a:t>newb</a:t>
+            </a:r>
+            <a:endParaRPr lang="en-US" sz="2000" dirty="0" smtClean="0"/>
+          </a:p>
+          <a:p>
+            <a:pPr marL="0" indent="0">
+              <a:buNone/>
+            </a:pPr>
+            <a:r>
+              <a:rPr lang="en-US" sz="2000" dirty="0" err="1" smtClean="0"/>
+              <a:t>git</a:t>
+            </a:r>
+            <a:r>
+              <a:rPr lang="en-US" sz="2000" dirty="0" smtClean="0"/>
+              <a:t> push origin master</a:t>
+            </a:r>
+          </a:p>
+          <a:p>
+            <a:pPr marL="0" indent="0">
+              <a:buNone/>
+            </a:pPr>
+            <a:r>
+              <a:rPr lang="en-US" sz="2000" dirty="0" err="1" smtClean="0"/>
+              <a:t>git</a:t>
+            </a:r>
+            <a:r>
+              <a:rPr lang="en-US" sz="2000" dirty="0" smtClean="0"/>
+              <a:t> branch –d </a:t>
+            </a:r>
+            <a:r>
+              <a:rPr lang="en-US" sz="2000" dirty="0" err="1" smtClean="0"/>
+              <a:t>newb</a:t>
+            </a:r>
+            <a:endParaRPr lang="en-US" sz="2000" dirty="0" smtClean="0"/>
+          </a:p>
+          <a:p>
+            <a:pPr marL="0" indent="0">
+              <a:buNone/>
+            </a:pPr>
+            <a:r>
+              <a:rPr lang="en-US" sz="2000" dirty="0" err="1" smtClean="0"/>
+              <a:t>git</a:t>
+            </a:r>
+            <a:r>
+              <a:rPr lang="en-US" sz="2000" dirty="0" smtClean="0"/>
+              <a:t> push origin </a:t>
+            </a:r>
+            <a:r>
+              <a:rPr lang="en-US" altLang="zh-CN" sz="2000" dirty="0" smtClean="0"/>
+              <a:t>--</a:t>
+            </a:r>
+            <a:r>
+              <a:rPr lang="en-US" sz="2000" dirty="0" smtClean="0"/>
+              <a:t>delete </a:t>
+            </a:r>
+            <a:r>
+              <a:rPr lang="en-US" altLang="zh-CN" sz="2000" dirty="0" err="1" smtClean="0"/>
+              <a:t>newb</a:t>
+            </a:r>
+            <a:r>
+              <a:rPr lang="en-US" sz="2000" dirty="0" smtClean="0"/>
+              <a:t> </a:t>
+            </a:r>
+            <a:endParaRPr lang="en-US" sz="2000" dirty="0"/>
+          </a:p>
+        </p:txBody>
+      </p:sp>
+      <p:sp>
+        <p:nvSpPr>
+          <p:cNvPr id="4" name="日期占位符 3"/>
+          <p:cNvSpPr>
+            <a:spLocks noGrp="1"/>
+          </p:cNvSpPr>
+          <p:nvPr>
+            <p:ph type="dt" sz="half" idx="10"/>
+          </p:nvPr>
+        </p:nvSpPr>
+        <p:spPr/>
+        <p:txBody>
+          <a:bodyPr/>
+          <a:lstStyle/>
+          <a:p>
+            <a:fld id="{FFAE7803-28CD-48FC-8527-F40AE41A7CE4}" type="datetime1">
+              <a:rPr lang="zh-CN" altLang="en-US" smtClean="0"/>
+              <a:t>2016/10/10</a:t>
+            </a:fld>
+            <a:endParaRPr lang="zh-CN" altLang="en-US"/>
+          </a:p>
+        </p:txBody>
+      </p:sp>
+      <p:sp>
+        <p:nvSpPr>
+          <p:cNvPr id="5" name="灯片编号占位符 4"/>
+          <p:cNvSpPr>
+            <a:spLocks noGrp="1"/>
+          </p:cNvSpPr>
+          <p:nvPr>
+            <p:ph type="sldNum" sz="quarter" idx="12"/>
+          </p:nvPr>
+        </p:nvSpPr>
+        <p:spPr/>
+        <p:txBody>
+          <a:bodyPr/>
+          <a:lstStyle/>
+          <a:p>
+            <a:fld id="{0C913308-F349-4B6D-A68A-DD1791B4A57B}" type="slidenum">
+              <a:rPr lang="zh-CN" altLang="en-US" smtClean="0"/>
+              <a:t>17</a:t>
+            </a:fld>
+            <a:endParaRPr lang="zh-CN" altLang="en-US"/>
+          </a:p>
+        </p:txBody>
+      </p:sp>
+    </p:spTree>
+    <p:extLst>
+      <p:ext uri="{BB962C8B-B14F-4D97-AF65-F5344CB8AC3E}">
+        <p14:creationId xmlns:p14="http://schemas.microsoft.com/office/powerpoint/2010/main" val="2816820167"/>
+      </p:ext>
+    </p:extLst>
+  </p:cSld>
+  <p:clrMapOvr>
+    <a:masterClrMapping/>
+  </p:clrMapOvr>
+</p:sld>
+</file>
+
+<file path=ppt/slides/slide18.xml><?xml version="1.0" encoding="utf-8"?>
+<p:sld xmlns:a="http://schemas.openxmlformats.org/drawingml/2006/main" xmlns:r="http://schemas.openxmlformats.org/officeDocument/2006/relationships" xmlns:p="http://schemas.openxmlformats.org/presentationml/2006/main">
+  <p:cSld>
+    <p:spTree>
+      <p:nvGrpSpPr>
+        <p:cNvPr id="1" name=""/>
+        <p:cNvGrpSpPr/>
+        <p:nvPr/>
+      </p:nvGrpSpPr>
+      <p:grpSpPr>
+        <a:xfrm>
+          <a:off x="0" y="0"/>
+          <a:ext cx="0" cy="0"/>
+          <a:chOff x="0" y="0"/>
+          <a:chExt cx="0" cy="0"/>
+        </a:xfrm>
+      </p:grpSpPr>
+      <p:sp>
+        <p:nvSpPr>
+          <p:cNvPr id="2" name="标题 1"/>
+          <p:cNvSpPr>
+            <a:spLocks noGrp="1"/>
+          </p:cNvSpPr>
+          <p:nvPr>
+            <p:ph type="title"/>
+          </p:nvPr>
+        </p:nvSpPr>
+        <p:spPr/>
+        <p:txBody>
+          <a:bodyPr>
+            <a:normAutofit/>
+          </a:bodyPr>
+          <a:lstStyle/>
+          <a:p>
+            <a:r>
+              <a:rPr lang="zh-CN" altLang="en-US" dirty="0"/>
+              <a:t>冲突</a:t>
+            </a:r>
+            <a:r>
+              <a:rPr lang="zh-CN" altLang="en-US" dirty="0" smtClean="0"/>
+              <a:t>管理</a:t>
+            </a:r>
+            <a:endParaRPr lang="en-US" dirty="0"/>
+          </a:p>
+        </p:txBody>
+      </p:sp>
+      <p:sp>
+        <p:nvSpPr>
+          <p:cNvPr id="3" name="内容占位符 2"/>
+          <p:cNvSpPr>
+            <a:spLocks noGrp="1"/>
+          </p:cNvSpPr>
+          <p:nvPr>
+            <p:ph idx="1"/>
+          </p:nvPr>
+        </p:nvSpPr>
+        <p:spPr/>
+        <p:txBody>
+          <a:bodyPr/>
+          <a:lstStyle/>
+          <a:p>
+            <a:pPr marL="0" indent="0">
+              <a:buNone/>
+            </a:pPr>
+            <a:r>
+              <a:rPr lang="zh-CN" altLang="en-US" dirty="0"/>
+              <a:t>自动合并并非次次都能成功，并可能导致 </a:t>
+            </a:r>
+            <a:r>
+              <a:rPr lang="zh-CN" altLang="en-US" i="1" dirty="0"/>
+              <a:t>冲突（</a:t>
+            </a:r>
+            <a:r>
+              <a:rPr lang="en-US" altLang="zh-CN" i="1" dirty="0"/>
+              <a:t>conflicts</a:t>
+            </a:r>
+            <a:r>
+              <a:rPr lang="zh-CN" altLang="en-US" i="1" dirty="0"/>
+              <a:t>）</a:t>
+            </a:r>
+            <a:r>
+              <a:rPr lang="zh-CN" altLang="en-US" dirty="0"/>
+              <a:t>。 这时候就需要你修改这些文件来人肉合并这些 </a:t>
+            </a:r>
+            <a:r>
+              <a:rPr lang="zh-CN" altLang="en-US" i="1" dirty="0"/>
+              <a:t>冲突（</a:t>
+            </a:r>
+            <a:r>
+              <a:rPr lang="en-US" altLang="zh-CN" i="1" dirty="0"/>
+              <a:t>conflicts</a:t>
+            </a:r>
+            <a:r>
+              <a:rPr lang="zh-CN" altLang="en-US" i="1" dirty="0"/>
+              <a:t>）</a:t>
+            </a:r>
+            <a:r>
+              <a:rPr lang="zh-CN" altLang="en-US" dirty="0"/>
+              <a:t> </a:t>
+            </a:r>
+            <a:r>
+              <a:rPr lang="zh-CN" altLang="en-US" dirty="0" smtClean="0"/>
+              <a:t>了。</a:t>
+            </a:r>
+            <a:endParaRPr lang="en-US" altLang="zh-CN" dirty="0" smtClean="0"/>
+          </a:p>
+          <a:p>
+            <a:pPr marL="0" indent="0">
+              <a:buNone/>
+            </a:pPr>
+            <a:endParaRPr lang="en-US" dirty="0"/>
+          </a:p>
+          <a:p>
+            <a:pPr marL="0" indent="0">
+              <a:buNone/>
+            </a:pPr>
+            <a:r>
+              <a:rPr lang="en-US" altLang="zh-CN" dirty="0" smtClean="0"/>
+              <a:t>Monkey time:</a:t>
+            </a:r>
+            <a:endParaRPr lang="en-US" altLang="zh-CN" sz="2400" dirty="0" smtClean="0"/>
+          </a:p>
+          <a:p>
+            <a:pPr marL="0" indent="0">
+              <a:buNone/>
+            </a:pPr>
+            <a:r>
+              <a:rPr lang="en-US" sz="2400" dirty="0" smtClean="0"/>
+              <a:t>A, B</a:t>
+            </a:r>
+            <a:r>
+              <a:rPr lang="zh-CN" altLang="en-US" sz="2400" dirty="0" smtClean="0"/>
+              <a:t>同时更新</a:t>
+            </a:r>
+            <a:r>
+              <a:rPr lang="en-US" altLang="zh-CN" sz="2400" dirty="0" smtClean="0"/>
+              <a:t>hellogit.txt, A </a:t>
+            </a:r>
+            <a:r>
+              <a:rPr lang="zh-CN" altLang="en-US" sz="2400" dirty="0" smtClean="0"/>
+              <a:t>先提交，</a:t>
+            </a:r>
+            <a:r>
+              <a:rPr lang="en-US" altLang="zh-CN" sz="2400" dirty="0" smtClean="0"/>
+              <a:t>B</a:t>
+            </a:r>
+            <a:r>
+              <a:rPr lang="zh-CN" altLang="en-US" sz="2400" dirty="0" smtClean="0"/>
+              <a:t>后提交。</a:t>
+            </a:r>
+            <a:r>
+              <a:rPr lang="en-US" dirty="0" smtClean="0"/>
+              <a:t> </a:t>
+            </a:r>
+            <a:endParaRPr lang="en-US" dirty="0"/>
+          </a:p>
+        </p:txBody>
+      </p:sp>
+      <p:sp>
+        <p:nvSpPr>
+          <p:cNvPr id="4" name="日期占位符 3"/>
+          <p:cNvSpPr>
+            <a:spLocks noGrp="1"/>
+          </p:cNvSpPr>
+          <p:nvPr>
+            <p:ph type="dt" sz="half" idx="10"/>
+          </p:nvPr>
+        </p:nvSpPr>
+        <p:spPr/>
+        <p:txBody>
+          <a:bodyPr/>
+          <a:lstStyle/>
+          <a:p>
+            <a:fld id="{6B1BD923-7AAC-4B03-96A9-39BF08AE73EA}" type="datetime1">
+              <a:rPr lang="zh-CN" altLang="en-US" smtClean="0"/>
+              <a:t>2016/10/10</a:t>
+            </a:fld>
+            <a:endParaRPr lang="zh-CN" altLang="en-US"/>
+          </a:p>
+        </p:txBody>
+      </p:sp>
+      <p:sp>
+        <p:nvSpPr>
+          <p:cNvPr id="5" name="灯片编号占位符 4"/>
+          <p:cNvSpPr>
+            <a:spLocks noGrp="1"/>
+          </p:cNvSpPr>
+          <p:nvPr>
+            <p:ph type="sldNum" sz="quarter" idx="12"/>
+          </p:nvPr>
+        </p:nvSpPr>
+        <p:spPr/>
+        <p:txBody>
+          <a:bodyPr/>
+          <a:lstStyle/>
+          <a:p>
+            <a:fld id="{0C913308-F349-4B6D-A68A-DD1791B4A57B}" type="slidenum">
+              <a:rPr lang="zh-CN" altLang="en-US" smtClean="0"/>
+              <a:t>18</a:t>
+            </a:fld>
+            <a:endParaRPr lang="zh-CN" altLang="en-US"/>
+          </a:p>
+        </p:txBody>
+      </p:sp>
+    </p:spTree>
+    <p:extLst>
+      <p:ext uri="{BB962C8B-B14F-4D97-AF65-F5344CB8AC3E}">
+        <p14:creationId xmlns:p14="http://schemas.microsoft.com/office/powerpoint/2010/main" val="12633446"/>
+      </p:ext>
+    </p:extLst>
+  </p:cSld>
+  <p:clrMapOvr>
+    <a:masterClrMapping/>
+  </p:clrMapOvr>
+</p:sld>
+</file>
+
+<file path=ppt/slides/slide19.xml><?xml version="1.0" encoding="utf-8"?>
+<p:sld xmlns:a="http://schemas.openxmlformats.org/drawingml/2006/main" xmlns:r="http://schemas.openxmlformats.org/officeDocument/2006/relationships" xmlns:p="http://schemas.openxmlformats.org/presentationml/2006/main">
+  <p:cSld>
+    <p:spTree>
+      <p:nvGrpSpPr>
+        <p:cNvPr id="1" name=""/>
+        <p:cNvGrpSpPr/>
+        <p:nvPr/>
+      </p:nvGrpSpPr>
+      <p:grpSpPr>
+        <a:xfrm>
+          <a:off x="0" y="0"/>
+          <a:ext cx="0" cy="0"/>
+          <a:chOff x="0" y="0"/>
+          <a:chExt cx="0" cy="0"/>
+        </a:xfrm>
+      </p:grpSpPr>
+      <p:sp>
+        <p:nvSpPr>
+          <p:cNvPr id="2" name="标题 1"/>
+          <p:cNvSpPr>
+            <a:spLocks noGrp="1"/>
+          </p:cNvSpPr>
+          <p:nvPr>
+            <p:ph type="title"/>
+          </p:nvPr>
+        </p:nvSpPr>
+        <p:spPr/>
+        <p:txBody>
+          <a:bodyPr>
+            <a:normAutofit/>
+          </a:bodyPr>
+          <a:lstStyle/>
+          <a:p>
+            <a:r>
+              <a:rPr lang="zh-CN" altLang="en-US" dirty="0"/>
+              <a:t>忽略</a:t>
+            </a:r>
+            <a:r>
+              <a:rPr lang="zh-CN" altLang="en-US" dirty="0" smtClean="0"/>
+              <a:t>管理</a:t>
+            </a:r>
+            <a:endParaRPr lang="en-US" dirty="0"/>
+          </a:p>
+        </p:txBody>
+      </p:sp>
+      <p:sp>
+        <p:nvSpPr>
+          <p:cNvPr id="3" name="内容占位符 2"/>
+          <p:cNvSpPr>
+            <a:spLocks noGrp="1"/>
+          </p:cNvSpPr>
+          <p:nvPr>
+            <p:ph idx="1"/>
+          </p:nvPr>
+        </p:nvSpPr>
+        <p:spPr/>
+        <p:txBody>
+          <a:bodyPr/>
+          <a:lstStyle/>
+          <a:p>
+            <a:pPr marL="0" indent="0">
+              <a:buNone/>
+            </a:pPr>
+            <a:r>
+              <a:rPr lang="zh-CN" altLang="en-US" dirty="0" smtClean="0"/>
+              <a:t>配置忽略文件</a:t>
+            </a:r>
+            <a:r>
+              <a:rPr lang="en-US" altLang="zh-CN" dirty="0" smtClean="0"/>
+              <a:t>.</a:t>
+            </a:r>
+            <a:r>
+              <a:rPr lang="en-US" altLang="zh-CN" dirty="0" err="1" smtClean="0"/>
+              <a:t>gitignore</a:t>
+            </a:r>
+            <a:r>
+              <a:rPr lang="en-US" altLang="zh-CN" dirty="0" smtClean="0"/>
+              <a:t>, </a:t>
+            </a:r>
+            <a:r>
+              <a:rPr lang="zh-CN" altLang="en-US" dirty="0" smtClean="0"/>
+              <a:t>使文件不被提交</a:t>
+            </a:r>
+            <a:endParaRPr lang="en-US" altLang="zh-CN" dirty="0" smtClean="0"/>
+          </a:p>
+          <a:p>
+            <a:pPr marL="0" indent="0">
+              <a:buNone/>
+            </a:pPr>
+            <a:endParaRPr lang="en-US" dirty="0"/>
+          </a:p>
+          <a:p>
+            <a:pPr marL="0" indent="0">
+              <a:buNone/>
+            </a:pPr>
+            <a:r>
+              <a:rPr lang="en-US" dirty="0" smtClean="0"/>
+              <a:t>Monkey time:</a:t>
+            </a:r>
+          </a:p>
+          <a:p>
+            <a:pPr marL="0" indent="0">
+              <a:buNone/>
+            </a:pPr>
+            <a:r>
+              <a:rPr lang="en-US" sz="2000" dirty="0" smtClean="0"/>
+              <a:t>A</a:t>
+            </a:r>
+            <a:r>
+              <a:rPr lang="zh-CN" altLang="en-US" sz="2000" dirty="0" smtClean="0"/>
+              <a:t>建立</a:t>
+            </a:r>
+            <a:r>
+              <a:rPr lang="en-US" altLang="zh-CN" sz="2000" dirty="0" err="1" smtClean="0"/>
+              <a:t>tmp</a:t>
+            </a:r>
+            <a:r>
+              <a:rPr lang="zh-CN" altLang="en-US" sz="2000" dirty="0" smtClean="0"/>
+              <a:t>文件夹，里面放入多个</a:t>
+            </a:r>
+            <a:r>
+              <a:rPr lang="en-US" altLang="zh-CN" sz="2000" dirty="0" smtClean="0"/>
+              <a:t>doc</a:t>
+            </a:r>
+            <a:r>
+              <a:rPr lang="zh-CN" altLang="en-US" sz="2000" dirty="0" smtClean="0"/>
+              <a:t>文件，多个</a:t>
+            </a:r>
+            <a:r>
+              <a:rPr lang="en-US" altLang="zh-CN" sz="2000" dirty="0" smtClean="0"/>
+              <a:t>txt</a:t>
+            </a:r>
+            <a:r>
+              <a:rPr lang="zh-CN" altLang="en-US" sz="2000" dirty="0" smtClean="0"/>
+              <a:t>文件，并建立</a:t>
+            </a:r>
+            <a:r>
+              <a:rPr lang="en-US" altLang="zh-CN" sz="2000" dirty="0" smtClean="0"/>
+              <a:t>ignore</a:t>
+            </a:r>
+            <a:r>
+              <a:rPr lang="zh-CN" altLang="en-US" sz="2000" dirty="0" smtClean="0"/>
+              <a:t>文件忽略所有的</a:t>
+            </a:r>
+            <a:r>
+              <a:rPr lang="en-US" altLang="zh-CN" sz="2000" dirty="0" smtClean="0"/>
+              <a:t>doc</a:t>
+            </a:r>
+            <a:r>
+              <a:rPr lang="zh-CN" altLang="en-US" sz="2000" dirty="0" smtClean="0"/>
+              <a:t>及以</a:t>
+            </a:r>
+            <a:r>
+              <a:rPr lang="en-US" altLang="zh-CN" sz="2000" dirty="0" smtClean="0"/>
+              <a:t>a</a:t>
+            </a:r>
+            <a:r>
+              <a:rPr lang="zh-CN" altLang="en-US" sz="2000" dirty="0" smtClean="0"/>
+              <a:t>开头的</a:t>
+            </a:r>
+            <a:r>
+              <a:rPr lang="en-US" altLang="zh-CN" sz="2000" dirty="0" smtClean="0"/>
+              <a:t>txt</a:t>
+            </a:r>
+            <a:endParaRPr lang="en-US" sz="2000" dirty="0"/>
+          </a:p>
+        </p:txBody>
+      </p:sp>
+      <p:sp>
+        <p:nvSpPr>
+          <p:cNvPr id="4" name="日期占位符 3"/>
+          <p:cNvSpPr>
+            <a:spLocks noGrp="1"/>
+          </p:cNvSpPr>
+          <p:nvPr>
+            <p:ph type="dt" sz="half" idx="10"/>
+          </p:nvPr>
+        </p:nvSpPr>
+        <p:spPr/>
+        <p:txBody>
+          <a:bodyPr/>
+          <a:lstStyle/>
+          <a:p>
+            <a:fld id="{D9978D31-AE2F-41DE-82E8-BBF7799E583F}" type="datetime1">
+              <a:rPr lang="zh-CN" altLang="en-US" smtClean="0"/>
+              <a:t>2016/10/10</a:t>
+            </a:fld>
+            <a:endParaRPr lang="zh-CN" altLang="en-US"/>
+          </a:p>
+        </p:txBody>
+      </p:sp>
+      <p:sp>
+        <p:nvSpPr>
+          <p:cNvPr id="5" name="灯片编号占位符 4"/>
+          <p:cNvSpPr>
+            <a:spLocks noGrp="1"/>
+          </p:cNvSpPr>
+          <p:nvPr>
+            <p:ph type="sldNum" sz="quarter" idx="12"/>
+          </p:nvPr>
+        </p:nvSpPr>
+        <p:spPr/>
+        <p:txBody>
+          <a:bodyPr/>
+          <a:lstStyle/>
+          <a:p>
+            <a:fld id="{0C913308-F349-4B6D-A68A-DD1791B4A57B}" type="slidenum">
+              <a:rPr lang="zh-CN" altLang="en-US" smtClean="0"/>
+              <a:t>19</a:t>
+            </a:fld>
+            <a:endParaRPr lang="zh-CN" altLang="en-US"/>
+          </a:p>
+        </p:txBody>
+      </p:sp>
+    </p:spTree>
+    <p:extLst>
+      <p:ext uri="{BB962C8B-B14F-4D97-AF65-F5344CB8AC3E}">
+        <p14:creationId xmlns:p14="http://schemas.microsoft.com/office/powerpoint/2010/main" val="780258251"/>
       </p:ext>
     </p:extLst>
   </p:cSld>
@@ -3118,99 +6706,3265 @@
             <a:spLocks noGrp="1"/>
           </p:cNvSpPr>
           <p:nvPr>
-            <p:ph type="title"/>
-          </p:nvPr>
-        </p:nvSpPr>
-        <p:spPr/>
-        <p:txBody>
-          <a:bodyPr/>
-          <a:lstStyle/>
-          <a:p>
-            <a:r>
-              <a:rPr lang="en-US" altLang="zh-CN" dirty="0" smtClean="0"/>
-              <a:t>TIP</a:t>
-            </a:r>
-            <a:endParaRPr lang="zh-CN" altLang="en-US" dirty="0"/>
-          </a:p>
-        </p:txBody>
-      </p:sp>
-      <p:sp>
-        <p:nvSpPr>
-          <p:cNvPr id="3" name="内容占位符 2"/>
-          <p:cNvSpPr>
-            <a:spLocks noGrp="1"/>
-          </p:cNvSpPr>
-          <p:nvPr>
-            <p:ph idx="1"/>
-          </p:nvPr>
-        </p:nvSpPr>
-        <p:spPr/>
-        <p:txBody>
-          <a:bodyPr/>
-          <a:lstStyle/>
-          <a:p>
-            <a:pPr marL="0" indent="0">
-              <a:buNone/>
-            </a:pPr>
-            <a:r>
-              <a:rPr lang="en-US" altLang="zh-CN" dirty="0" smtClean="0"/>
-              <a:t>VPN</a:t>
-            </a:r>
-            <a:r>
-              <a:rPr lang="zh-CN" altLang="en-US" dirty="0" smtClean="0"/>
-              <a:t>账号</a:t>
-            </a:r>
-            <a:r>
-              <a:rPr lang="en-US" altLang="zh-CN" dirty="0" smtClean="0"/>
-              <a:t>:</a:t>
-            </a:r>
-          </a:p>
-          <a:p>
-            <a:r>
-              <a:rPr lang="zh-CN" altLang="en-US" dirty="0"/>
-              <a:t>帐号：</a:t>
-            </a:r>
-            <a:r>
-              <a:rPr lang="en-US" altLang="zh-CN" dirty="0"/>
-              <a:t>flyerno1</a:t>
-            </a:r>
-          </a:p>
-          <a:p>
-            <a:r>
-              <a:rPr lang="zh-CN" altLang="en-US" dirty="0"/>
-              <a:t>密码：</a:t>
-            </a:r>
-            <a:r>
-              <a:rPr lang="en-US" altLang="zh-CN" dirty="0"/>
-              <a:t>brilliantech123</a:t>
-            </a:r>
-            <a:r>
-              <a:rPr lang="en-US" altLang="zh-CN" dirty="0" smtClean="0"/>
-              <a:t>@</a:t>
-            </a:r>
-            <a:endParaRPr lang="en-US" altLang="zh-CN" dirty="0"/>
-          </a:p>
-          <a:p>
-            <a:r>
-              <a:rPr lang="zh-CN" altLang="en-US" dirty="0"/>
-              <a:t>可选</a:t>
-            </a:r>
-            <a:r>
-              <a:rPr lang="zh-CN" altLang="en-US" dirty="0" smtClean="0"/>
-              <a:t>主机：</a:t>
-            </a:r>
-            <a:r>
-              <a:rPr lang="en-US" altLang="zh-CN" dirty="0"/>
-              <a:t>p1.us1.vpnplease.com</a:t>
-            </a:r>
-            <a:endParaRPr lang="en-US" altLang="zh-CN" dirty="0"/>
-          </a:p>
-        </p:txBody>
-      </p:sp>
+            <p:ph type="ctrTitle"/>
+          </p:nvPr>
+        </p:nvSpPr>
+        <p:spPr>
+          <a:xfrm>
+            <a:off x="685800" y="2535039"/>
+            <a:ext cx="7772400" cy="1470025"/>
+          </a:xfrm>
+        </p:spPr>
+        <p:txBody>
+          <a:bodyPr>
+            <a:normAutofit/>
+          </a:bodyPr>
+          <a:lstStyle/>
+          <a:p>
+            <a:r>
+              <a:rPr lang="zh-CN" altLang="en-US" sz="4000" dirty="0"/>
+              <a:t>开发工具</a:t>
+            </a:r>
+            <a:r>
+              <a:rPr lang="zh-CN" altLang="en-US" sz="4000" dirty="0" smtClean="0"/>
+              <a:t>及</a:t>
+            </a:r>
+            <a:r>
+              <a:rPr lang="zh-CN" altLang="en-US" sz="4000" dirty="0" smtClean="0"/>
+              <a:t>团队协作</a:t>
+            </a:r>
+            <a:r>
+              <a:rPr lang="zh-CN" altLang="en-US" sz="4000" dirty="0" smtClean="0"/>
+              <a:t>基本</a:t>
+            </a:r>
+            <a:r>
+              <a:rPr lang="zh-CN" altLang="en-US" sz="4000" dirty="0"/>
+              <a:t>流程</a:t>
+            </a:r>
+          </a:p>
+        </p:txBody>
+      </p:sp>
+      <p:sp>
+        <p:nvSpPr>
+          <p:cNvPr id="3" name="副标题 2"/>
+          <p:cNvSpPr>
+            <a:spLocks noGrp="1"/>
+          </p:cNvSpPr>
+          <p:nvPr>
+            <p:ph type="subTitle" idx="1"/>
+          </p:nvPr>
+        </p:nvSpPr>
+        <p:spPr/>
+        <p:txBody>
+          <a:bodyPr/>
+          <a:lstStyle/>
+          <a:p>
+            <a:endParaRPr lang="zh-CN" altLang="en-US"/>
+          </a:p>
+        </p:txBody>
+      </p:sp>
+      <p:sp>
+        <p:nvSpPr>
+          <p:cNvPr id="4" name="日期占位符 3"/>
+          <p:cNvSpPr>
+            <a:spLocks noGrp="1"/>
+          </p:cNvSpPr>
+          <p:nvPr>
+            <p:ph type="dt" sz="half" idx="10"/>
+          </p:nvPr>
+        </p:nvSpPr>
+        <p:spPr/>
+        <p:txBody>
+          <a:bodyPr/>
+          <a:lstStyle/>
+          <a:p>
+            <a:fld id="{568378BB-825A-4EEC-977F-C49FBD956B26}" type="datetime1">
+              <a:rPr lang="zh-CN" altLang="en-US" smtClean="0"/>
+              <a:t>2016/10/10</a:t>
+            </a:fld>
+            <a:endParaRPr lang="zh-CN" altLang="en-US"/>
+          </a:p>
+        </p:txBody>
+      </p:sp>
+      <p:sp>
+        <p:nvSpPr>
+          <p:cNvPr id="5" name="灯片编号占位符 4"/>
+          <p:cNvSpPr>
+            <a:spLocks noGrp="1"/>
+          </p:cNvSpPr>
+          <p:nvPr>
+            <p:ph type="sldNum" sz="quarter" idx="12"/>
+          </p:nvPr>
+        </p:nvSpPr>
+        <p:spPr/>
+        <p:txBody>
+          <a:bodyPr/>
+          <a:lstStyle/>
+          <a:p>
+            <a:fld id="{0C913308-F349-4B6D-A68A-DD1791B4A57B}" type="slidenum">
+              <a:rPr lang="zh-CN" altLang="en-US" smtClean="0"/>
+              <a:t>2</a:t>
+            </a:fld>
+            <a:endParaRPr lang="zh-CN" altLang="en-US"/>
+          </a:p>
+        </p:txBody>
+      </p:sp>
+      <p:pic>
+        <p:nvPicPr>
+          <p:cNvPr id="6" name="Picture Placeholder 6"/>
+          <p:cNvPicPr>
+            <a:picLocks noChangeAspect="1"/>
+          </p:cNvPicPr>
+          <p:nvPr/>
+        </p:nvPicPr>
+        <p:blipFill>
+          <a:blip r:embed="rId2" cstate="print">
+            <a:extLst>
+              <a:ext uri="{28A0092B-C50C-407E-A947-70E740481C1C}">
+                <a14:useLocalDpi xmlns:a14="http://schemas.microsoft.com/office/drawing/2010/main" val="0"/>
+              </a:ext>
+            </a:extLst>
+          </a:blip>
+          <a:srcRect l="4792" r="4792"/>
+          <a:stretch>
+            <a:fillRect/>
+          </a:stretch>
+        </p:blipFill>
+        <p:spPr>
+          <a:xfrm>
+            <a:off x="3995936" y="1556792"/>
+            <a:ext cx="1079500" cy="863600"/>
+          </a:xfrm>
+          <a:prstGeom prst="rect">
+            <a:avLst/>
+          </a:prstGeom>
+        </p:spPr>
+      </p:pic>
     </p:spTree>
     <p:extLst>
       <p:ext uri="{BB962C8B-B14F-4D97-AF65-F5344CB8AC3E}">
-        <p14:creationId xmlns:p14="http://schemas.microsoft.com/office/powerpoint/2010/main" val="984012718"/>
+        <p14:creationId xmlns:p14="http://schemas.microsoft.com/office/powerpoint/2010/main" val="4269903281"/>
+      </p:ext>
+    </p:extLst>
+  </p:cSld>
+  <p:clrMapOvr>
+    <a:masterClrMapping/>
+  </p:clrMapOvr>
+</p:sld>
+</file>
+
+<file path=ppt/slides/slide20.xml><?xml version="1.0" encoding="utf-8"?>
+<p:sld xmlns:a="http://schemas.openxmlformats.org/drawingml/2006/main" xmlns:r="http://schemas.openxmlformats.org/officeDocument/2006/relationships" xmlns:p="http://schemas.openxmlformats.org/presentationml/2006/main">
+  <p:cSld>
+    <p:spTree>
+      <p:nvGrpSpPr>
+        <p:cNvPr id="1" name=""/>
+        <p:cNvGrpSpPr/>
+        <p:nvPr/>
+      </p:nvGrpSpPr>
+      <p:grpSpPr>
+        <a:xfrm>
+          <a:off x="0" y="0"/>
+          <a:ext cx="0" cy="0"/>
+          <a:chOff x="0" y="0"/>
+          <a:chExt cx="0" cy="0"/>
+        </a:xfrm>
+      </p:grpSpPr>
+      <p:sp>
+        <p:nvSpPr>
+          <p:cNvPr id="2" name="标题 1"/>
+          <p:cNvSpPr>
+            <a:spLocks noGrp="1"/>
+          </p:cNvSpPr>
+          <p:nvPr>
+            <p:ph type="title"/>
+          </p:nvPr>
+        </p:nvSpPr>
+        <p:spPr/>
+        <p:txBody>
+          <a:bodyPr/>
+          <a:lstStyle/>
+          <a:p>
+            <a:r>
+              <a:rPr lang="en-US" dirty="0" err="1" smtClean="0"/>
+              <a:t>Git</a:t>
+            </a:r>
+            <a:r>
+              <a:rPr lang="en-US" dirty="0" smtClean="0"/>
+              <a:t> </a:t>
+            </a:r>
+            <a:r>
+              <a:rPr lang="zh-CN" altLang="en-US" dirty="0" smtClean="0"/>
+              <a:t>原理</a:t>
+            </a:r>
+            <a:endParaRPr lang="en-US" dirty="0"/>
+          </a:p>
+        </p:txBody>
+      </p:sp>
+      <p:sp>
+        <p:nvSpPr>
+          <p:cNvPr id="3" name="内容占位符 2"/>
+          <p:cNvSpPr>
+            <a:spLocks noGrp="1"/>
+          </p:cNvSpPr>
+          <p:nvPr>
+            <p:ph idx="1"/>
+          </p:nvPr>
+        </p:nvSpPr>
+        <p:spPr>
+          <a:xfrm>
+            <a:off x="539552" y="4293097"/>
+            <a:ext cx="8229600" cy="1872208"/>
+          </a:xfrm>
+        </p:spPr>
+        <p:txBody>
+          <a:bodyPr>
+            <a:normAutofit/>
+          </a:bodyPr>
+          <a:lstStyle/>
+          <a:p>
+            <a:pPr marL="0" indent="0">
+              <a:buNone/>
+            </a:pPr>
+            <a:endParaRPr lang="en-US" sz="2000" dirty="0"/>
+          </a:p>
+        </p:txBody>
+      </p:sp>
+      <p:pic>
+        <p:nvPicPr>
+          <p:cNvPr id="1027" name="Picture 3" descr="C:\Users\Wangsong\Pictures\company course\base.png"/>
+          <p:cNvPicPr>
+            <a:picLocks noChangeAspect="1" noChangeArrowheads="1"/>
+          </p:cNvPicPr>
+          <p:nvPr/>
+        </p:nvPicPr>
+        <p:blipFill>
+          <a:blip r:embed="rId2">
+            <a:extLst>
+              <a:ext uri="{28A0092B-C50C-407E-A947-70E740481C1C}">
+                <a14:useLocalDpi xmlns:a14="http://schemas.microsoft.com/office/drawing/2010/main" val="0"/>
+              </a:ext>
+            </a:extLst>
+          </a:blip>
+          <a:srcRect/>
+          <a:stretch>
+            <a:fillRect/>
+          </a:stretch>
+        </p:blipFill>
+        <p:spPr bwMode="auto">
+          <a:xfrm>
+            <a:off x="539552" y="1844824"/>
+            <a:ext cx="8393956" cy="3862635"/>
+          </a:xfrm>
+          <a:prstGeom prst="rect">
+            <a:avLst/>
+          </a:prstGeom>
+          <a:noFill/>
+          <a:extLst>
+            <a:ext uri="{909E8E84-426E-40DD-AFC4-6F175D3DCCD1}">
+              <a14:hiddenFill xmlns:a14="http://schemas.microsoft.com/office/drawing/2010/main">
+                <a:solidFill>
+                  <a:srgbClr val="FFFFFF"/>
+                </a:solidFill>
+              </a14:hiddenFill>
+            </a:ext>
+          </a:extLst>
+        </p:spPr>
+      </p:pic>
+      <p:sp>
+        <p:nvSpPr>
+          <p:cNvPr id="4" name="TextBox 3"/>
+          <p:cNvSpPr txBox="1"/>
+          <p:nvPr/>
+        </p:nvSpPr>
+        <p:spPr>
+          <a:xfrm>
+            <a:off x="539552" y="1300118"/>
+            <a:ext cx="1107996" cy="369332"/>
+          </a:xfrm>
+          <a:prstGeom prst="rect">
+            <a:avLst/>
+          </a:prstGeom>
+          <a:noFill/>
+        </p:spPr>
+        <p:txBody>
+          <a:bodyPr wrap="none" rtlCol="0">
+            <a:spAutoFit/>
+          </a:bodyPr>
+          <a:lstStyle/>
+          <a:p>
+            <a:r>
+              <a:rPr lang="zh-CN" altLang="en-US" b="1" dirty="0" smtClean="0"/>
+              <a:t>基本流程</a:t>
+            </a:r>
+            <a:endParaRPr lang="en-US" b="1" dirty="0"/>
+          </a:p>
+        </p:txBody>
+      </p:sp>
+      <p:sp>
+        <p:nvSpPr>
+          <p:cNvPr id="5" name="日期占位符 4"/>
+          <p:cNvSpPr>
+            <a:spLocks noGrp="1"/>
+          </p:cNvSpPr>
+          <p:nvPr>
+            <p:ph type="dt" sz="half" idx="10"/>
+          </p:nvPr>
+        </p:nvSpPr>
+        <p:spPr/>
+        <p:txBody>
+          <a:bodyPr/>
+          <a:lstStyle/>
+          <a:p>
+            <a:fld id="{2F9F9150-9BF0-4E80-9B76-31069DB8BFCF}" type="datetime1">
+              <a:rPr lang="zh-CN" altLang="en-US" smtClean="0"/>
+              <a:t>2016/10/10</a:t>
+            </a:fld>
+            <a:endParaRPr lang="zh-CN" altLang="en-US"/>
+          </a:p>
+        </p:txBody>
+      </p:sp>
+      <p:sp>
+        <p:nvSpPr>
+          <p:cNvPr id="6" name="灯片编号占位符 5"/>
+          <p:cNvSpPr>
+            <a:spLocks noGrp="1"/>
+          </p:cNvSpPr>
+          <p:nvPr>
+            <p:ph type="sldNum" sz="quarter" idx="12"/>
+          </p:nvPr>
+        </p:nvSpPr>
+        <p:spPr/>
+        <p:txBody>
+          <a:bodyPr/>
+          <a:lstStyle/>
+          <a:p>
+            <a:fld id="{0C913308-F349-4B6D-A68A-DD1791B4A57B}" type="slidenum">
+              <a:rPr lang="zh-CN" altLang="en-US" smtClean="0"/>
+              <a:t>20</a:t>
+            </a:fld>
+            <a:endParaRPr lang="zh-CN" altLang="en-US"/>
+          </a:p>
+        </p:txBody>
+      </p:sp>
+    </p:spTree>
+    <p:extLst>
+      <p:ext uri="{BB962C8B-B14F-4D97-AF65-F5344CB8AC3E}">
+        <p14:creationId xmlns:p14="http://schemas.microsoft.com/office/powerpoint/2010/main" val="2240666851"/>
+      </p:ext>
+    </p:extLst>
+  </p:cSld>
+  <p:clrMapOvr>
+    <a:masterClrMapping/>
+  </p:clrMapOvr>
+</p:sld>
+</file>
+
+<file path=ppt/slides/slide21.xml><?xml version="1.0" encoding="utf-8"?>
+<p:sld xmlns:a="http://schemas.openxmlformats.org/drawingml/2006/main" xmlns:r="http://schemas.openxmlformats.org/officeDocument/2006/relationships" xmlns:p="http://schemas.openxmlformats.org/presentationml/2006/main">
+  <p:cSld>
+    <p:spTree>
+      <p:nvGrpSpPr>
+        <p:cNvPr id="1" name=""/>
+        <p:cNvGrpSpPr/>
+        <p:nvPr/>
+      </p:nvGrpSpPr>
+      <p:grpSpPr>
+        <a:xfrm>
+          <a:off x="0" y="0"/>
+          <a:ext cx="0" cy="0"/>
+          <a:chOff x="0" y="0"/>
+          <a:chExt cx="0" cy="0"/>
+        </a:xfrm>
+      </p:grpSpPr>
+      <p:sp>
+        <p:nvSpPr>
+          <p:cNvPr id="2" name="标题 1"/>
+          <p:cNvSpPr>
+            <a:spLocks noGrp="1"/>
+          </p:cNvSpPr>
+          <p:nvPr>
+            <p:ph type="title"/>
+          </p:nvPr>
+        </p:nvSpPr>
+        <p:spPr/>
+        <p:txBody>
+          <a:bodyPr/>
+          <a:lstStyle/>
+          <a:p>
+            <a:r>
+              <a:rPr lang="en-US" dirty="0" err="1" smtClean="0"/>
+              <a:t>Git</a:t>
+            </a:r>
+            <a:r>
+              <a:rPr lang="en-US" dirty="0" smtClean="0"/>
+              <a:t> </a:t>
+            </a:r>
+            <a:r>
+              <a:rPr lang="zh-CN" altLang="en-US" dirty="0" smtClean="0"/>
+              <a:t>原理</a:t>
+            </a:r>
+            <a:endParaRPr lang="en-US" dirty="0"/>
+          </a:p>
+        </p:txBody>
+      </p:sp>
+      <p:sp>
+        <p:nvSpPr>
+          <p:cNvPr id="3" name="内容占位符 2"/>
+          <p:cNvSpPr>
+            <a:spLocks noGrp="1"/>
+          </p:cNvSpPr>
+          <p:nvPr>
+            <p:ph idx="1"/>
+          </p:nvPr>
+        </p:nvSpPr>
+        <p:spPr>
+          <a:xfrm>
+            <a:off x="539552" y="1988841"/>
+            <a:ext cx="8229600" cy="4176464"/>
+          </a:xfrm>
+        </p:spPr>
+        <p:txBody>
+          <a:bodyPr>
+            <a:normAutofit/>
+          </a:bodyPr>
+          <a:lstStyle/>
+          <a:p>
+            <a:r>
+              <a:rPr lang="en-US" altLang="zh-CN" sz="2000" dirty="0" err="1"/>
+              <a:t>Git</a:t>
+            </a:r>
+            <a:r>
+              <a:rPr lang="zh-CN" altLang="en-US" sz="2000" dirty="0"/>
+              <a:t>本质上是内容寻址文件系统，根据写入内容生成键值，再通过键值检索内容，</a:t>
+            </a:r>
+            <a:r>
+              <a:rPr lang="en-US" altLang="zh-CN" sz="2000" dirty="0" err="1"/>
+              <a:t>Git</a:t>
+            </a:r>
+            <a:r>
+              <a:rPr lang="zh-CN" altLang="en-US" sz="2000" dirty="0"/>
+              <a:t>实际上存储的都是</a:t>
+            </a:r>
+            <a:r>
+              <a:rPr lang="en-US" altLang="zh-CN" sz="2000" dirty="0"/>
+              <a:t>key-value</a:t>
+            </a:r>
+            <a:r>
+              <a:rPr lang="zh-CN" altLang="en-US" sz="2000" dirty="0"/>
+              <a:t>对，每个</a:t>
+            </a:r>
+            <a:r>
+              <a:rPr lang="en-US" altLang="zh-CN" sz="2000" dirty="0"/>
+              <a:t>key-value</a:t>
+            </a:r>
+            <a:r>
+              <a:rPr lang="zh-CN" altLang="en-US" sz="2000" dirty="0"/>
+              <a:t>对称为</a:t>
+            </a:r>
+            <a:r>
+              <a:rPr lang="en-US" altLang="zh-CN" sz="2000" dirty="0"/>
+              <a:t>"</a:t>
+            </a:r>
+            <a:r>
+              <a:rPr lang="zh-CN" altLang="en-US" sz="2000" dirty="0"/>
+              <a:t>对象</a:t>
+            </a:r>
+            <a:r>
+              <a:rPr lang="en-US" altLang="zh-CN" sz="2000" dirty="0"/>
+              <a:t>"</a:t>
+            </a:r>
+            <a:r>
+              <a:rPr lang="zh-CN" altLang="en-US" sz="2000" dirty="0"/>
+              <a:t>。</a:t>
+            </a:r>
+          </a:p>
+          <a:p>
+            <a:r>
+              <a:rPr lang="zh-CN" altLang="en-US" sz="2000" dirty="0" smtClean="0"/>
+              <a:t>四</a:t>
+            </a:r>
+            <a:r>
+              <a:rPr lang="zh-CN" altLang="en-US" sz="2000" dirty="0"/>
+              <a:t>种对象：</a:t>
+            </a:r>
+          </a:p>
+          <a:p>
+            <a:pPr marL="457200" indent="-457200">
+              <a:buFont typeface="+mj-lt"/>
+              <a:buAutoNum type="arabicParenR"/>
+            </a:pPr>
+            <a:r>
+              <a:rPr lang="en-US" altLang="zh-CN" sz="2000" dirty="0" smtClean="0"/>
+              <a:t>blob</a:t>
+            </a:r>
+            <a:r>
+              <a:rPr lang="zh-CN" altLang="en-US" sz="2000" dirty="0" smtClean="0"/>
+              <a:t>对象：存储内容</a:t>
+            </a:r>
+            <a:endParaRPr lang="en-US" altLang="zh-CN" sz="2000" dirty="0" smtClean="0"/>
+          </a:p>
+          <a:p>
+            <a:pPr marL="457200" indent="-457200">
+              <a:buFont typeface="+mj-lt"/>
+              <a:buAutoNum type="arabicParenR"/>
+            </a:pPr>
+            <a:r>
+              <a:rPr lang="en-US" altLang="zh-CN" sz="2000" dirty="0" smtClean="0"/>
+              <a:t>tree</a:t>
+            </a:r>
+            <a:r>
+              <a:rPr lang="zh-CN" altLang="en-US" sz="2000" dirty="0" smtClean="0"/>
+              <a:t>对象：目录</a:t>
+            </a:r>
+            <a:endParaRPr lang="en-US" altLang="zh-CN" sz="2000" dirty="0" smtClean="0"/>
+          </a:p>
+          <a:p>
+            <a:pPr marL="457200" indent="-457200">
+              <a:buFont typeface="+mj-lt"/>
+              <a:buAutoNum type="arabicParenR"/>
+            </a:pPr>
+            <a:r>
+              <a:rPr lang="en-US" altLang="zh-CN" sz="2000" dirty="0" smtClean="0"/>
+              <a:t>commit</a:t>
+            </a:r>
+            <a:r>
+              <a:rPr lang="zh-CN" altLang="en-US" sz="2000" dirty="0" smtClean="0"/>
+              <a:t>对象：</a:t>
+            </a:r>
+            <a:r>
+              <a:rPr lang="zh-CN" altLang="en-US" sz="2000" dirty="0"/>
+              <a:t>交快照</a:t>
+            </a:r>
+            <a:r>
+              <a:rPr lang="zh-CN" altLang="en-US" sz="2000" dirty="0" smtClean="0"/>
+              <a:t>信息</a:t>
+            </a:r>
+            <a:r>
+              <a:rPr lang="en-US" altLang="zh-CN" sz="2000" dirty="0" smtClean="0"/>
+              <a:t>(</a:t>
+            </a:r>
+            <a:r>
+              <a:rPr lang="zh-CN" altLang="en-US" sz="2000" dirty="0"/>
+              <a:t>包含作者、提交时间和上次提交信息</a:t>
+            </a:r>
+            <a:r>
+              <a:rPr lang="zh-CN" altLang="en-US" sz="2000" dirty="0" smtClean="0"/>
+              <a:t>等</a:t>
+            </a:r>
+            <a:r>
+              <a:rPr lang="en-US" altLang="zh-CN" sz="2000" dirty="0" smtClean="0"/>
+              <a:t>)</a:t>
+            </a:r>
+          </a:p>
+          <a:p>
+            <a:pPr marL="457200" indent="-457200">
+              <a:buFont typeface="+mj-lt"/>
+              <a:buAutoNum type="arabicParenR"/>
+            </a:pPr>
+            <a:r>
+              <a:rPr lang="en-US" altLang="zh-CN" sz="2000" dirty="0" smtClean="0"/>
+              <a:t>tag</a:t>
+            </a:r>
+            <a:r>
+              <a:rPr lang="zh-CN" altLang="en-US" sz="2000" dirty="0" smtClean="0"/>
+              <a:t>对象</a:t>
+            </a:r>
+            <a:r>
+              <a:rPr lang="en-US" altLang="zh-CN" sz="2000" dirty="0" smtClean="0"/>
+              <a:t>:</a:t>
+            </a:r>
+            <a:r>
+              <a:rPr lang="zh-CN" altLang="en-US" sz="2000" dirty="0"/>
+              <a:t>某个</a:t>
+            </a:r>
+            <a:r>
+              <a:rPr lang="en-US" altLang="zh-CN" sz="2000" dirty="0"/>
+              <a:t>commit</a:t>
+            </a:r>
+            <a:r>
+              <a:rPr lang="zh-CN" altLang="en-US" sz="2000" dirty="0"/>
+              <a:t>对象的别名</a:t>
+            </a:r>
+          </a:p>
+          <a:p>
+            <a:pPr marL="0" indent="0">
+              <a:buNone/>
+            </a:pPr>
+            <a:endParaRPr lang="en-US" sz="2000" dirty="0"/>
+          </a:p>
+        </p:txBody>
+      </p:sp>
+      <p:sp>
+        <p:nvSpPr>
+          <p:cNvPr id="4" name="TextBox 3"/>
+          <p:cNvSpPr txBox="1"/>
+          <p:nvPr/>
+        </p:nvSpPr>
+        <p:spPr>
+          <a:xfrm>
+            <a:off x="539552" y="1300118"/>
+            <a:ext cx="649537" cy="369332"/>
+          </a:xfrm>
+          <a:prstGeom prst="rect">
+            <a:avLst/>
+          </a:prstGeom>
+          <a:noFill/>
+        </p:spPr>
+        <p:txBody>
+          <a:bodyPr wrap="none" rtlCol="0">
+            <a:spAutoFit/>
+          </a:bodyPr>
+          <a:lstStyle/>
+          <a:p>
+            <a:r>
+              <a:rPr lang="zh-CN" altLang="en-US" b="1" dirty="0" smtClean="0"/>
+              <a:t>对象</a:t>
+            </a:r>
+            <a:endParaRPr lang="en-US" b="1" dirty="0"/>
+          </a:p>
+        </p:txBody>
+      </p:sp>
+      <p:sp>
+        <p:nvSpPr>
+          <p:cNvPr id="5" name="日期占位符 4"/>
+          <p:cNvSpPr>
+            <a:spLocks noGrp="1"/>
+          </p:cNvSpPr>
+          <p:nvPr>
+            <p:ph type="dt" sz="half" idx="10"/>
+          </p:nvPr>
+        </p:nvSpPr>
+        <p:spPr/>
+        <p:txBody>
+          <a:bodyPr/>
+          <a:lstStyle/>
+          <a:p>
+            <a:fld id="{D6F8093F-4AED-4D4C-B027-0D8F5C1D28E5}" type="datetime1">
+              <a:rPr lang="zh-CN" altLang="en-US" smtClean="0"/>
+              <a:t>2016/10/10</a:t>
+            </a:fld>
+            <a:endParaRPr lang="zh-CN" altLang="en-US"/>
+          </a:p>
+        </p:txBody>
+      </p:sp>
+      <p:sp>
+        <p:nvSpPr>
+          <p:cNvPr id="6" name="灯片编号占位符 5"/>
+          <p:cNvSpPr>
+            <a:spLocks noGrp="1"/>
+          </p:cNvSpPr>
+          <p:nvPr>
+            <p:ph type="sldNum" sz="quarter" idx="12"/>
+          </p:nvPr>
+        </p:nvSpPr>
+        <p:spPr/>
+        <p:txBody>
+          <a:bodyPr/>
+          <a:lstStyle/>
+          <a:p>
+            <a:fld id="{0C913308-F349-4B6D-A68A-DD1791B4A57B}" type="slidenum">
+              <a:rPr lang="zh-CN" altLang="en-US" smtClean="0"/>
+              <a:t>21</a:t>
+            </a:fld>
+            <a:endParaRPr lang="zh-CN" altLang="en-US"/>
+          </a:p>
+        </p:txBody>
+      </p:sp>
+    </p:spTree>
+    <p:extLst>
+      <p:ext uri="{BB962C8B-B14F-4D97-AF65-F5344CB8AC3E}">
+        <p14:creationId xmlns:p14="http://schemas.microsoft.com/office/powerpoint/2010/main" val="1314307941"/>
+      </p:ext>
+    </p:extLst>
+  </p:cSld>
+  <p:clrMapOvr>
+    <a:masterClrMapping/>
+  </p:clrMapOvr>
+</p:sld>
+</file>
+
+<file path=ppt/slides/slide22.xml><?xml version="1.0" encoding="utf-8"?>
+<p:sld xmlns:a="http://schemas.openxmlformats.org/drawingml/2006/main" xmlns:r="http://schemas.openxmlformats.org/officeDocument/2006/relationships" xmlns:p="http://schemas.openxmlformats.org/presentationml/2006/main">
+  <p:cSld>
+    <p:spTree>
+      <p:nvGrpSpPr>
+        <p:cNvPr id="1" name=""/>
+        <p:cNvGrpSpPr/>
+        <p:nvPr/>
+      </p:nvGrpSpPr>
+      <p:grpSpPr>
+        <a:xfrm>
+          <a:off x="0" y="0"/>
+          <a:ext cx="0" cy="0"/>
+          <a:chOff x="0" y="0"/>
+          <a:chExt cx="0" cy="0"/>
+        </a:xfrm>
+      </p:grpSpPr>
+      <p:sp>
+        <p:nvSpPr>
+          <p:cNvPr id="2" name="标题 1"/>
+          <p:cNvSpPr>
+            <a:spLocks noGrp="1"/>
+          </p:cNvSpPr>
+          <p:nvPr>
+            <p:ph type="title"/>
+          </p:nvPr>
+        </p:nvSpPr>
+        <p:spPr/>
+        <p:txBody>
+          <a:bodyPr/>
+          <a:lstStyle/>
+          <a:p>
+            <a:r>
+              <a:rPr lang="en-US" dirty="0" err="1" smtClean="0"/>
+              <a:t>Git</a:t>
+            </a:r>
+            <a:r>
+              <a:rPr lang="en-US" dirty="0" smtClean="0"/>
+              <a:t> </a:t>
+            </a:r>
+            <a:r>
+              <a:rPr lang="zh-CN" altLang="en-US" dirty="0" smtClean="0"/>
+              <a:t>原理</a:t>
+            </a:r>
+            <a:endParaRPr lang="en-US" dirty="0"/>
+          </a:p>
+        </p:txBody>
+      </p:sp>
+      <p:sp>
+        <p:nvSpPr>
+          <p:cNvPr id="4" name="TextBox 3"/>
+          <p:cNvSpPr txBox="1"/>
+          <p:nvPr/>
+        </p:nvSpPr>
+        <p:spPr>
+          <a:xfrm>
+            <a:off x="539552" y="1300118"/>
+            <a:ext cx="649537" cy="369332"/>
+          </a:xfrm>
+          <a:prstGeom prst="rect">
+            <a:avLst/>
+          </a:prstGeom>
+          <a:noFill/>
+        </p:spPr>
+        <p:txBody>
+          <a:bodyPr wrap="none" rtlCol="0">
+            <a:spAutoFit/>
+          </a:bodyPr>
+          <a:lstStyle/>
+          <a:p>
+            <a:r>
+              <a:rPr lang="zh-CN" altLang="en-US" b="1" dirty="0" smtClean="0"/>
+              <a:t>对象</a:t>
+            </a:r>
+            <a:endParaRPr lang="en-US" b="1" dirty="0"/>
+          </a:p>
+        </p:txBody>
+      </p:sp>
+      <p:sp>
+        <p:nvSpPr>
+          <p:cNvPr id="5" name="日期占位符 4"/>
+          <p:cNvSpPr>
+            <a:spLocks noGrp="1"/>
+          </p:cNvSpPr>
+          <p:nvPr>
+            <p:ph type="dt" sz="half" idx="10"/>
+          </p:nvPr>
+        </p:nvSpPr>
+        <p:spPr/>
+        <p:txBody>
+          <a:bodyPr/>
+          <a:lstStyle/>
+          <a:p>
+            <a:fld id="{D6F8093F-4AED-4D4C-B027-0D8F5C1D28E5}" type="datetime1">
+              <a:rPr lang="zh-CN" altLang="en-US" smtClean="0"/>
+              <a:t>2016/10/10</a:t>
+            </a:fld>
+            <a:endParaRPr lang="zh-CN" altLang="en-US"/>
+          </a:p>
+        </p:txBody>
+      </p:sp>
+      <p:sp>
+        <p:nvSpPr>
+          <p:cNvPr id="6" name="灯片编号占位符 5"/>
+          <p:cNvSpPr>
+            <a:spLocks noGrp="1"/>
+          </p:cNvSpPr>
+          <p:nvPr>
+            <p:ph type="sldNum" sz="quarter" idx="12"/>
+          </p:nvPr>
+        </p:nvSpPr>
+        <p:spPr/>
+        <p:txBody>
+          <a:bodyPr/>
+          <a:lstStyle/>
+          <a:p>
+            <a:fld id="{0C913308-F349-4B6D-A68A-DD1791B4A57B}" type="slidenum">
+              <a:rPr lang="zh-CN" altLang="en-US" smtClean="0"/>
+              <a:t>22</a:t>
+            </a:fld>
+            <a:endParaRPr lang="zh-CN" altLang="en-US"/>
+          </a:p>
+        </p:txBody>
+      </p:sp>
+      <p:pic>
+        <p:nvPicPr>
+          <p:cNvPr id="4098" name="Picture 2" descr="C:\Users\Wangsong\Pictures\company course\obj.png"/>
+          <p:cNvPicPr>
+            <a:picLocks noGrp="1" noChangeAspect="1" noChangeArrowheads="1"/>
+          </p:cNvPicPr>
+          <p:nvPr>
+            <p:ph idx="1"/>
+          </p:nvPr>
+        </p:nvPicPr>
+        <p:blipFill>
+          <a:blip r:embed="rId2">
+            <a:extLst>
+              <a:ext uri="{28A0092B-C50C-407E-A947-70E740481C1C}">
+                <a14:useLocalDpi xmlns:a14="http://schemas.microsoft.com/office/drawing/2010/main" val="0"/>
+              </a:ext>
+            </a:extLst>
+          </a:blip>
+          <a:srcRect/>
+          <a:stretch>
+            <a:fillRect/>
+          </a:stretch>
+        </p:blipFill>
+        <p:spPr bwMode="auto">
+          <a:xfrm>
+            <a:off x="839787" y="2291556"/>
+            <a:ext cx="7629525" cy="3571875"/>
+          </a:xfrm>
+          <a:prstGeom prst="rect">
+            <a:avLst/>
+          </a:prstGeom>
+          <a:noFill/>
+          <a:extLst>
+            <a:ext uri="{909E8E84-426E-40DD-AFC4-6F175D3DCCD1}">
+              <a14:hiddenFill xmlns:a14="http://schemas.microsoft.com/office/drawing/2010/main">
+                <a:solidFill>
+                  <a:srgbClr val="FFFFFF"/>
+                </a:solidFill>
+              </a14:hiddenFill>
+            </a:ext>
+          </a:extLst>
+        </p:spPr>
+      </p:pic>
+      <p:sp>
+        <p:nvSpPr>
+          <p:cNvPr id="7" name="TextBox 6"/>
+          <p:cNvSpPr txBox="1"/>
+          <p:nvPr/>
+        </p:nvSpPr>
+        <p:spPr>
+          <a:xfrm>
+            <a:off x="755576" y="1916832"/>
+            <a:ext cx="3407408" cy="369332"/>
+          </a:xfrm>
+          <a:prstGeom prst="rect">
+            <a:avLst/>
+          </a:prstGeom>
+          <a:noFill/>
+        </p:spPr>
+        <p:txBody>
+          <a:bodyPr wrap="none" rtlCol="0">
+            <a:spAutoFit/>
+          </a:bodyPr>
+          <a:lstStyle/>
+          <a:p>
+            <a:r>
+              <a:rPr lang="zh-CN" altLang="en-US" dirty="0" smtClean="0"/>
+              <a:t>命令：</a:t>
+            </a:r>
+            <a:r>
+              <a:rPr lang="en-US" dirty="0" err="1" smtClean="0"/>
+              <a:t>git</a:t>
+            </a:r>
+            <a:r>
+              <a:rPr lang="en-US" dirty="0" smtClean="0"/>
+              <a:t> </a:t>
+            </a:r>
+            <a:r>
+              <a:rPr lang="en-US" dirty="0"/>
+              <a:t>cat-file -p master^{tree</a:t>
+            </a:r>
+            <a:r>
+              <a:rPr lang="en-US" dirty="0" smtClean="0"/>
+              <a:t>}</a:t>
+            </a:r>
+            <a:endParaRPr lang="en-US" dirty="0"/>
+          </a:p>
+        </p:txBody>
+      </p:sp>
+      <p:sp>
+        <p:nvSpPr>
+          <p:cNvPr id="8" name="TextBox 7"/>
+          <p:cNvSpPr txBox="1"/>
+          <p:nvPr/>
+        </p:nvSpPr>
+        <p:spPr>
+          <a:xfrm>
+            <a:off x="1043608" y="5733257"/>
+            <a:ext cx="2664296" cy="877163"/>
+          </a:xfrm>
+          <a:prstGeom prst="rect">
+            <a:avLst/>
+          </a:prstGeom>
+          <a:noFill/>
+        </p:spPr>
+        <p:txBody>
+          <a:bodyPr wrap="square" rtlCol="0">
+            <a:spAutoFit/>
+          </a:bodyPr>
+          <a:lstStyle/>
+          <a:p>
+            <a:r>
+              <a:rPr lang="zh-CN" altLang="en-US" sz="1100" dirty="0"/>
+              <a:t>绿色为</a:t>
+            </a:r>
+            <a:r>
+              <a:rPr lang="en-US" altLang="zh-CN" sz="1100" dirty="0"/>
+              <a:t>commit</a:t>
+            </a:r>
+            <a:r>
+              <a:rPr lang="zh-CN" altLang="en-US" sz="1100" dirty="0"/>
+              <a:t>对象</a:t>
+            </a:r>
+          </a:p>
+          <a:p>
+            <a:r>
+              <a:rPr lang="zh-CN" altLang="en-US" sz="1100" dirty="0"/>
+              <a:t>紫色为</a:t>
+            </a:r>
+            <a:r>
+              <a:rPr lang="en-US" altLang="zh-CN" sz="1100" dirty="0"/>
+              <a:t>tree</a:t>
+            </a:r>
+            <a:r>
+              <a:rPr lang="zh-CN" altLang="en-US" sz="1100" dirty="0"/>
+              <a:t>对象</a:t>
+            </a:r>
+          </a:p>
+          <a:p>
+            <a:r>
+              <a:rPr lang="zh-CN" altLang="en-US" sz="1100" dirty="0"/>
+              <a:t>红色为</a:t>
+            </a:r>
+            <a:r>
+              <a:rPr lang="en-US" altLang="zh-CN" sz="1100" dirty="0"/>
+              <a:t>blob</a:t>
+            </a:r>
+            <a:r>
+              <a:rPr lang="zh-CN" altLang="en-US" sz="1100" dirty="0"/>
+              <a:t>对象</a:t>
+            </a:r>
+          </a:p>
+          <a:p>
+            <a:endParaRPr lang="en-US" dirty="0"/>
+          </a:p>
+        </p:txBody>
+      </p:sp>
+    </p:spTree>
+    <p:extLst>
+      <p:ext uri="{BB962C8B-B14F-4D97-AF65-F5344CB8AC3E}">
+        <p14:creationId xmlns:p14="http://schemas.microsoft.com/office/powerpoint/2010/main" val="483724028"/>
+      </p:ext>
+    </p:extLst>
+  </p:cSld>
+  <p:clrMapOvr>
+    <a:masterClrMapping/>
+  </p:clrMapOvr>
+</p:sld>
+</file>
+
+<file path=ppt/slides/slide23.xml><?xml version="1.0" encoding="utf-8"?>
+<p:sld xmlns:a="http://schemas.openxmlformats.org/drawingml/2006/main" xmlns:r="http://schemas.openxmlformats.org/officeDocument/2006/relationships" xmlns:p="http://schemas.openxmlformats.org/presentationml/2006/main">
+  <p:cSld>
+    <p:spTree>
+      <p:nvGrpSpPr>
+        <p:cNvPr id="1" name=""/>
+        <p:cNvGrpSpPr/>
+        <p:nvPr/>
+      </p:nvGrpSpPr>
+      <p:grpSpPr>
+        <a:xfrm>
+          <a:off x="0" y="0"/>
+          <a:ext cx="0" cy="0"/>
+          <a:chOff x="0" y="0"/>
+          <a:chExt cx="0" cy="0"/>
+        </a:xfrm>
+      </p:grpSpPr>
+      <p:sp>
+        <p:nvSpPr>
+          <p:cNvPr id="2" name="标题 1"/>
+          <p:cNvSpPr>
+            <a:spLocks noGrp="1"/>
+          </p:cNvSpPr>
+          <p:nvPr>
+            <p:ph type="title"/>
+          </p:nvPr>
+        </p:nvSpPr>
+        <p:spPr/>
+        <p:txBody>
+          <a:bodyPr/>
+          <a:lstStyle/>
+          <a:p>
+            <a:r>
+              <a:rPr lang="en-US" dirty="0" err="1" smtClean="0"/>
+              <a:t>Git</a:t>
+            </a:r>
+            <a:r>
+              <a:rPr lang="en-US" dirty="0" smtClean="0"/>
+              <a:t> </a:t>
+            </a:r>
+            <a:r>
+              <a:rPr lang="zh-CN" altLang="en-US" dirty="0" smtClean="0"/>
+              <a:t>原理</a:t>
+            </a:r>
+            <a:endParaRPr lang="en-US" dirty="0"/>
+          </a:p>
+        </p:txBody>
+      </p:sp>
+      <p:sp>
+        <p:nvSpPr>
+          <p:cNvPr id="4" name="TextBox 3"/>
+          <p:cNvSpPr txBox="1"/>
+          <p:nvPr/>
+        </p:nvSpPr>
+        <p:spPr>
+          <a:xfrm>
+            <a:off x="539552" y="1300118"/>
+            <a:ext cx="1579278" cy="369332"/>
+          </a:xfrm>
+          <a:prstGeom prst="rect">
+            <a:avLst/>
+          </a:prstGeom>
+          <a:noFill/>
+        </p:spPr>
+        <p:txBody>
+          <a:bodyPr wrap="none" rtlCol="0">
+            <a:spAutoFit/>
+          </a:bodyPr>
+          <a:lstStyle/>
+          <a:p>
+            <a:r>
+              <a:rPr lang="zh-CN" altLang="en-US" b="1" dirty="0" smtClean="0"/>
+              <a:t>对象（改变）</a:t>
+            </a:r>
+            <a:endParaRPr lang="en-US" b="1" dirty="0"/>
+          </a:p>
+        </p:txBody>
+      </p:sp>
+      <p:sp>
+        <p:nvSpPr>
+          <p:cNvPr id="5" name="日期占位符 4"/>
+          <p:cNvSpPr>
+            <a:spLocks noGrp="1"/>
+          </p:cNvSpPr>
+          <p:nvPr>
+            <p:ph type="dt" sz="half" idx="10"/>
+          </p:nvPr>
+        </p:nvSpPr>
+        <p:spPr/>
+        <p:txBody>
+          <a:bodyPr/>
+          <a:lstStyle/>
+          <a:p>
+            <a:fld id="{D6F8093F-4AED-4D4C-B027-0D8F5C1D28E5}" type="datetime1">
+              <a:rPr lang="zh-CN" altLang="en-US" smtClean="0"/>
+              <a:t>2016/10/10</a:t>
+            </a:fld>
+            <a:endParaRPr lang="zh-CN" altLang="en-US"/>
+          </a:p>
+        </p:txBody>
+      </p:sp>
+      <p:sp>
+        <p:nvSpPr>
+          <p:cNvPr id="6" name="灯片编号占位符 5"/>
+          <p:cNvSpPr>
+            <a:spLocks noGrp="1"/>
+          </p:cNvSpPr>
+          <p:nvPr>
+            <p:ph type="sldNum" sz="quarter" idx="12"/>
+          </p:nvPr>
+        </p:nvSpPr>
+        <p:spPr/>
+        <p:txBody>
+          <a:bodyPr/>
+          <a:lstStyle/>
+          <a:p>
+            <a:fld id="{0C913308-F349-4B6D-A68A-DD1791B4A57B}" type="slidenum">
+              <a:rPr lang="zh-CN" altLang="en-US" smtClean="0"/>
+              <a:t>23</a:t>
+            </a:fld>
+            <a:endParaRPr lang="zh-CN" altLang="en-US"/>
+          </a:p>
+        </p:txBody>
+      </p:sp>
+      <p:pic>
+        <p:nvPicPr>
+          <p:cNvPr id="5122" name="Picture 2" descr="C:\Users\Wangsong\Pictures\company course\change.png"/>
+          <p:cNvPicPr>
+            <a:picLocks noChangeAspect="1" noChangeArrowheads="1"/>
+          </p:cNvPicPr>
+          <p:nvPr/>
+        </p:nvPicPr>
+        <p:blipFill>
+          <a:blip r:embed="rId2">
+            <a:extLst>
+              <a:ext uri="{28A0092B-C50C-407E-A947-70E740481C1C}">
+                <a14:useLocalDpi xmlns:a14="http://schemas.microsoft.com/office/drawing/2010/main" val="0"/>
+              </a:ext>
+            </a:extLst>
+          </a:blip>
+          <a:srcRect/>
+          <a:stretch>
+            <a:fillRect/>
+          </a:stretch>
+        </p:blipFill>
+        <p:spPr bwMode="auto">
+          <a:xfrm>
+            <a:off x="2555776" y="2132856"/>
+            <a:ext cx="5262414" cy="4819526"/>
+          </a:xfrm>
+          <a:prstGeom prst="rect">
+            <a:avLst/>
+          </a:prstGeom>
+          <a:noFill/>
+          <a:extLst>
+            <a:ext uri="{909E8E84-426E-40DD-AFC4-6F175D3DCCD1}">
+              <a14:hiddenFill xmlns:a14="http://schemas.microsoft.com/office/drawing/2010/main">
+                <a:solidFill>
+                  <a:srgbClr val="FFFFFF"/>
+                </a:solidFill>
+              </a14:hiddenFill>
+            </a:ext>
+          </a:extLst>
+        </p:spPr>
+      </p:pic>
+    </p:spTree>
+    <p:extLst>
+      <p:ext uri="{BB962C8B-B14F-4D97-AF65-F5344CB8AC3E}">
+        <p14:creationId xmlns:p14="http://schemas.microsoft.com/office/powerpoint/2010/main" val="1011251181"/>
+      </p:ext>
+    </p:extLst>
+  </p:cSld>
+  <p:clrMapOvr>
+    <a:masterClrMapping/>
+  </p:clrMapOvr>
+</p:sld>
+</file>
+
+<file path=ppt/slides/slide24.xml><?xml version="1.0" encoding="utf-8"?>
+<p:sld xmlns:a="http://schemas.openxmlformats.org/drawingml/2006/main" xmlns:r="http://schemas.openxmlformats.org/officeDocument/2006/relationships" xmlns:p="http://schemas.openxmlformats.org/presentationml/2006/main">
+  <p:cSld>
+    <p:spTree>
+      <p:nvGrpSpPr>
+        <p:cNvPr id="1" name=""/>
+        <p:cNvGrpSpPr/>
+        <p:nvPr/>
+      </p:nvGrpSpPr>
+      <p:grpSpPr>
+        <a:xfrm>
+          <a:off x="0" y="0"/>
+          <a:ext cx="0" cy="0"/>
+          <a:chOff x="0" y="0"/>
+          <a:chExt cx="0" cy="0"/>
+        </a:xfrm>
+      </p:grpSpPr>
+      <p:sp>
+        <p:nvSpPr>
+          <p:cNvPr id="2" name="标题 1"/>
+          <p:cNvSpPr>
+            <a:spLocks noGrp="1"/>
+          </p:cNvSpPr>
+          <p:nvPr>
+            <p:ph type="title"/>
+          </p:nvPr>
+        </p:nvSpPr>
+        <p:spPr/>
+        <p:txBody>
+          <a:bodyPr/>
+          <a:lstStyle/>
+          <a:p>
+            <a:r>
+              <a:rPr lang="en-US" dirty="0" err="1" smtClean="0"/>
+              <a:t>Git</a:t>
+            </a:r>
+            <a:r>
+              <a:rPr lang="en-US" dirty="0" smtClean="0"/>
+              <a:t> </a:t>
+            </a:r>
+            <a:r>
+              <a:rPr lang="zh-CN" altLang="en-US" dirty="0" smtClean="0"/>
+              <a:t>原理</a:t>
+            </a:r>
+            <a:endParaRPr lang="en-US" dirty="0"/>
+          </a:p>
+        </p:txBody>
+      </p:sp>
+      <p:sp>
+        <p:nvSpPr>
+          <p:cNvPr id="3" name="内容占位符 2"/>
+          <p:cNvSpPr>
+            <a:spLocks noGrp="1"/>
+          </p:cNvSpPr>
+          <p:nvPr>
+            <p:ph idx="1"/>
+          </p:nvPr>
+        </p:nvSpPr>
+        <p:spPr>
+          <a:xfrm>
+            <a:off x="539552" y="4418483"/>
+            <a:ext cx="8229600" cy="1746821"/>
+          </a:xfrm>
+        </p:spPr>
+        <p:txBody>
+          <a:bodyPr>
+            <a:normAutofit/>
+          </a:bodyPr>
+          <a:lstStyle/>
+          <a:p>
+            <a:pPr marL="0" indent="0">
+              <a:buNone/>
+            </a:pPr>
+            <a:r>
+              <a:rPr lang="zh-CN" altLang="en-US" sz="2000" dirty="0"/>
+              <a:t>在上述图片中，横向表示各个版本号，纵向表示各个文件和其差异。在</a:t>
+            </a:r>
+            <a:r>
+              <a:rPr lang="en-US" altLang="zh-CN" sz="2000" dirty="0"/>
+              <a:t>version1</a:t>
+            </a:r>
+            <a:r>
+              <a:rPr lang="zh-CN" altLang="en-US" sz="2000" dirty="0"/>
+              <a:t>中</a:t>
+            </a:r>
+            <a:r>
+              <a:rPr lang="en-US" altLang="zh-CN" sz="2000" dirty="0"/>
+              <a:t>,</a:t>
+            </a:r>
+            <a:r>
+              <a:rPr lang="zh-CN" altLang="en-US" sz="2000" dirty="0"/>
+              <a:t>存在三个文件各自是</a:t>
+            </a:r>
+            <a:r>
+              <a:rPr lang="en-US" altLang="zh-CN" sz="2000" dirty="0" err="1"/>
+              <a:t>fileA</a:t>
+            </a:r>
+            <a:r>
+              <a:rPr lang="zh-CN" altLang="en-US" sz="2000" dirty="0"/>
+              <a:t>、</a:t>
+            </a:r>
+            <a:r>
+              <a:rPr lang="en-US" altLang="zh-CN" sz="2000" dirty="0" err="1"/>
+              <a:t>fileB</a:t>
+            </a:r>
+            <a:r>
+              <a:rPr lang="zh-CN" altLang="en-US" sz="2000" dirty="0"/>
+              <a:t>、</a:t>
+            </a:r>
+            <a:r>
+              <a:rPr lang="en-US" altLang="zh-CN" sz="2000" dirty="0" err="1"/>
+              <a:t>fileC</a:t>
+            </a:r>
+            <a:r>
+              <a:rPr lang="en-US" altLang="zh-CN" sz="2000" dirty="0"/>
+              <a:t>;</a:t>
+            </a:r>
+            <a:r>
+              <a:rPr lang="zh-CN" altLang="en-US" sz="2000" dirty="0"/>
+              <a:t>在</a:t>
+            </a:r>
+            <a:r>
+              <a:rPr lang="en-US" altLang="zh-CN" sz="2000" dirty="0"/>
+              <a:t>version2</a:t>
+            </a:r>
+            <a:r>
+              <a:rPr lang="zh-CN" altLang="en-US" sz="2000" dirty="0"/>
+              <a:t>中</a:t>
+            </a:r>
+            <a:r>
+              <a:rPr lang="en-US" altLang="zh-CN" sz="2000" dirty="0"/>
+              <a:t>,</a:t>
+            </a:r>
+            <a:r>
+              <a:rPr lang="en-US" altLang="zh-CN" sz="2000" dirty="0" err="1"/>
+              <a:t>fileA</a:t>
+            </a:r>
+            <a:r>
+              <a:rPr lang="zh-CN" altLang="en-US" sz="2000" dirty="0"/>
+              <a:t>、</a:t>
+            </a:r>
+            <a:r>
+              <a:rPr lang="en-US" altLang="zh-CN" sz="2000" dirty="0" err="1"/>
+              <a:t>fileC</a:t>
+            </a:r>
+            <a:r>
+              <a:rPr lang="zh-CN" altLang="en-US" sz="2000" dirty="0"/>
+              <a:t>发生变化</a:t>
+            </a:r>
+            <a:r>
+              <a:rPr lang="en-US" altLang="zh-CN" sz="2000" dirty="0"/>
+              <a:t>1</a:t>
+            </a:r>
+            <a:r>
+              <a:rPr lang="zh-CN" altLang="en-US" sz="2000" dirty="0"/>
+              <a:t>，那么我们就变化</a:t>
+            </a:r>
+            <a:r>
+              <a:rPr lang="en-US" altLang="zh-CN" sz="2000" dirty="0"/>
+              <a:t>1</a:t>
+            </a:r>
+            <a:r>
+              <a:rPr lang="zh-CN" altLang="en-US" sz="2000" dirty="0"/>
+              <a:t>进行记录</a:t>
+            </a:r>
+            <a:r>
+              <a:rPr lang="en-US" altLang="zh-CN" sz="2000" dirty="0"/>
+              <a:t>;</a:t>
+            </a:r>
+            <a:r>
+              <a:rPr lang="zh-CN" altLang="en-US" sz="2000" dirty="0"/>
+              <a:t>在</a:t>
+            </a:r>
+            <a:r>
+              <a:rPr lang="en-US" altLang="zh-CN" sz="2000" dirty="0"/>
+              <a:t>version3</a:t>
+            </a:r>
+            <a:r>
+              <a:rPr lang="zh-CN" altLang="en-US" sz="2000" dirty="0"/>
+              <a:t>中，</a:t>
+            </a:r>
+            <a:r>
+              <a:rPr lang="en-US" altLang="zh-CN" sz="2000" dirty="0" err="1"/>
+              <a:t>fileC</a:t>
+            </a:r>
+            <a:r>
+              <a:rPr lang="zh-CN" altLang="en-US" sz="2000" dirty="0"/>
+              <a:t>发生了变化</a:t>
+            </a:r>
+            <a:r>
+              <a:rPr lang="en-US" altLang="zh-CN" sz="2000" dirty="0"/>
+              <a:t>2</a:t>
+            </a:r>
+            <a:r>
+              <a:rPr lang="zh-CN" altLang="en-US" sz="2000" dirty="0"/>
+              <a:t>，那么我们就将变化</a:t>
+            </a:r>
+            <a:r>
+              <a:rPr lang="en-US" altLang="zh-CN" sz="2000" dirty="0"/>
+              <a:t>2</a:t>
+            </a:r>
+            <a:r>
+              <a:rPr lang="zh-CN" altLang="en-US" sz="2000" dirty="0"/>
+              <a:t>进行记录</a:t>
+            </a:r>
+            <a:r>
+              <a:rPr lang="en-US" altLang="zh-CN" sz="2000" dirty="0"/>
+              <a:t>;</a:t>
+            </a:r>
+            <a:r>
+              <a:rPr lang="zh-CN" altLang="en-US" sz="2000" dirty="0"/>
+              <a:t>以此类推。</a:t>
+            </a:r>
+            <a:endParaRPr lang="en-US" sz="2000" dirty="0"/>
+          </a:p>
+        </p:txBody>
+      </p:sp>
+      <p:sp>
+        <p:nvSpPr>
+          <p:cNvPr id="4" name="TextBox 3"/>
+          <p:cNvSpPr txBox="1"/>
+          <p:nvPr/>
+        </p:nvSpPr>
+        <p:spPr>
+          <a:xfrm>
+            <a:off x="539552" y="1300118"/>
+            <a:ext cx="649537" cy="369332"/>
+          </a:xfrm>
+          <a:prstGeom prst="rect">
+            <a:avLst/>
+          </a:prstGeom>
+          <a:noFill/>
+        </p:spPr>
+        <p:txBody>
+          <a:bodyPr wrap="none" rtlCol="0">
+            <a:spAutoFit/>
+          </a:bodyPr>
+          <a:lstStyle/>
+          <a:p>
+            <a:r>
+              <a:rPr lang="zh-CN" altLang="en-US" b="1" dirty="0"/>
+              <a:t>版本</a:t>
+            </a:r>
+            <a:endParaRPr lang="en-US" b="1" dirty="0"/>
+          </a:p>
+        </p:txBody>
+      </p:sp>
+      <p:pic>
+        <p:nvPicPr>
+          <p:cNvPr id="2050" name="Picture 2" descr="C:\Users\Wangsong\Pictures\company course\base1.png"/>
+          <p:cNvPicPr>
+            <a:picLocks noChangeAspect="1" noChangeArrowheads="1"/>
+          </p:cNvPicPr>
+          <p:nvPr/>
+        </p:nvPicPr>
+        <p:blipFill>
+          <a:blip r:embed="rId2">
+            <a:extLst>
+              <a:ext uri="{28A0092B-C50C-407E-A947-70E740481C1C}">
+                <a14:useLocalDpi xmlns:a14="http://schemas.microsoft.com/office/drawing/2010/main" val="0"/>
+              </a:ext>
+            </a:extLst>
+          </a:blip>
+          <a:srcRect/>
+          <a:stretch>
+            <a:fillRect/>
+          </a:stretch>
+        </p:blipFill>
+        <p:spPr bwMode="auto">
+          <a:xfrm>
+            <a:off x="1201913" y="1484784"/>
+            <a:ext cx="6446837" cy="2933700"/>
+          </a:xfrm>
+          <a:prstGeom prst="rect">
+            <a:avLst/>
+          </a:prstGeom>
+          <a:noFill/>
+          <a:extLst>
+            <a:ext uri="{909E8E84-426E-40DD-AFC4-6F175D3DCCD1}">
+              <a14:hiddenFill xmlns:a14="http://schemas.microsoft.com/office/drawing/2010/main">
+                <a:solidFill>
+                  <a:srgbClr val="FFFFFF"/>
+                </a:solidFill>
+              </a14:hiddenFill>
+            </a:ext>
+          </a:extLst>
+        </p:spPr>
+      </p:pic>
+      <p:sp>
+        <p:nvSpPr>
+          <p:cNvPr id="5" name="日期占位符 4"/>
+          <p:cNvSpPr>
+            <a:spLocks noGrp="1"/>
+          </p:cNvSpPr>
+          <p:nvPr>
+            <p:ph type="dt" sz="half" idx="10"/>
+          </p:nvPr>
+        </p:nvSpPr>
+        <p:spPr/>
+        <p:txBody>
+          <a:bodyPr/>
+          <a:lstStyle/>
+          <a:p>
+            <a:fld id="{D6F8093F-4AED-4D4C-B027-0D8F5C1D28E5}" type="datetime1">
+              <a:rPr lang="zh-CN" altLang="en-US" smtClean="0"/>
+              <a:t>2016/10/10</a:t>
+            </a:fld>
+            <a:endParaRPr lang="zh-CN" altLang="en-US"/>
+          </a:p>
+        </p:txBody>
+      </p:sp>
+      <p:sp>
+        <p:nvSpPr>
+          <p:cNvPr id="6" name="灯片编号占位符 5"/>
+          <p:cNvSpPr>
+            <a:spLocks noGrp="1"/>
+          </p:cNvSpPr>
+          <p:nvPr>
+            <p:ph type="sldNum" sz="quarter" idx="12"/>
+          </p:nvPr>
+        </p:nvSpPr>
+        <p:spPr/>
+        <p:txBody>
+          <a:bodyPr/>
+          <a:lstStyle/>
+          <a:p>
+            <a:fld id="{0C913308-F349-4B6D-A68A-DD1791B4A57B}" type="slidenum">
+              <a:rPr lang="zh-CN" altLang="en-US" smtClean="0"/>
+              <a:t>24</a:t>
+            </a:fld>
+            <a:endParaRPr lang="zh-CN" altLang="en-US"/>
+          </a:p>
+        </p:txBody>
+      </p:sp>
+    </p:spTree>
+    <p:extLst>
+      <p:ext uri="{BB962C8B-B14F-4D97-AF65-F5344CB8AC3E}">
+        <p14:creationId xmlns:p14="http://schemas.microsoft.com/office/powerpoint/2010/main" val="2345607406"/>
+      </p:ext>
+    </p:extLst>
+  </p:cSld>
+  <p:clrMapOvr>
+    <a:masterClrMapping/>
+  </p:clrMapOvr>
+</p:sld>
+</file>
+
+<file path=ppt/slides/slide25.xml><?xml version="1.0" encoding="utf-8"?>
+<p:sld xmlns:a="http://schemas.openxmlformats.org/drawingml/2006/main" xmlns:r="http://schemas.openxmlformats.org/officeDocument/2006/relationships" xmlns:p="http://schemas.openxmlformats.org/presentationml/2006/main">
+  <p:cSld>
+    <p:spTree>
+      <p:nvGrpSpPr>
+        <p:cNvPr id="1" name=""/>
+        <p:cNvGrpSpPr/>
+        <p:nvPr/>
+      </p:nvGrpSpPr>
+      <p:grpSpPr>
+        <a:xfrm>
+          <a:off x="0" y="0"/>
+          <a:ext cx="0" cy="0"/>
+          <a:chOff x="0" y="0"/>
+          <a:chExt cx="0" cy="0"/>
+        </a:xfrm>
+      </p:grpSpPr>
+      <p:sp>
+        <p:nvSpPr>
+          <p:cNvPr id="2" name="标题 1"/>
+          <p:cNvSpPr>
+            <a:spLocks noGrp="1"/>
+          </p:cNvSpPr>
+          <p:nvPr>
+            <p:ph type="title"/>
+          </p:nvPr>
+        </p:nvSpPr>
+        <p:spPr/>
+        <p:txBody>
+          <a:bodyPr>
+            <a:normAutofit/>
+          </a:bodyPr>
+          <a:lstStyle/>
+          <a:p>
+            <a:r>
+              <a:rPr lang="zh-CN" altLang="en-US" dirty="0"/>
+              <a:t>项目管理</a:t>
+            </a:r>
+            <a:r>
+              <a:rPr lang="zh-CN" altLang="en-US" dirty="0" smtClean="0"/>
+              <a:t>工具</a:t>
+            </a:r>
+            <a:endParaRPr lang="en-US" dirty="0"/>
+          </a:p>
+        </p:txBody>
+      </p:sp>
+      <p:sp>
+        <p:nvSpPr>
+          <p:cNvPr id="3" name="内容占位符 2"/>
+          <p:cNvSpPr>
+            <a:spLocks noGrp="1"/>
+          </p:cNvSpPr>
+          <p:nvPr>
+            <p:ph idx="1"/>
+          </p:nvPr>
+        </p:nvSpPr>
+        <p:spPr/>
+        <p:txBody>
+          <a:bodyPr/>
+          <a:lstStyle/>
+          <a:p>
+            <a:r>
+              <a:rPr lang="en-US" altLang="zh-CN" dirty="0" smtClean="0"/>
+              <a:t>tower.im</a:t>
+            </a:r>
+            <a:endParaRPr lang="en-US" altLang="zh-CN" dirty="0"/>
+          </a:p>
+          <a:p>
+            <a:pPr marL="0" indent="0">
+              <a:buNone/>
+            </a:pPr>
+            <a:r>
+              <a:rPr lang="en-US" altLang="zh-CN" dirty="0"/>
+              <a:t> </a:t>
+            </a:r>
+            <a:r>
+              <a:rPr lang="zh-CN" altLang="en-US" dirty="0" smtClean="0"/>
+              <a:t>管理项目需求、计划、任务的团队合作工具</a:t>
+            </a:r>
+            <a:endParaRPr lang="en-US" altLang="zh-CN" dirty="0" smtClean="0"/>
+          </a:p>
+          <a:p>
+            <a:pPr marL="0" indent="0">
+              <a:buNone/>
+            </a:pPr>
+            <a:endParaRPr lang="en-US" altLang="zh-CN" dirty="0"/>
+          </a:p>
+          <a:p>
+            <a:r>
+              <a:rPr lang="zh-CN" altLang="en-US" dirty="0" smtClean="0"/>
+              <a:t>禅</a:t>
+            </a:r>
+            <a:r>
+              <a:rPr lang="zh-CN" altLang="en-US" dirty="0"/>
+              <a:t>道</a:t>
+            </a:r>
+            <a:endParaRPr lang="en-US" altLang="zh-CN" dirty="0"/>
+          </a:p>
+          <a:p>
+            <a:pPr marL="0" indent="0">
+              <a:buNone/>
+            </a:pPr>
+            <a:r>
+              <a:rPr lang="zh-CN" altLang="en-US" dirty="0" smtClean="0"/>
+              <a:t>（</a:t>
+            </a:r>
+            <a:r>
+              <a:rPr lang="en-US" altLang="zh-CN" dirty="0" smtClean="0">
+                <a:hlinkClick r:id="rId2"/>
+              </a:rPr>
+              <a:t>http</a:t>
+            </a:r>
+            <a:r>
+              <a:rPr lang="en-US" altLang="zh-CN" dirty="0">
+                <a:hlinkClick r:id="rId2"/>
+              </a:rPr>
+              <a:t>://42.121.111.38:90</a:t>
+            </a:r>
+            <a:r>
+              <a:rPr lang="en-US" altLang="zh-CN" dirty="0" smtClean="0">
+                <a:hlinkClick r:id="rId2"/>
+              </a:rPr>
+              <a:t>/</a:t>
+            </a:r>
+            <a:r>
+              <a:rPr lang="zh-CN" altLang="en-US" dirty="0" smtClean="0"/>
+              <a:t>）</a:t>
+            </a:r>
+            <a:endParaRPr lang="en-US" altLang="zh-CN" dirty="0" smtClean="0"/>
+          </a:p>
+          <a:p>
+            <a:pPr marL="0" indent="0">
+              <a:buNone/>
+            </a:pPr>
+            <a:r>
+              <a:rPr lang="zh-CN" altLang="en-US" dirty="0" smtClean="0"/>
+              <a:t>公司内容的项目管理、</a:t>
+            </a:r>
+            <a:r>
+              <a:rPr lang="en-US" altLang="zh-CN" dirty="0" smtClean="0"/>
+              <a:t>bug</a:t>
+            </a:r>
+            <a:r>
+              <a:rPr lang="zh-CN" altLang="en-US" dirty="0" smtClean="0"/>
+              <a:t>跟踪工具</a:t>
+            </a:r>
+            <a:endParaRPr lang="en-US" altLang="zh-CN" dirty="0" smtClean="0"/>
+          </a:p>
+        </p:txBody>
+      </p:sp>
+      <p:sp>
+        <p:nvSpPr>
+          <p:cNvPr id="4" name="日期占位符 3"/>
+          <p:cNvSpPr>
+            <a:spLocks noGrp="1"/>
+          </p:cNvSpPr>
+          <p:nvPr>
+            <p:ph type="dt" sz="half" idx="10"/>
+          </p:nvPr>
+        </p:nvSpPr>
+        <p:spPr/>
+        <p:txBody>
+          <a:bodyPr/>
+          <a:lstStyle/>
+          <a:p>
+            <a:fld id="{EE61F5C2-2A2E-44B5-8F9C-B5CFE5B09B88}" type="datetime1">
+              <a:rPr lang="zh-CN" altLang="en-US" smtClean="0"/>
+              <a:t>2016/10/10</a:t>
+            </a:fld>
+            <a:endParaRPr lang="zh-CN" altLang="en-US"/>
+          </a:p>
+        </p:txBody>
+      </p:sp>
+      <p:sp>
+        <p:nvSpPr>
+          <p:cNvPr id="5" name="灯片编号占位符 4"/>
+          <p:cNvSpPr>
+            <a:spLocks noGrp="1"/>
+          </p:cNvSpPr>
+          <p:nvPr>
+            <p:ph type="sldNum" sz="quarter" idx="12"/>
+          </p:nvPr>
+        </p:nvSpPr>
+        <p:spPr/>
+        <p:txBody>
+          <a:bodyPr/>
+          <a:lstStyle/>
+          <a:p>
+            <a:fld id="{0C913308-F349-4B6D-A68A-DD1791B4A57B}" type="slidenum">
+              <a:rPr lang="zh-CN" altLang="en-US" smtClean="0"/>
+              <a:t>25</a:t>
+            </a:fld>
+            <a:endParaRPr lang="zh-CN" altLang="en-US"/>
+          </a:p>
+        </p:txBody>
+      </p:sp>
+    </p:spTree>
+    <p:extLst>
+      <p:ext uri="{BB962C8B-B14F-4D97-AF65-F5344CB8AC3E}">
+        <p14:creationId xmlns:p14="http://schemas.microsoft.com/office/powerpoint/2010/main" val="4106833662"/>
+      </p:ext>
+    </p:extLst>
+  </p:cSld>
+  <p:clrMapOvr>
+    <a:masterClrMapping/>
+  </p:clrMapOvr>
+</p:sld>
+</file>
+
+<file path=ppt/slides/slide26.xml><?xml version="1.0" encoding="utf-8"?>
+<p:sld xmlns:a="http://schemas.openxmlformats.org/drawingml/2006/main" xmlns:r="http://schemas.openxmlformats.org/officeDocument/2006/relationships" xmlns:p="http://schemas.openxmlformats.org/presentationml/2006/main">
+  <p:cSld>
+    <p:spTree>
+      <p:nvGrpSpPr>
+        <p:cNvPr id="1" name=""/>
+        <p:cNvGrpSpPr/>
+        <p:nvPr/>
+      </p:nvGrpSpPr>
+      <p:grpSpPr>
+        <a:xfrm>
+          <a:off x="0" y="0"/>
+          <a:ext cx="0" cy="0"/>
+          <a:chOff x="0" y="0"/>
+          <a:chExt cx="0" cy="0"/>
+        </a:xfrm>
+      </p:grpSpPr>
+      <p:sp>
+        <p:nvSpPr>
+          <p:cNvPr id="2" name="标题 1"/>
+          <p:cNvSpPr>
+            <a:spLocks noGrp="1"/>
+          </p:cNvSpPr>
+          <p:nvPr>
+            <p:ph type="title"/>
+          </p:nvPr>
+        </p:nvSpPr>
+        <p:spPr/>
+        <p:txBody>
+          <a:bodyPr>
+            <a:normAutofit/>
+          </a:bodyPr>
+          <a:lstStyle/>
+          <a:p>
+            <a:r>
+              <a:rPr lang="en-US" altLang="zh-CN" dirty="0"/>
+              <a:t>IDE</a:t>
+            </a:r>
+            <a:r>
+              <a:rPr lang="zh-CN" altLang="en-US" dirty="0"/>
+              <a:t>、管理器、小</a:t>
+            </a:r>
+            <a:r>
+              <a:rPr lang="zh-CN" altLang="en-US" dirty="0" smtClean="0"/>
+              <a:t>工具</a:t>
+            </a:r>
+            <a:endParaRPr lang="en-US" dirty="0"/>
+          </a:p>
+        </p:txBody>
+      </p:sp>
+      <p:sp>
+        <p:nvSpPr>
+          <p:cNvPr id="3" name="内容占位符 2"/>
+          <p:cNvSpPr>
+            <a:spLocks noGrp="1"/>
+          </p:cNvSpPr>
+          <p:nvPr>
+            <p:ph idx="1"/>
+          </p:nvPr>
+        </p:nvSpPr>
+        <p:spPr/>
+        <p:txBody>
+          <a:bodyPr>
+            <a:normAutofit fontScale="92500" lnSpcReduction="10000"/>
+          </a:bodyPr>
+          <a:lstStyle/>
+          <a:p>
+            <a:r>
+              <a:rPr lang="en-US" altLang="zh-CN" sz="3000" dirty="0" smtClean="0"/>
+              <a:t>NET IDE</a:t>
+            </a:r>
+            <a:r>
+              <a:rPr lang="zh-CN" altLang="en-US" sz="3000" dirty="0" smtClean="0"/>
+              <a:t>：</a:t>
+            </a:r>
+            <a:r>
+              <a:rPr lang="en-US" altLang="zh-CN" sz="3000" dirty="0" err="1" smtClean="0"/>
+              <a:t>visualstudio</a:t>
+            </a:r>
+            <a:r>
+              <a:rPr lang="en-US" altLang="zh-CN" sz="3000" dirty="0" smtClean="0"/>
+              <a:t>(2015)</a:t>
+            </a:r>
+          </a:p>
+          <a:p>
+            <a:r>
+              <a:rPr lang="en-US" sz="3000" dirty="0" smtClean="0"/>
+              <a:t>SQLSERVER </a:t>
+            </a:r>
+            <a:r>
+              <a:rPr lang="zh-CN" altLang="en-US" sz="3000" dirty="0" smtClean="0"/>
+              <a:t>管理器：</a:t>
+            </a:r>
+            <a:r>
+              <a:rPr lang="en-US" altLang="zh-CN" sz="3000" dirty="0" smtClean="0"/>
+              <a:t>SQL </a:t>
+            </a:r>
+            <a:r>
+              <a:rPr lang="en-US" altLang="zh-CN" sz="3000" dirty="0"/>
+              <a:t>Server Management </a:t>
+            </a:r>
+            <a:r>
+              <a:rPr lang="en-US" altLang="zh-CN" sz="3000" dirty="0" smtClean="0"/>
+              <a:t>Studio</a:t>
+            </a:r>
+          </a:p>
+          <a:p>
+            <a:r>
+              <a:rPr lang="en-US" altLang="zh-CN" sz="3000" dirty="0" smtClean="0"/>
+              <a:t>MySQL </a:t>
+            </a:r>
+            <a:r>
+              <a:rPr lang="zh-CN" altLang="en-US" sz="3000" dirty="0" smtClean="0"/>
+              <a:t>管理器：</a:t>
+            </a:r>
+            <a:r>
+              <a:rPr lang="en-US" altLang="zh-CN" sz="3000" dirty="0" err="1" smtClean="0"/>
+              <a:t>Mysql</a:t>
+            </a:r>
+            <a:r>
+              <a:rPr lang="en-US" altLang="zh-CN" sz="3000" dirty="0" smtClean="0"/>
+              <a:t> Workbench</a:t>
+            </a:r>
+          </a:p>
+          <a:p>
+            <a:r>
+              <a:rPr lang="en-US" altLang="zh-CN" sz="3000" dirty="0" smtClean="0"/>
+              <a:t>Ruby IDE</a:t>
+            </a:r>
+            <a:r>
+              <a:rPr lang="zh-CN" altLang="en-US" sz="3000" dirty="0" smtClean="0"/>
+              <a:t>：</a:t>
+            </a:r>
+            <a:r>
+              <a:rPr lang="en-US" altLang="zh-CN" sz="3000" dirty="0" err="1" smtClean="0"/>
+              <a:t>RubyMine</a:t>
+            </a:r>
+            <a:endParaRPr lang="en-US" altLang="zh-CN" sz="3000" dirty="0" smtClean="0"/>
+          </a:p>
+          <a:p>
+            <a:r>
+              <a:rPr lang="zh-CN" altLang="en-US" sz="3000" dirty="0"/>
+              <a:t>小</a:t>
+            </a:r>
+            <a:r>
+              <a:rPr lang="zh-CN" altLang="en-US" sz="3000" dirty="0" smtClean="0"/>
+              <a:t>工具</a:t>
+            </a:r>
+            <a:r>
+              <a:rPr lang="en-US" altLang="zh-CN" sz="3000" dirty="0"/>
+              <a:t>(windows)</a:t>
+            </a:r>
+            <a:endParaRPr lang="en-US" altLang="zh-CN" sz="3000" dirty="0" smtClean="0"/>
+          </a:p>
+          <a:p>
+            <a:pPr marL="514350" indent="-514350">
+              <a:buFont typeface="+mj-lt"/>
+              <a:buAutoNum type="arabicParenR"/>
+            </a:pPr>
+            <a:r>
+              <a:rPr lang="zh-CN" altLang="en-US" sz="2400" dirty="0" smtClean="0"/>
+              <a:t>查看日志</a:t>
+            </a:r>
+            <a:r>
+              <a:rPr lang="en-US" altLang="zh-CN" sz="2400" dirty="0" smtClean="0"/>
+              <a:t>:</a:t>
+            </a:r>
+            <a:r>
+              <a:rPr lang="en-US" altLang="zh-CN" sz="2400" dirty="0" err="1" smtClean="0"/>
+              <a:t>WinTail.ext</a:t>
+            </a:r>
+            <a:endParaRPr lang="en-US" altLang="zh-CN" sz="2400" dirty="0" smtClean="0"/>
+          </a:p>
+          <a:p>
+            <a:pPr marL="514350" indent="-514350">
+              <a:buFont typeface="+mj-lt"/>
+              <a:buAutoNum type="arabicParenR"/>
+            </a:pPr>
+            <a:r>
+              <a:rPr lang="en-US" sz="2400" dirty="0" err="1"/>
+              <a:t>s</a:t>
+            </a:r>
+            <a:r>
+              <a:rPr lang="en-US" sz="2400" dirty="0" err="1" smtClean="0"/>
+              <a:t>sh</a:t>
+            </a:r>
+            <a:r>
+              <a:rPr lang="zh-CN" altLang="en-US" sz="2400" dirty="0" smtClean="0"/>
+              <a:t>远程及拷贝：</a:t>
+            </a:r>
+            <a:r>
+              <a:rPr lang="en-US" altLang="zh-CN" sz="2400" dirty="0" smtClean="0"/>
+              <a:t>putty.exe, </a:t>
+            </a:r>
+            <a:r>
+              <a:rPr lang="en-US" altLang="zh-CN" sz="2400" dirty="0" smtClean="0"/>
+              <a:t>pscp.exe</a:t>
+            </a:r>
+          </a:p>
+          <a:p>
+            <a:pPr marL="514350" indent="-514350">
+              <a:buFont typeface="+mj-lt"/>
+              <a:buAutoNum type="arabicParenR"/>
+            </a:pPr>
+            <a:r>
+              <a:rPr lang="en-US" altLang="zh-CN" sz="2400" dirty="0" smtClean="0"/>
+              <a:t>c</a:t>
+            </a:r>
+            <a:r>
+              <a:rPr lang="en-US" sz="2400" dirty="0" smtClean="0"/>
+              <a:t>om\socket</a:t>
+            </a:r>
+            <a:r>
+              <a:rPr lang="zh-CN" altLang="en-US" sz="2400" dirty="0" smtClean="0"/>
+              <a:t>调试工具：</a:t>
+            </a:r>
+            <a:r>
+              <a:rPr lang="en-US" altLang="zh-CN" sz="2400" dirty="0"/>
+              <a:t>UartAssist.exe, </a:t>
+            </a:r>
+            <a:r>
+              <a:rPr lang="en-US" altLang="zh-CN" sz="2400" dirty="0" smtClean="0"/>
+              <a:t>NetAssist.exe</a:t>
+            </a:r>
+          </a:p>
+          <a:p>
+            <a:pPr marL="514350" indent="-514350">
+              <a:buFont typeface="+mj-lt"/>
+              <a:buAutoNum type="arabicParenR"/>
+            </a:pPr>
+            <a:r>
+              <a:rPr lang="en-US" sz="2400" dirty="0" smtClean="0"/>
+              <a:t>…</a:t>
+            </a:r>
+            <a:endParaRPr lang="en-US" sz="2400" dirty="0"/>
+          </a:p>
+        </p:txBody>
+      </p:sp>
+      <p:sp>
+        <p:nvSpPr>
+          <p:cNvPr id="4" name="日期占位符 3"/>
+          <p:cNvSpPr>
+            <a:spLocks noGrp="1"/>
+          </p:cNvSpPr>
+          <p:nvPr>
+            <p:ph type="dt" sz="half" idx="10"/>
+          </p:nvPr>
+        </p:nvSpPr>
+        <p:spPr/>
+        <p:txBody>
+          <a:bodyPr/>
+          <a:lstStyle/>
+          <a:p>
+            <a:fld id="{8C5F3EA5-F3EF-4DA2-89B1-05D15B0EEEF2}" type="datetime1">
+              <a:rPr lang="zh-CN" altLang="en-US" smtClean="0"/>
+              <a:t>2016/10/10</a:t>
+            </a:fld>
+            <a:endParaRPr lang="zh-CN" altLang="en-US"/>
+          </a:p>
+        </p:txBody>
+      </p:sp>
+      <p:sp>
+        <p:nvSpPr>
+          <p:cNvPr id="5" name="灯片编号占位符 4"/>
+          <p:cNvSpPr>
+            <a:spLocks noGrp="1"/>
+          </p:cNvSpPr>
+          <p:nvPr>
+            <p:ph type="sldNum" sz="quarter" idx="12"/>
+          </p:nvPr>
+        </p:nvSpPr>
+        <p:spPr/>
+        <p:txBody>
+          <a:bodyPr/>
+          <a:lstStyle/>
+          <a:p>
+            <a:fld id="{0C913308-F349-4B6D-A68A-DD1791B4A57B}" type="slidenum">
+              <a:rPr lang="zh-CN" altLang="en-US" smtClean="0"/>
+              <a:t>26</a:t>
+            </a:fld>
+            <a:endParaRPr lang="zh-CN" altLang="en-US"/>
+          </a:p>
+        </p:txBody>
+      </p:sp>
+    </p:spTree>
+    <p:extLst>
+      <p:ext uri="{BB962C8B-B14F-4D97-AF65-F5344CB8AC3E}">
+        <p14:creationId xmlns:p14="http://schemas.microsoft.com/office/powerpoint/2010/main" val="2459539034"/>
+      </p:ext>
+    </p:extLst>
+  </p:cSld>
+  <p:clrMapOvr>
+    <a:masterClrMapping/>
+  </p:clrMapOvr>
+</p:sld>
+</file>
+
+<file path=ppt/slides/slide27.xml><?xml version="1.0" encoding="utf-8"?>
+<p:sld xmlns:a="http://schemas.openxmlformats.org/drawingml/2006/main" xmlns:r="http://schemas.openxmlformats.org/officeDocument/2006/relationships" xmlns:p="http://schemas.openxmlformats.org/presentationml/2006/main">
+  <p:cSld>
+    <p:spTree>
+      <p:nvGrpSpPr>
+        <p:cNvPr id="1" name=""/>
+        <p:cNvGrpSpPr/>
+        <p:nvPr/>
+      </p:nvGrpSpPr>
+      <p:grpSpPr>
+        <a:xfrm>
+          <a:off x="0" y="0"/>
+          <a:ext cx="0" cy="0"/>
+          <a:chOff x="0" y="0"/>
+          <a:chExt cx="0" cy="0"/>
+        </a:xfrm>
+      </p:grpSpPr>
+      <p:sp>
+        <p:nvSpPr>
+          <p:cNvPr id="2" name="标题 1"/>
+          <p:cNvSpPr>
+            <a:spLocks noGrp="1"/>
+          </p:cNvSpPr>
+          <p:nvPr>
+            <p:ph type="title"/>
+          </p:nvPr>
+        </p:nvSpPr>
+        <p:spPr/>
+        <p:txBody>
+          <a:bodyPr/>
+          <a:lstStyle/>
+          <a:p>
+            <a:r>
+              <a:rPr lang="zh-CN" altLang="en-US" dirty="0"/>
+              <a:t>团队协作基本流程</a:t>
+            </a:r>
+            <a:endParaRPr lang="en-US" dirty="0"/>
+          </a:p>
+        </p:txBody>
+      </p:sp>
+      <p:sp>
+        <p:nvSpPr>
+          <p:cNvPr id="4" name="矩形 3"/>
+          <p:cNvSpPr/>
+          <p:nvPr/>
+        </p:nvSpPr>
+        <p:spPr>
+          <a:xfrm>
+            <a:off x="1259632" y="1412776"/>
+            <a:ext cx="1440160" cy="720080"/>
+          </a:xfrm>
+          <a:prstGeom prst="rect">
+            <a:avLst/>
+          </a:prstGeom>
+        </p:spPr>
+        <p:style>
+          <a:lnRef idx="2">
+            <a:schemeClr val="accent1">
+              <a:shade val="50000"/>
+            </a:schemeClr>
+          </a:lnRef>
+          <a:fillRef idx="1">
+            <a:schemeClr val="accent1"/>
+          </a:fillRef>
+          <a:effectRef idx="0">
+            <a:schemeClr val="accent1"/>
+          </a:effectRef>
+          <a:fontRef idx="minor">
+            <a:schemeClr val="lt1"/>
+          </a:fontRef>
+        </p:style>
+        <p:txBody>
+          <a:bodyPr rtlCol="0" anchor="ctr"/>
+          <a:lstStyle/>
+          <a:p>
+            <a:pPr algn="ctr"/>
+            <a:r>
+              <a:rPr lang="zh-CN" altLang="en-US" dirty="0" smtClean="0"/>
+              <a:t>需求提出</a:t>
+            </a:r>
+            <a:endParaRPr lang="en-US" dirty="0"/>
+          </a:p>
+        </p:txBody>
+      </p:sp>
+      <p:sp>
+        <p:nvSpPr>
+          <p:cNvPr id="5" name="矩形 4"/>
+          <p:cNvSpPr/>
+          <p:nvPr/>
+        </p:nvSpPr>
+        <p:spPr>
+          <a:xfrm>
+            <a:off x="3563888" y="1412776"/>
+            <a:ext cx="1440160" cy="720080"/>
+          </a:xfrm>
+          <a:prstGeom prst="rect">
+            <a:avLst/>
+          </a:prstGeom>
+        </p:spPr>
+        <p:style>
+          <a:lnRef idx="2">
+            <a:schemeClr val="accent1">
+              <a:shade val="50000"/>
+            </a:schemeClr>
+          </a:lnRef>
+          <a:fillRef idx="1">
+            <a:schemeClr val="accent1"/>
+          </a:fillRef>
+          <a:effectRef idx="0">
+            <a:schemeClr val="accent1"/>
+          </a:effectRef>
+          <a:fontRef idx="minor">
+            <a:schemeClr val="lt1"/>
+          </a:fontRef>
+        </p:style>
+        <p:txBody>
+          <a:bodyPr rtlCol="0" anchor="ctr"/>
+          <a:lstStyle/>
+          <a:p>
+            <a:pPr algn="ctr"/>
+            <a:r>
+              <a:rPr lang="zh-CN" altLang="en-US" dirty="0" smtClean="0"/>
+              <a:t>头脑风暴</a:t>
+            </a:r>
+            <a:endParaRPr lang="en-US" dirty="0"/>
+          </a:p>
+        </p:txBody>
+      </p:sp>
+      <p:sp>
+        <p:nvSpPr>
+          <p:cNvPr id="6" name="矩形 5"/>
+          <p:cNvSpPr/>
+          <p:nvPr/>
+        </p:nvSpPr>
+        <p:spPr>
+          <a:xfrm>
+            <a:off x="5724128" y="1412776"/>
+            <a:ext cx="1440160" cy="720080"/>
+          </a:xfrm>
+          <a:prstGeom prst="rect">
+            <a:avLst/>
+          </a:prstGeom>
+        </p:spPr>
+        <p:style>
+          <a:lnRef idx="2">
+            <a:schemeClr val="accent1">
+              <a:shade val="50000"/>
+            </a:schemeClr>
+          </a:lnRef>
+          <a:fillRef idx="1">
+            <a:schemeClr val="accent1"/>
+          </a:fillRef>
+          <a:effectRef idx="0">
+            <a:schemeClr val="accent1"/>
+          </a:effectRef>
+          <a:fontRef idx="minor">
+            <a:schemeClr val="lt1"/>
+          </a:fontRef>
+        </p:style>
+        <p:txBody>
+          <a:bodyPr rtlCol="0" anchor="ctr"/>
+          <a:lstStyle/>
+          <a:p>
+            <a:pPr algn="ctr"/>
+            <a:r>
+              <a:rPr lang="zh-CN" altLang="en-US" dirty="0" smtClean="0"/>
+              <a:t>方案设计</a:t>
+            </a:r>
+            <a:endParaRPr lang="en-US" dirty="0"/>
+          </a:p>
+        </p:txBody>
+      </p:sp>
+      <p:sp>
+        <p:nvSpPr>
+          <p:cNvPr id="7" name="矩形 6"/>
+          <p:cNvSpPr/>
+          <p:nvPr/>
+        </p:nvSpPr>
+        <p:spPr>
+          <a:xfrm>
+            <a:off x="6084168" y="2636912"/>
+            <a:ext cx="1440160" cy="720080"/>
+          </a:xfrm>
+          <a:prstGeom prst="rect">
+            <a:avLst/>
+          </a:prstGeom>
+        </p:spPr>
+        <p:style>
+          <a:lnRef idx="2">
+            <a:schemeClr val="accent1">
+              <a:shade val="50000"/>
+            </a:schemeClr>
+          </a:lnRef>
+          <a:fillRef idx="1">
+            <a:schemeClr val="accent1"/>
+          </a:fillRef>
+          <a:effectRef idx="0">
+            <a:schemeClr val="accent1"/>
+          </a:effectRef>
+          <a:fontRef idx="minor">
+            <a:schemeClr val="lt1"/>
+          </a:fontRef>
+        </p:style>
+        <p:txBody>
+          <a:bodyPr rtlCol="0" anchor="ctr"/>
+          <a:lstStyle/>
+          <a:p>
+            <a:pPr algn="ctr"/>
+            <a:r>
+              <a:rPr lang="zh-CN" altLang="en-US" dirty="0" smtClean="0"/>
+              <a:t>方案确认</a:t>
+            </a:r>
+            <a:endParaRPr lang="en-US" dirty="0"/>
+          </a:p>
+        </p:txBody>
+      </p:sp>
+      <p:sp>
+        <p:nvSpPr>
+          <p:cNvPr id="8" name="矩形 7"/>
+          <p:cNvSpPr/>
+          <p:nvPr/>
+        </p:nvSpPr>
+        <p:spPr>
+          <a:xfrm>
+            <a:off x="3851920" y="2636912"/>
+            <a:ext cx="1440160" cy="720080"/>
+          </a:xfrm>
+          <a:prstGeom prst="rect">
+            <a:avLst/>
+          </a:prstGeom>
+        </p:spPr>
+        <p:style>
+          <a:lnRef idx="2">
+            <a:schemeClr val="accent1">
+              <a:shade val="50000"/>
+            </a:schemeClr>
+          </a:lnRef>
+          <a:fillRef idx="1">
+            <a:schemeClr val="accent1"/>
+          </a:fillRef>
+          <a:effectRef idx="0">
+            <a:schemeClr val="accent1"/>
+          </a:effectRef>
+          <a:fontRef idx="minor">
+            <a:schemeClr val="lt1"/>
+          </a:fontRef>
+        </p:style>
+        <p:txBody>
+          <a:bodyPr rtlCol="0" anchor="ctr"/>
+          <a:lstStyle/>
+          <a:p>
+            <a:pPr algn="ctr"/>
+            <a:r>
+              <a:rPr lang="zh-CN" altLang="en-US" dirty="0" smtClean="0"/>
+              <a:t>开发需求书</a:t>
+            </a:r>
+            <a:endParaRPr lang="en-US" dirty="0"/>
+          </a:p>
+        </p:txBody>
+      </p:sp>
+      <p:sp>
+        <p:nvSpPr>
+          <p:cNvPr id="9" name="矩形 8"/>
+          <p:cNvSpPr/>
+          <p:nvPr/>
+        </p:nvSpPr>
+        <p:spPr>
+          <a:xfrm>
+            <a:off x="1691680" y="2636912"/>
+            <a:ext cx="1440160" cy="720080"/>
+          </a:xfrm>
+          <a:prstGeom prst="rect">
+            <a:avLst/>
+          </a:prstGeom>
+        </p:spPr>
+        <p:style>
+          <a:lnRef idx="2">
+            <a:schemeClr val="accent1">
+              <a:shade val="50000"/>
+            </a:schemeClr>
+          </a:lnRef>
+          <a:fillRef idx="1">
+            <a:schemeClr val="accent1"/>
+          </a:fillRef>
+          <a:effectRef idx="0">
+            <a:schemeClr val="accent1"/>
+          </a:effectRef>
+          <a:fontRef idx="minor">
+            <a:schemeClr val="lt1"/>
+          </a:fontRef>
+        </p:style>
+        <p:txBody>
+          <a:bodyPr rtlCol="0" anchor="ctr"/>
+          <a:lstStyle/>
+          <a:p>
+            <a:pPr algn="ctr"/>
+            <a:r>
+              <a:rPr lang="zh-CN" altLang="en-US" dirty="0" smtClean="0"/>
+              <a:t>开发计划</a:t>
+            </a:r>
+            <a:endParaRPr lang="en-US" dirty="0"/>
+          </a:p>
+        </p:txBody>
+      </p:sp>
+      <p:sp>
+        <p:nvSpPr>
+          <p:cNvPr id="10" name="矩形 9"/>
+          <p:cNvSpPr/>
+          <p:nvPr/>
+        </p:nvSpPr>
+        <p:spPr>
+          <a:xfrm>
+            <a:off x="1187624" y="3861048"/>
+            <a:ext cx="1440160" cy="720080"/>
+          </a:xfrm>
+          <a:prstGeom prst="rect">
+            <a:avLst/>
+          </a:prstGeom>
+        </p:spPr>
+        <p:style>
+          <a:lnRef idx="2">
+            <a:schemeClr val="accent1">
+              <a:shade val="50000"/>
+            </a:schemeClr>
+          </a:lnRef>
+          <a:fillRef idx="1">
+            <a:schemeClr val="accent1"/>
+          </a:fillRef>
+          <a:effectRef idx="0">
+            <a:schemeClr val="accent1"/>
+          </a:effectRef>
+          <a:fontRef idx="minor">
+            <a:schemeClr val="lt1"/>
+          </a:fontRef>
+        </p:style>
+        <p:txBody>
+          <a:bodyPr rtlCol="0" anchor="ctr"/>
+          <a:lstStyle/>
+          <a:p>
+            <a:pPr algn="ctr"/>
+            <a:r>
+              <a:rPr lang="zh-CN" altLang="en-US" dirty="0" smtClean="0"/>
+              <a:t>设计建模</a:t>
+            </a:r>
+            <a:endParaRPr lang="en-US" dirty="0"/>
+          </a:p>
+        </p:txBody>
+      </p:sp>
+      <p:sp>
+        <p:nvSpPr>
+          <p:cNvPr id="11" name="矩形 10"/>
+          <p:cNvSpPr/>
+          <p:nvPr/>
+        </p:nvSpPr>
+        <p:spPr>
+          <a:xfrm>
+            <a:off x="3347864" y="3861048"/>
+            <a:ext cx="1440160" cy="720080"/>
+          </a:xfrm>
+          <a:prstGeom prst="rect">
+            <a:avLst/>
+          </a:prstGeom>
+        </p:spPr>
+        <p:style>
+          <a:lnRef idx="2">
+            <a:schemeClr val="accent1">
+              <a:shade val="50000"/>
+            </a:schemeClr>
+          </a:lnRef>
+          <a:fillRef idx="1">
+            <a:schemeClr val="accent1"/>
+          </a:fillRef>
+          <a:effectRef idx="0">
+            <a:schemeClr val="accent1"/>
+          </a:effectRef>
+          <a:fontRef idx="minor">
+            <a:schemeClr val="lt1"/>
+          </a:fontRef>
+        </p:style>
+        <p:txBody>
+          <a:bodyPr rtlCol="0" anchor="ctr"/>
+          <a:lstStyle/>
+          <a:p>
+            <a:pPr algn="ctr"/>
+            <a:r>
+              <a:rPr lang="zh-CN" altLang="en-US" dirty="0"/>
+              <a:t>开发</a:t>
+            </a:r>
+            <a:endParaRPr lang="en-US" dirty="0"/>
+          </a:p>
+        </p:txBody>
+      </p:sp>
+      <p:sp>
+        <p:nvSpPr>
+          <p:cNvPr id="12" name="矩形 11"/>
+          <p:cNvSpPr/>
+          <p:nvPr/>
+        </p:nvSpPr>
+        <p:spPr>
+          <a:xfrm>
+            <a:off x="5364088" y="3861048"/>
+            <a:ext cx="1440160" cy="720080"/>
+          </a:xfrm>
+          <a:prstGeom prst="rect">
+            <a:avLst/>
+          </a:prstGeom>
+        </p:spPr>
+        <p:style>
+          <a:lnRef idx="2">
+            <a:schemeClr val="accent1">
+              <a:shade val="50000"/>
+            </a:schemeClr>
+          </a:lnRef>
+          <a:fillRef idx="1">
+            <a:schemeClr val="accent1"/>
+          </a:fillRef>
+          <a:effectRef idx="0">
+            <a:schemeClr val="accent1"/>
+          </a:effectRef>
+          <a:fontRef idx="minor">
+            <a:schemeClr val="lt1"/>
+          </a:fontRef>
+        </p:style>
+        <p:txBody>
+          <a:bodyPr rtlCol="0" anchor="ctr"/>
+          <a:lstStyle/>
+          <a:p>
+            <a:pPr algn="ctr"/>
+            <a:r>
+              <a:rPr lang="zh-CN" altLang="en-US" dirty="0" smtClean="0"/>
+              <a:t>测试</a:t>
+            </a:r>
+            <a:endParaRPr lang="en-US" dirty="0"/>
+          </a:p>
+        </p:txBody>
+      </p:sp>
+      <p:sp>
+        <p:nvSpPr>
+          <p:cNvPr id="13" name="矩形 12"/>
+          <p:cNvSpPr/>
+          <p:nvPr/>
+        </p:nvSpPr>
+        <p:spPr>
+          <a:xfrm>
+            <a:off x="7132405" y="4941168"/>
+            <a:ext cx="1440160" cy="720080"/>
+          </a:xfrm>
+          <a:prstGeom prst="rect">
+            <a:avLst/>
+          </a:prstGeom>
+        </p:spPr>
+        <p:style>
+          <a:lnRef idx="2">
+            <a:schemeClr val="accent1">
+              <a:shade val="50000"/>
+            </a:schemeClr>
+          </a:lnRef>
+          <a:fillRef idx="1">
+            <a:schemeClr val="accent1"/>
+          </a:fillRef>
+          <a:effectRef idx="0">
+            <a:schemeClr val="accent1"/>
+          </a:effectRef>
+          <a:fontRef idx="minor">
+            <a:schemeClr val="lt1"/>
+          </a:fontRef>
+        </p:style>
+        <p:txBody>
+          <a:bodyPr rtlCol="0" anchor="ctr"/>
+          <a:lstStyle/>
+          <a:p>
+            <a:pPr algn="ctr"/>
+            <a:r>
+              <a:rPr lang="zh-CN" altLang="en-US" dirty="0" smtClean="0"/>
+              <a:t>交付、部署</a:t>
+            </a:r>
+            <a:endParaRPr lang="en-US" dirty="0"/>
+          </a:p>
+        </p:txBody>
+      </p:sp>
+      <p:sp>
+        <p:nvSpPr>
+          <p:cNvPr id="15" name="右箭头 14"/>
+          <p:cNvSpPr/>
+          <p:nvPr/>
+        </p:nvSpPr>
+        <p:spPr>
+          <a:xfrm>
+            <a:off x="2843808" y="1628800"/>
+            <a:ext cx="576064" cy="288032"/>
+          </a:xfrm>
+          <a:prstGeom prst="rightArrow">
+            <a:avLst/>
+          </a:prstGeom>
+        </p:spPr>
+        <p:style>
+          <a:lnRef idx="1">
+            <a:schemeClr val="accent6"/>
+          </a:lnRef>
+          <a:fillRef idx="3">
+            <a:schemeClr val="accent6"/>
+          </a:fillRef>
+          <a:effectRef idx="2">
+            <a:schemeClr val="accent6"/>
+          </a:effectRef>
+          <a:fontRef idx="minor">
+            <a:schemeClr val="lt1"/>
+          </a:fontRef>
+        </p:style>
+        <p:txBody>
+          <a:bodyPr rtlCol="0" anchor="ctr"/>
+          <a:lstStyle/>
+          <a:p>
+            <a:pPr algn="ctr"/>
+            <a:endParaRPr lang="en-US"/>
+          </a:p>
+        </p:txBody>
+      </p:sp>
+      <p:sp>
+        <p:nvSpPr>
+          <p:cNvPr id="16" name="右箭头 15"/>
+          <p:cNvSpPr/>
+          <p:nvPr/>
+        </p:nvSpPr>
+        <p:spPr>
+          <a:xfrm>
+            <a:off x="5138936" y="1637184"/>
+            <a:ext cx="576064" cy="288032"/>
+          </a:xfrm>
+          <a:prstGeom prst="rightArrow">
+            <a:avLst/>
+          </a:prstGeom>
+        </p:spPr>
+        <p:style>
+          <a:lnRef idx="1">
+            <a:schemeClr val="accent6"/>
+          </a:lnRef>
+          <a:fillRef idx="3">
+            <a:schemeClr val="accent6"/>
+          </a:fillRef>
+          <a:effectRef idx="2">
+            <a:schemeClr val="accent6"/>
+          </a:effectRef>
+          <a:fontRef idx="minor">
+            <a:schemeClr val="lt1"/>
+          </a:fontRef>
+        </p:style>
+        <p:txBody>
+          <a:bodyPr rtlCol="0" anchor="ctr"/>
+          <a:lstStyle/>
+          <a:p>
+            <a:pPr algn="ctr"/>
+            <a:endParaRPr lang="en-US"/>
+          </a:p>
+        </p:txBody>
+      </p:sp>
+      <p:sp>
+        <p:nvSpPr>
+          <p:cNvPr id="18" name="右箭头 17"/>
+          <p:cNvSpPr/>
+          <p:nvPr/>
+        </p:nvSpPr>
+        <p:spPr>
+          <a:xfrm>
+            <a:off x="2708176" y="4077072"/>
+            <a:ext cx="576064" cy="288032"/>
+          </a:xfrm>
+          <a:prstGeom prst="rightArrow">
+            <a:avLst/>
+          </a:prstGeom>
+        </p:spPr>
+        <p:style>
+          <a:lnRef idx="1">
+            <a:schemeClr val="accent6"/>
+          </a:lnRef>
+          <a:fillRef idx="3">
+            <a:schemeClr val="accent6"/>
+          </a:fillRef>
+          <a:effectRef idx="2">
+            <a:schemeClr val="accent6"/>
+          </a:effectRef>
+          <a:fontRef idx="minor">
+            <a:schemeClr val="lt1"/>
+          </a:fontRef>
+        </p:style>
+        <p:txBody>
+          <a:bodyPr rtlCol="0" anchor="ctr"/>
+          <a:lstStyle/>
+          <a:p>
+            <a:pPr algn="ctr"/>
+            <a:endParaRPr lang="en-US"/>
+          </a:p>
+        </p:txBody>
+      </p:sp>
+      <p:sp>
+        <p:nvSpPr>
+          <p:cNvPr id="19" name="右箭头 18"/>
+          <p:cNvSpPr/>
+          <p:nvPr/>
+        </p:nvSpPr>
+        <p:spPr>
+          <a:xfrm>
+            <a:off x="4816045" y="4085456"/>
+            <a:ext cx="576064" cy="288032"/>
+          </a:xfrm>
+          <a:prstGeom prst="rightArrow">
+            <a:avLst/>
+          </a:prstGeom>
+        </p:spPr>
+        <p:style>
+          <a:lnRef idx="1">
+            <a:schemeClr val="accent6"/>
+          </a:lnRef>
+          <a:fillRef idx="3">
+            <a:schemeClr val="accent6"/>
+          </a:fillRef>
+          <a:effectRef idx="2">
+            <a:schemeClr val="accent6"/>
+          </a:effectRef>
+          <a:fontRef idx="minor">
+            <a:schemeClr val="lt1"/>
+          </a:fontRef>
+        </p:style>
+        <p:txBody>
+          <a:bodyPr rtlCol="0" anchor="ctr"/>
+          <a:lstStyle/>
+          <a:p>
+            <a:pPr algn="ctr"/>
+            <a:endParaRPr lang="en-US"/>
+          </a:p>
+        </p:txBody>
+      </p:sp>
+      <p:sp>
+        <p:nvSpPr>
+          <p:cNvPr id="20" name="右箭头 19"/>
+          <p:cNvSpPr/>
+          <p:nvPr/>
+        </p:nvSpPr>
+        <p:spPr>
+          <a:xfrm rot="2857667">
+            <a:off x="6732240" y="4365104"/>
+            <a:ext cx="720080" cy="360040"/>
+          </a:xfrm>
+          <a:prstGeom prst="rightArrow">
+            <a:avLst/>
+          </a:prstGeom>
+        </p:spPr>
+        <p:style>
+          <a:lnRef idx="1">
+            <a:schemeClr val="accent6"/>
+          </a:lnRef>
+          <a:fillRef idx="3">
+            <a:schemeClr val="accent6"/>
+          </a:fillRef>
+          <a:effectRef idx="2">
+            <a:schemeClr val="accent6"/>
+          </a:effectRef>
+          <a:fontRef idx="minor">
+            <a:schemeClr val="lt1"/>
+          </a:fontRef>
+        </p:style>
+        <p:txBody>
+          <a:bodyPr rtlCol="0" anchor="ctr"/>
+          <a:lstStyle/>
+          <a:p>
+            <a:pPr algn="ctr"/>
+            <a:endParaRPr lang="en-US"/>
+          </a:p>
+        </p:txBody>
+      </p:sp>
+      <p:sp>
+        <p:nvSpPr>
+          <p:cNvPr id="21" name="右箭头 20"/>
+          <p:cNvSpPr/>
+          <p:nvPr/>
+        </p:nvSpPr>
+        <p:spPr>
+          <a:xfrm rot="10800000">
+            <a:off x="5392109" y="2832224"/>
+            <a:ext cx="576064" cy="288032"/>
+          </a:xfrm>
+          <a:prstGeom prst="rightArrow">
+            <a:avLst/>
+          </a:prstGeom>
+        </p:spPr>
+        <p:style>
+          <a:lnRef idx="1">
+            <a:schemeClr val="accent6"/>
+          </a:lnRef>
+          <a:fillRef idx="3">
+            <a:schemeClr val="accent6"/>
+          </a:fillRef>
+          <a:effectRef idx="2">
+            <a:schemeClr val="accent6"/>
+          </a:effectRef>
+          <a:fontRef idx="minor">
+            <a:schemeClr val="lt1"/>
+          </a:fontRef>
+        </p:style>
+        <p:txBody>
+          <a:bodyPr rtlCol="0" anchor="ctr"/>
+          <a:lstStyle/>
+          <a:p>
+            <a:pPr algn="ctr"/>
+            <a:endParaRPr lang="en-US"/>
+          </a:p>
+        </p:txBody>
+      </p:sp>
+      <p:sp>
+        <p:nvSpPr>
+          <p:cNvPr id="22" name="右箭头 21"/>
+          <p:cNvSpPr/>
+          <p:nvPr/>
+        </p:nvSpPr>
+        <p:spPr>
+          <a:xfrm rot="10800000">
+            <a:off x="3190280" y="2852935"/>
+            <a:ext cx="576064" cy="288032"/>
+          </a:xfrm>
+          <a:prstGeom prst="rightArrow">
+            <a:avLst/>
+          </a:prstGeom>
+        </p:spPr>
+        <p:style>
+          <a:lnRef idx="1">
+            <a:schemeClr val="accent6"/>
+          </a:lnRef>
+          <a:fillRef idx="3">
+            <a:schemeClr val="accent6"/>
+          </a:fillRef>
+          <a:effectRef idx="2">
+            <a:schemeClr val="accent6"/>
+          </a:effectRef>
+          <a:fontRef idx="minor">
+            <a:schemeClr val="lt1"/>
+          </a:fontRef>
+        </p:style>
+        <p:txBody>
+          <a:bodyPr rtlCol="0" anchor="ctr"/>
+          <a:lstStyle/>
+          <a:p>
+            <a:pPr algn="ctr"/>
+            <a:endParaRPr lang="en-US"/>
+          </a:p>
+        </p:txBody>
+      </p:sp>
+      <p:sp>
+        <p:nvSpPr>
+          <p:cNvPr id="23" name="下箭头 22"/>
+          <p:cNvSpPr/>
+          <p:nvPr/>
+        </p:nvSpPr>
+        <p:spPr>
+          <a:xfrm>
+            <a:off x="6732240" y="2204864"/>
+            <a:ext cx="288032" cy="432048"/>
+          </a:xfrm>
+          <a:prstGeom prst="downArrow">
+            <a:avLst/>
+          </a:prstGeom>
+        </p:spPr>
+        <p:style>
+          <a:lnRef idx="2">
+            <a:schemeClr val="accent3">
+              <a:shade val="50000"/>
+            </a:schemeClr>
+          </a:lnRef>
+          <a:fillRef idx="1">
+            <a:schemeClr val="accent3"/>
+          </a:fillRef>
+          <a:effectRef idx="0">
+            <a:schemeClr val="accent3"/>
+          </a:effectRef>
+          <a:fontRef idx="minor">
+            <a:schemeClr val="lt1"/>
+          </a:fontRef>
+        </p:style>
+        <p:txBody>
+          <a:bodyPr rtlCol="0" anchor="ctr"/>
+          <a:lstStyle/>
+          <a:p>
+            <a:pPr algn="ctr"/>
+            <a:endParaRPr lang="en-US"/>
+          </a:p>
+        </p:txBody>
+      </p:sp>
+      <p:sp>
+        <p:nvSpPr>
+          <p:cNvPr id="24" name="下箭头 23"/>
+          <p:cNvSpPr/>
+          <p:nvPr/>
+        </p:nvSpPr>
+        <p:spPr>
+          <a:xfrm>
+            <a:off x="2116584" y="3386171"/>
+            <a:ext cx="288032" cy="432048"/>
+          </a:xfrm>
+          <a:prstGeom prst="downArrow">
+            <a:avLst/>
+          </a:prstGeom>
+        </p:spPr>
+        <p:style>
+          <a:lnRef idx="2">
+            <a:schemeClr val="accent3">
+              <a:shade val="50000"/>
+            </a:schemeClr>
+          </a:lnRef>
+          <a:fillRef idx="1">
+            <a:schemeClr val="accent3"/>
+          </a:fillRef>
+          <a:effectRef idx="0">
+            <a:schemeClr val="accent3"/>
+          </a:effectRef>
+          <a:fontRef idx="minor">
+            <a:schemeClr val="lt1"/>
+          </a:fontRef>
+        </p:style>
+        <p:txBody>
+          <a:bodyPr rtlCol="0" anchor="ctr"/>
+          <a:lstStyle/>
+          <a:p>
+            <a:pPr algn="ctr"/>
+            <a:endParaRPr lang="en-US"/>
+          </a:p>
+        </p:txBody>
+      </p:sp>
+      <p:cxnSp>
+        <p:nvCxnSpPr>
+          <p:cNvPr id="26" name="肘形连接符 25"/>
+          <p:cNvCxnSpPr>
+            <a:endCxn id="11" idx="2"/>
+          </p:cNvCxnSpPr>
+          <p:nvPr/>
+        </p:nvCxnSpPr>
+        <p:spPr>
+          <a:xfrm rot="10800000">
+            <a:off x="4067944" y="4581128"/>
+            <a:ext cx="3132350" cy="725428"/>
+          </a:xfrm>
+          <a:prstGeom prst="bentConnector2">
+            <a:avLst/>
+          </a:prstGeom>
+          <a:ln>
+            <a:tailEnd type="arrow"/>
+          </a:ln>
+        </p:spPr>
+        <p:style>
+          <a:lnRef idx="3">
+            <a:schemeClr val="dk1"/>
+          </a:lnRef>
+          <a:fillRef idx="0">
+            <a:schemeClr val="dk1"/>
+          </a:fillRef>
+          <a:effectRef idx="2">
+            <a:schemeClr val="dk1"/>
+          </a:effectRef>
+          <a:fontRef idx="minor">
+            <a:schemeClr val="tx1"/>
+          </a:fontRef>
+        </p:style>
+      </p:cxnSp>
+      <p:sp>
+        <p:nvSpPr>
+          <p:cNvPr id="36" name="日期占位符 35"/>
+          <p:cNvSpPr>
+            <a:spLocks noGrp="1"/>
+          </p:cNvSpPr>
+          <p:nvPr>
+            <p:ph type="dt" sz="half" idx="10"/>
+          </p:nvPr>
+        </p:nvSpPr>
+        <p:spPr/>
+        <p:txBody>
+          <a:bodyPr/>
+          <a:lstStyle/>
+          <a:p>
+            <a:fld id="{C35A1A1B-1262-4C2F-99AE-263D25B2427F}" type="datetime1">
+              <a:rPr lang="zh-CN" altLang="en-US" smtClean="0"/>
+              <a:t>2016/10/10</a:t>
+            </a:fld>
+            <a:endParaRPr lang="zh-CN" altLang="en-US"/>
+          </a:p>
+        </p:txBody>
+      </p:sp>
+      <p:sp>
+        <p:nvSpPr>
+          <p:cNvPr id="37" name="灯片编号占位符 36"/>
+          <p:cNvSpPr>
+            <a:spLocks noGrp="1"/>
+          </p:cNvSpPr>
+          <p:nvPr>
+            <p:ph type="sldNum" sz="quarter" idx="12"/>
+          </p:nvPr>
+        </p:nvSpPr>
+        <p:spPr/>
+        <p:txBody>
+          <a:bodyPr/>
+          <a:lstStyle/>
+          <a:p>
+            <a:fld id="{0C913308-F349-4B6D-A68A-DD1791B4A57B}" type="slidenum">
+              <a:rPr lang="zh-CN" altLang="en-US" smtClean="0"/>
+              <a:t>27</a:t>
+            </a:fld>
+            <a:endParaRPr lang="zh-CN" altLang="en-US"/>
+          </a:p>
+        </p:txBody>
+      </p:sp>
+    </p:spTree>
+    <p:extLst>
+      <p:ext uri="{BB962C8B-B14F-4D97-AF65-F5344CB8AC3E}">
+        <p14:creationId xmlns:p14="http://schemas.microsoft.com/office/powerpoint/2010/main" val="2616046942"/>
+      </p:ext>
+    </p:extLst>
+  </p:cSld>
+  <p:clrMapOvr>
+    <a:masterClrMapping/>
+  </p:clrMapOvr>
+</p:sld>
+</file>
+
+<file path=ppt/slides/slide28.xml><?xml version="1.0" encoding="utf-8"?>
+<p:sld xmlns:a="http://schemas.openxmlformats.org/drawingml/2006/main" xmlns:r="http://schemas.openxmlformats.org/officeDocument/2006/relationships" xmlns:p="http://schemas.openxmlformats.org/presentationml/2006/main">
+  <p:cSld>
+    <p:spTree>
+      <p:nvGrpSpPr>
+        <p:cNvPr id="1" name=""/>
+        <p:cNvGrpSpPr/>
+        <p:nvPr/>
+      </p:nvGrpSpPr>
+      <p:grpSpPr>
+        <a:xfrm>
+          <a:off x="0" y="0"/>
+          <a:ext cx="0" cy="0"/>
+          <a:chOff x="0" y="0"/>
+          <a:chExt cx="0" cy="0"/>
+        </a:xfrm>
+      </p:grpSpPr>
+      <p:sp>
+        <p:nvSpPr>
+          <p:cNvPr id="2" name="标题 1"/>
+          <p:cNvSpPr>
+            <a:spLocks noGrp="1"/>
+          </p:cNvSpPr>
+          <p:nvPr>
+            <p:ph type="title"/>
+          </p:nvPr>
+        </p:nvSpPr>
+        <p:spPr/>
+        <p:txBody>
+          <a:bodyPr/>
+          <a:lstStyle/>
+          <a:p>
+            <a:r>
+              <a:rPr lang="zh-CN" altLang="en-US" dirty="0" smtClean="0"/>
+              <a:t>课后</a:t>
+            </a:r>
+            <a:r>
+              <a:rPr lang="en-US" altLang="zh-CN" dirty="0" smtClean="0"/>
+              <a:t>1</a:t>
+            </a:r>
+            <a:endParaRPr lang="zh-CN" altLang="en-US" dirty="0"/>
+          </a:p>
+        </p:txBody>
+      </p:sp>
+      <p:sp>
+        <p:nvSpPr>
+          <p:cNvPr id="3" name="内容占位符 2"/>
+          <p:cNvSpPr>
+            <a:spLocks noGrp="1"/>
+          </p:cNvSpPr>
+          <p:nvPr>
+            <p:ph idx="1"/>
+          </p:nvPr>
+        </p:nvSpPr>
+        <p:spPr/>
+        <p:txBody>
+          <a:bodyPr>
+            <a:normAutofit/>
+          </a:bodyPr>
+          <a:lstStyle/>
+          <a:p>
+            <a:r>
+              <a:rPr lang="zh-CN" altLang="en-US" dirty="0" smtClean="0"/>
+              <a:t>注册</a:t>
+            </a:r>
+            <a:r>
+              <a:rPr lang="en-US" altLang="zh-CN" dirty="0" err="1" smtClean="0"/>
+              <a:t>github</a:t>
+            </a:r>
+            <a:r>
+              <a:rPr lang="zh-CN" altLang="en-US" dirty="0" smtClean="0"/>
+              <a:t>账号</a:t>
+            </a:r>
+            <a:endParaRPr lang="en-US" altLang="zh-CN" dirty="0" smtClean="0"/>
+          </a:p>
+          <a:p>
+            <a:r>
+              <a:rPr lang="zh-CN" altLang="en-US" dirty="0" smtClean="0"/>
+              <a:t>安装配置</a:t>
+            </a:r>
+            <a:r>
+              <a:rPr lang="en-US" altLang="zh-CN" dirty="0" err="1" smtClean="0"/>
+              <a:t>git</a:t>
+            </a:r>
+            <a:r>
+              <a:rPr lang="zh-CN" altLang="en-US" dirty="0" smtClean="0"/>
+              <a:t>环境</a:t>
+            </a:r>
+            <a:endParaRPr lang="en-US" altLang="zh-CN" dirty="0"/>
+          </a:p>
+        </p:txBody>
+      </p:sp>
+      <p:sp>
+        <p:nvSpPr>
+          <p:cNvPr id="4" name="日期占位符 3"/>
+          <p:cNvSpPr>
+            <a:spLocks noGrp="1"/>
+          </p:cNvSpPr>
+          <p:nvPr>
+            <p:ph type="dt" sz="half" idx="10"/>
+          </p:nvPr>
+        </p:nvSpPr>
+        <p:spPr/>
+        <p:txBody>
+          <a:bodyPr/>
+          <a:lstStyle/>
+          <a:p>
+            <a:fld id="{78A61FE5-FC9E-469F-9C25-9A688A1D6029}" type="datetime1">
+              <a:rPr lang="zh-CN" altLang="en-US" smtClean="0"/>
+              <a:t>2016/10/10</a:t>
+            </a:fld>
+            <a:endParaRPr lang="zh-CN" altLang="en-US"/>
+          </a:p>
+        </p:txBody>
+      </p:sp>
+      <p:sp>
+        <p:nvSpPr>
+          <p:cNvPr id="5" name="灯片编号占位符 4"/>
+          <p:cNvSpPr>
+            <a:spLocks noGrp="1"/>
+          </p:cNvSpPr>
+          <p:nvPr>
+            <p:ph type="sldNum" sz="quarter" idx="12"/>
+          </p:nvPr>
+        </p:nvSpPr>
+        <p:spPr/>
+        <p:txBody>
+          <a:bodyPr/>
+          <a:lstStyle/>
+          <a:p>
+            <a:fld id="{0C913308-F349-4B6D-A68A-DD1791B4A57B}" type="slidenum">
+              <a:rPr lang="zh-CN" altLang="en-US" smtClean="0"/>
+              <a:t>28</a:t>
+            </a:fld>
+            <a:endParaRPr lang="zh-CN" altLang="en-US"/>
+          </a:p>
+        </p:txBody>
+      </p:sp>
+    </p:spTree>
+    <p:extLst>
+      <p:ext uri="{BB962C8B-B14F-4D97-AF65-F5344CB8AC3E}">
+        <p14:creationId xmlns:p14="http://schemas.microsoft.com/office/powerpoint/2010/main" val="3692089880"/>
+      </p:ext>
+    </p:extLst>
+  </p:cSld>
+  <p:clrMapOvr>
+    <a:masterClrMapping/>
+  </p:clrMapOvr>
+</p:sld>
+</file>
+
+<file path=ppt/slides/slide29.xml><?xml version="1.0" encoding="utf-8"?>
+<p:sld xmlns:a="http://schemas.openxmlformats.org/drawingml/2006/main" xmlns:r="http://schemas.openxmlformats.org/officeDocument/2006/relationships" xmlns:p="http://schemas.openxmlformats.org/presentationml/2006/main">
+  <p:cSld>
+    <p:spTree>
+      <p:nvGrpSpPr>
+        <p:cNvPr id="1" name=""/>
+        <p:cNvGrpSpPr/>
+        <p:nvPr/>
+      </p:nvGrpSpPr>
+      <p:grpSpPr>
+        <a:xfrm>
+          <a:off x="0" y="0"/>
+          <a:ext cx="0" cy="0"/>
+          <a:chOff x="0" y="0"/>
+          <a:chExt cx="0" cy="0"/>
+        </a:xfrm>
+      </p:grpSpPr>
+      <p:sp>
+        <p:nvSpPr>
+          <p:cNvPr id="2" name="标题 1"/>
+          <p:cNvSpPr>
+            <a:spLocks noGrp="1"/>
+          </p:cNvSpPr>
+          <p:nvPr>
+            <p:ph type="title"/>
+          </p:nvPr>
+        </p:nvSpPr>
+        <p:spPr/>
+        <p:txBody>
+          <a:bodyPr/>
+          <a:lstStyle/>
+          <a:p>
+            <a:r>
+              <a:rPr lang="zh-CN" altLang="en-US" dirty="0" smtClean="0"/>
+              <a:t>课后</a:t>
+            </a:r>
+            <a:r>
+              <a:rPr lang="en-US" altLang="zh-CN" dirty="0" smtClean="0"/>
+              <a:t>2</a:t>
+            </a:r>
+            <a:endParaRPr lang="en-US" dirty="0"/>
+          </a:p>
+        </p:txBody>
+      </p:sp>
+      <p:sp>
+        <p:nvSpPr>
+          <p:cNvPr id="3" name="内容占位符 2"/>
+          <p:cNvSpPr>
+            <a:spLocks noGrp="1"/>
+          </p:cNvSpPr>
+          <p:nvPr>
+            <p:ph idx="1"/>
+          </p:nvPr>
+        </p:nvSpPr>
+        <p:spPr/>
+        <p:txBody>
+          <a:bodyPr/>
+          <a:lstStyle/>
+          <a:p>
+            <a:r>
+              <a:rPr lang="zh-CN" altLang="en-US" dirty="0"/>
+              <a:t>阅读观看</a:t>
+            </a:r>
+            <a:r>
+              <a:rPr lang="en-US" altLang="zh-CN" dirty="0">
+                <a:hlinkClick r:id="rId2"/>
+              </a:rPr>
+              <a:t>https://git-scm.com/doc</a:t>
+            </a:r>
+            <a:r>
+              <a:rPr lang="zh-CN" altLang="en-US" dirty="0"/>
+              <a:t>中的</a:t>
+            </a:r>
+            <a:r>
+              <a:rPr lang="en-US" altLang="zh-CN" dirty="0"/>
+              <a:t>Book(</a:t>
+            </a:r>
+            <a:r>
+              <a:rPr lang="zh-CN" altLang="en-US" sz="2400" dirty="0"/>
+              <a:t>中文版</a:t>
+            </a:r>
+            <a:r>
+              <a:rPr lang="en-US" altLang="zh-CN" sz="2400" dirty="0"/>
+              <a:t>https://git-scm.com/book/zh/v2/)</a:t>
+            </a:r>
+            <a:r>
+              <a:rPr lang="zh-CN" altLang="en-US" dirty="0"/>
+              <a:t>和</a:t>
+            </a:r>
+            <a:r>
+              <a:rPr lang="en-US" altLang="zh-CN" dirty="0"/>
+              <a:t>Videos</a:t>
+            </a:r>
+          </a:p>
+          <a:p>
+            <a:pPr marL="0" indent="0">
+              <a:buNone/>
+            </a:pPr>
+            <a:endParaRPr lang="en-US" altLang="zh-CN" dirty="0" smtClean="0"/>
+          </a:p>
+          <a:p>
+            <a:r>
+              <a:rPr lang="zh-CN" altLang="en-US" dirty="0" smtClean="0"/>
+              <a:t>创建</a:t>
+            </a:r>
+            <a:r>
+              <a:rPr lang="zh-CN" altLang="en-US" dirty="0"/>
+              <a:t>远端代码库，并进行多人合作练习基本</a:t>
+            </a:r>
+            <a:r>
+              <a:rPr lang="zh-CN" altLang="en-US" dirty="0" smtClean="0"/>
+              <a:t>命令。</a:t>
+            </a:r>
+            <a:endParaRPr lang="en-US" altLang="zh-CN" dirty="0" smtClean="0"/>
+          </a:p>
+          <a:p>
+            <a:pPr marL="0" indent="0">
+              <a:buNone/>
+            </a:pPr>
+            <a:r>
+              <a:rPr lang="en-US" altLang="zh-CN" dirty="0"/>
+              <a:t> </a:t>
+            </a:r>
+            <a:r>
+              <a:rPr lang="en-US" altLang="zh-CN" dirty="0" smtClean="0"/>
+              <a:t>    </a:t>
+            </a:r>
+            <a:r>
+              <a:rPr lang="zh-CN" altLang="en-US" sz="2800" dirty="0" smtClean="0"/>
+              <a:t>如果遇到提交了错误代码、远程库被删除、不同文件夹级别不同的忽略模式改怎么办？</a:t>
+            </a:r>
+            <a:endParaRPr lang="en-US" sz="2800" dirty="0"/>
+          </a:p>
+        </p:txBody>
+      </p:sp>
+      <p:sp>
+        <p:nvSpPr>
+          <p:cNvPr id="4" name="日期占位符 3"/>
+          <p:cNvSpPr>
+            <a:spLocks noGrp="1"/>
+          </p:cNvSpPr>
+          <p:nvPr>
+            <p:ph type="dt" sz="half" idx="10"/>
+          </p:nvPr>
+        </p:nvSpPr>
+        <p:spPr/>
+        <p:txBody>
+          <a:bodyPr/>
+          <a:lstStyle/>
+          <a:p>
+            <a:fld id="{E90FA0D4-31AA-4248-A1BF-8719228D4301}" type="datetime1">
+              <a:rPr lang="zh-CN" altLang="en-US" smtClean="0"/>
+              <a:t>2016/10/10</a:t>
+            </a:fld>
+            <a:endParaRPr lang="zh-CN" altLang="en-US"/>
+          </a:p>
+        </p:txBody>
+      </p:sp>
+      <p:sp>
+        <p:nvSpPr>
+          <p:cNvPr id="5" name="灯片编号占位符 4"/>
+          <p:cNvSpPr>
+            <a:spLocks noGrp="1"/>
+          </p:cNvSpPr>
+          <p:nvPr>
+            <p:ph type="sldNum" sz="quarter" idx="12"/>
+          </p:nvPr>
+        </p:nvSpPr>
+        <p:spPr/>
+        <p:txBody>
+          <a:bodyPr/>
+          <a:lstStyle/>
+          <a:p>
+            <a:fld id="{0C913308-F349-4B6D-A68A-DD1791B4A57B}" type="slidenum">
+              <a:rPr lang="zh-CN" altLang="en-US" smtClean="0"/>
+              <a:t>29</a:t>
+            </a:fld>
+            <a:endParaRPr lang="zh-CN" altLang="en-US"/>
+          </a:p>
+        </p:txBody>
+      </p:sp>
+    </p:spTree>
+    <p:extLst>
+      <p:ext uri="{BB962C8B-B14F-4D97-AF65-F5344CB8AC3E}">
+        <p14:creationId xmlns:p14="http://schemas.microsoft.com/office/powerpoint/2010/main" val="2361612886"/>
       </p:ext>
     </p:extLst>
   </p:cSld>
@@ -3253,58 +10007,135 @@
           <a:lstStyle/>
           <a:p>
             <a:r>
+              <a:rPr lang="en-US" altLang="zh-CN" dirty="0" smtClean="0"/>
+              <a:t>TIP</a:t>
+            </a:r>
+            <a:endParaRPr lang="zh-CN" altLang="en-US" dirty="0"/>
+          </a:p>
+        </p:txBody>
+      </p:sp>
+      <p:sp>
+        <p:nvSpPr>
+          <p:cNvPr id="3" name="内容占位符 2"/>
+          <p:cNvSpPr>
+            <a:spLocks noGrp="1"/>
+          </p:cNvSpPr>
+          <p:nvPr>
+            <p:ph idx="1"/>
+          </p:nvPr>
+        </p:nvSpPr>
+        <p:spPr/>
+        <p:txBody>
+          <a:bodyPr/>
+          <a:lstStyle/>
+          <a:p>
+            <a:pPr marL="0" indent="0">
+              <a:buNone/>
+            </a:pPr>
+            <a:r>
+              <a:rPr lang="en-US" altLang="zh-CN" dirty="0" smtClean="0"/>
+              <a:t>VPN</a:t>
+            </a:r>
+            <a:r>
               <a:rPr lang="zh-CN" altLang="en-US" dirty="0" smtClean="0"/>
-              <a:t>开发工具</a:t>
-            </a:r>
-            <a:endParaRPr lang="zh-CN" altLang="en-US" dirty="0"/>
-          </a:p>
-        </p:txBody>
-      </p:sp>
-      <p:sp>
-        <p:nvSpPr>
-          <p:cNvPr id="3" name="内容占位符 2"/>
-          <p:cNvSpPr>
-            <a:spLocks noGrp="1"/>
-          </p:cNvSpPr>
-          <p:nvPr>
-            <p:ph idx="1"/>
-          </p:nvPr>
-        </p:nvSpPr>
-        <p:spPr/>
-        <p:txBody>
-          <a:bodyPr/>
-          <a:lstStyle/>
-          <a:p>
+              <a:t>账号</a:t>
+            </a:r>
+            <a:r>
+              <a:rPr lang="en-US" altLang="zh-CN" dirty="0" smtClean="0"/>
+              <a:t>:</a:t>
+            </a:r>
+          </a:p>
+          <a:p>
+            <a:r>
+              <a:rPr lang="zh-CN" altLang="en-US" dirty="0"/>
+              <a:t>帐号：</a:t>
+            </a:r>
+            <a:r>
+              <a:rPr lang="en-US" altLang="zh-CN" dirty="0"/>
+              <a:t>flyerno1</a:t>
+            </a:r>
+          </a:p>
+          <a:p>
+            <a:r>
+              <a:rPr lang="zh-CN" altLang="en-US" dirty="0"/>
+              <a:t>密码：</a:t>
+            </a:r>
+            <a:r>
+              <a:rPr lang="en-US" altLang="zh-CN" dirty="0"/>
+              <a:t>brilliantech123</a:t>
+            </a:r>
+            <a:r>
+              <a:rPr lang="en-US" altLang="zh-CN" dirty="0" smtClean="0"/>
+              <a:t>@</a:t>
+            </a:r>
+            <a:endParaRPr lang="en-US" altLang="zh-CN" dirty="0"/>
+          </a:p>
+          <a:p>
+            <a:r>
+              <a:rPr lang="zh-CN" altLang="en-US" dirty="0"/>
+              <a:t>可选</a:t>
+            </a:r>
             <a:r>
               <a:rPr lang="zh-CN" altLang="en-US" dirty="0" smtClean="0"/>
-              <a:t>源代码管理工具</a:t>
-            </a:r>
-            <a:endParaRPr lang="en-US" altLang="zh-CN" dirty="0" smtClean="0"/>
-          </a:p>
-          <a:p>
-            <a:r>
-              <a:rPr lang="zh-CN" altLang="en-US" dirty="0" smtClean="0"/>
-              <a:t>项目管理工具</a:t>
-            </a:r>
-            <a:endParaRPr lang="en-US" altLang="zh-CN" dirty="0" smtClean="0"/>
-          </a:p>
-          <a:p>
-            <a:r>
-              <a:rPr lang="en-US" altLang="zh-CN" dirty="0" smtClean="0"/>
-              <a:t>IDE</a:t>
-            </a:r>
-            <a:r>
-              <a:rPr lang="zh-CN" altLang="en-US" dirty="0" smtClean="0"/>
-              <a:t>及管理器</a:t>
-            </a:r>
-            <a:endParaRPr lang="zh-CN" altLang="en-US" dirty="0"/>
+              <a:t>主机：</a:t>
+            </a:r>
+            <a:r>
+              <a:rPr lang="en-US" altLang="zh-CN" dirty="0"/>
+              <a:t>p1.us1.vpnplease.com</a:t>
+            </a:r>
+          </a:p>
+        </p:txBody>
+      </p:sp>
+      <p:sp>
+        <p:nvSpPr>
+          <p:cNvPr id="4" name="日期占位符 3"/>
+          <p:cNvSpPr>
+            <a:spLocks noGrp="1"/>
+          </p:cNvSpPr>
+          <p:nvPr>
+            <p:ph type="dt" sz="half" idx="10"/>
+          </p:nvPr>
+        </p:nvSpPr>
+        <p:spPr/>
+        <p:txBody>
+          <a:bodyPr/>
+          <a:lstStyle/>
+          <a:p>
+            <a:fld id="{7D49419E-544B-4BF9-8CF4-35A12925D13E}" type="datetime1">
+              <a:rPr lang="zh-CN" altLang="en-US" smtClean="0"/>
+              <a:t>2016/10/10</a:t>
+            </a:fld>
+            <a:endParaRPr lang="zh-CN" altLang="en-US"/>
+          </a:p>
+        </p:txBody>
+      </p:sp>
+      <p:sp>
+        <p:nvSpPr>
+          <p:cNvPr id="5" name="灯片编号占位符 4"/>
+          <p:cNvSpPr>
+            <a:spLocks noGrp="1"/>
+          </p:cNvSpPr>
+          <p:nvPr>
+            <p:ph type="sldNum" sz="quarter" idx="12"/>
+          </p:nvPr>
+        </p:nvSpPr>
+        <p:spPr/>
+        <p:txBody>
+          <a:bodyPr/>
+          <a:lstStyle/>
+          <a:p>
+            <a:fld id="{0C913308-F349-4B6D-A68A-DD1791B4A57B}" type="slidenum">
+              <a:rPr lang="zh-CN" altLang="en-US" smtClean="0"/>
+              <a:t>3</a:t>
+            </a:fld>
+            <a:endParaRPr lang="zh-CN" altLang="en-US"/>
           </a:p>
         </p:txBody>
       </p:sp>
     </p:spTree>
     <p:extLst>
       <p:ext uri="{BB962C8B-B14F-4D97-AF65-F5344CB8AC3E}">
-        <p14:creationId xmlns:p14="http://schemas.microsoft.com/office/powerpoint/2010/main" val="1644744338"/>
+        <p14:creationId xmlns:p14="http://schemas.microsoft.com/office/powerpoint/2010/main" val="984012718"/>
       </p:ext>
     </p:extLst>
   </p:cSld>
@@ -3347,147 +10178,108 @@
           <a:lstStyle/>
           <a:p>
             <a:r>
+              <a:rPr lang="zh-CN" altLang="en-US" dirty="0" smtClean="0"/>
+              <a:t>开发工具</a:t>
+            </a:r>
+            <a:endParaRPr lang="zh-CN" altLang="en-US" dirty="0"/>
+          </a:p>
+        </p:txBody>
+      </p:sp>
+      <p:sp>
+        <p:nvSpPr>
+          <p:cNvPr id="3" name="内容占位符 2"/>
+          <p:cNvSpPr>
+            <a:spLocks noGrp="1"/>
+          </p:cNvSpPr>
+          <p:nvPr>
+            <p:ph idx="1"/>
+          </p:nvPr>
+        </p:nvSpPr>
+        <p:spPr/>
+        <p:txBody>
+          <a:bodyPr/>
+          <a:lstStyle/>
+          <a:p>
+            <a:r>
+              <a:rPr lang="zh-CN" altLang="en-US" dirty="0" smtClean="0"/>
+              <a:t>源代码管理工具</a:t>
+            </a:r>
+            <a:endParaRPr lang="en-US" altLang="zh-CN" dirty="0" smtClean="0"/>
+          </a:p>
+          <a:p>
+            <a:r>
+              <a:rPr lang="zh-CN" altLang="en-US" dirty="0" smtClean="0"/>
+              <a:t>项目管理工具</a:t>
+            </a:r>
+            <a:endParaRPr lang="en-US" altLang="zh-CN" dirty="0" smtClean="0"/>
+          </a:p>
+          <a:p>
+            <a:r>
+              <a:rPr lang="en-US" altLang="zh-CN" dirty="0" smtClean="0"/>
+              <a:t>IDE</a:t>
+            </a:r>
+            <a:r>
               <a:rPr lang="zh-CN" altLang="en-US" dirty="0"/>
-              <a:t>源代码管理</a:t>
-            </a:r>
-          </a:p>
-        </p:txBody>
-      </p:sp>
-      <p:sp>
-        <p:nvSpPr>
-          <p:cNvPr id="3" name="内容占位符 2"/>
-          <p:cNvSpPr>
-            <a:spLocks noGrp="1"/>
-          </p:cNvSpPr>
-          <p:nvPr>
-            <p:ph idx="1"/>
-          </p:nvPr>
-        </p:nvSpPr>
-        <p:spPr/>
-        <p:txBody>
-          <a:bodyPr/>
-          <a:lstStyle/>
-          <a:p>
-            <a:pPr marL="0" indent="0">
-              <a:buNone/>
-            </a:pPr>
+              <a:t>、</a:t>
+            </a:r>
             <a:r>
               <a:rPr lang="zh-CN" altLang="en-US" dirty="0" smtClean="0"/>
-              <a:t>工具：</a:t>
-            </a:r>
-            <a:r>
-              <a:rPr lang="en-US" altLang="zh-CN" dirty="0" err="1" smtClean="0"/>
-              <a:t>Git</a:t>
-            </a:r>
-            <a:endParaRPr lang="en-US" altLang="zh-CN" dirty="0" smtClean="0"/>
-          </a:p>
-          <a:p>
-            <a:pPr marL="0" indent="0">
-              <a:buNone/>
-            </a:pPr>
-            <a:r>
-              <a:rPr lang="zh-CN" altLang="en-US" sz="2000" dirty="0"/>
-              <a:t>一款免费、开源的分布式版本控制系统，用于敏捷高效地处理任何或小或大的项目。</a:t>
-            </a:r>
-            <a:endParaRPr lang="en-US" altLang="zh-CN" sz="2000" dirty="0" smtClean="0"/>
-          </a:p>
-          <a:p>
-            <a:pPr marL="0" indent="0">
-              <a:buNone/>
-            </a:pPr>
-            <a:r>
-              <a:rPr lang="en-US" altLang="zh-CN" sz="2000" i="1" dirty="0" smtClean="0"/>
-              <a:t>(</a:t>
-            </a:r>
-            <a:r>
-              <a:rPr lang="en-US" altLang="zh-CN" sz="2000" i="1" dirty="0">
-                <a:hlinkClick r:id="rId2"/>
-              </a:rPr>
-              <a:t>https://git-scm.com</a:t>
-            </a:r>
-            <a:r>
-              <a:rPr lang="en-US" altLang="zh-CN" sz="2000" i="1" dirty="0" smtClean="0">
-                <a:hlinkClick r:id="rId2"/>
-              </a:rPr>
-              <a:t>/</a:t>
-            </a:r>
-            <a:r>
-              <a:rPr lang="en-US" altLang="zh-CN" sz="2000" i="1" dirty="0" smtClean="0"/>
-              <a:t>)</a:t>
-            </a:r>
-          </a:p>
-          <a:p>
-            <a:pPr marL="0" indent="0">
-              <a:buNone/>
-            </a:pPr>
-            <a:endParaRPr lang="en-US" altLang="zh-CN" sz="2000" i="1" dirty="0" smtClean="0"/>
-          </a:p>
-          <a:p>
-            <a:pPr marL="0" indent="0">
-              <a:buNone/>
-            </a:pPr>
-            <a:r>
-              <a:rPr lang="zh-CN" altLang="en-US" dirty="0" smtClean="0"/>
-              <a:t>在线平台：</a:t>
-            </a:r>
-            <a:r>
-              <a:rPr lang="en-US" altLang="zh-CN" dirty="0" err="1" smtClean="0"/>
-              <a:t>GitHub</a:t>
-            </a:r>
-            <a:endParaRPr lang="en-US" altLang="zh-CN" dirty="0" smtClean="0"/>
-          </a:p>
-          <a:p>
-            <a:pPr marL="0" indent="0">
-              <a:buNone/>
-            </a:pPr>
-            <a:r>
-              <a:rPr lang="zh-CN" altLang="en-US" sz="2000" dirty="0"/>
-              <a:t>一个面向开源及私有软件项目的托管</a:t>
-            </a:r>
-            <a:r>
-              <a:rPr lang="zh-CN" altLang="en-US" sz="2000" dirty="0" smtClean="0"/>
-              <a:t>平台</a:t>
-            </a:r>
-            <a:endParaRPr lang="en-US" altLang="zh-CN" sz="2000" dirty="0"/>
-          </a:p>
-          <a:p>
-            <a:pPr marL="0" indent="0">
-              <a:buNone/>
-            </a:pPr>
-            <a:r>
-              <a:rPr lang="en-US" altLang="zh-CN" sz="2000" i="1" dirty="0"/>
-              <a:t>(</a:t>
-            </a:r>
-            <a:r>
-              <a:rPr lang="en-US" altLang="zh-CN" sz="2000" i="1" dirty="0">
-                <a:hlinkClick r:id="rId3"/>
-              </a:rPr>
-              <a:t>https://github.com</a:t>
-            </a:r>
-            <a:r>
-              <a:rPr lang="en-US" altLang="zh-CN" sz="2000" i="1" dirty="0" smtClean="0">
-                <a:hlinkClick r:id="rId3"/>
-              </a:rPr>
-              <a:t>/</a:t>
-            </a:r>
-            <a:r>
-              <a:rPr lang="en-US" altLang="zh-CN" sz="2000" i="1" dirty="0" smtClean="0"/>
-              <a:t>)</a:t>
-            </a:r>
-            <a:endParaRPr lang="en-US" altLang="zh-CN" sz="2000" i="1" dirty="0"/>
-          </a:p>
-          <a:p>
-            <a:pPr marL="0" indent="0">
-              <a:buNone/>
-            </a:pPr>
-            <a:endParaRPr lang="zh-CN" altLang="en-US" sz="2000" dirty="0"/>
+              <a:t>管理器、小工具</a:t>
+            </a:r>
+            <a:endParaRPr lang="zh-CN" altLang="en-US" dirty="0"/>
+          </a:p>
+        </p:txBody>
+      </p:sp>
+      <p:sp>
+        <p:nvSpPr>
+          <p:cNvPr id="4" name="日期占位符 3"/>
+          <p:cNvSpPr>
+            <a:spLocks noGrp="1"/>
+          </p:cNvSpPr>
+          <p:nvPr>
+            <p:ph type="dt" sz="half" idx="10"/>
+          </p:nvPr>
+        </p:nvSpPr>
+        <p:spPr/>
+        <p:txBody>
+          <a:bodyPr/>
+          <a:lstStyle/>
+          <a:p>
+            <a:fld id="{4139FFD3-C47B-4650-87D3-062CDD80AE07}" type="datetime1">
+              <a:rPr lang="zh-CN" altLang="en-US" smtClean="0"/>
+              <a:t>2016/10/10</a:t>
+            </a:fld>
+            <a:endParaRPr lang="zh-CN" altLang="en-US"/>
+          </a:p>
+        </p:txBody>
+      </p:sp>
+      <p:sp>
+        <p:nvSpPr>
+          <p:cNvPr id="5" name="灯片编号占位符 4"/>
+          <p:cNvSpPr>
+            <a:spLocks noGrp="1"/>
+          </p:cNvSpPr>
+          <p:nvPr>
+            <p:ph type="sldNum" sz="quarter" idx="12"/>
+          </p:nvPr>
+        </p:nvSpPr>
+        <p:spPr/>
+        <p:txBody>
+          <a:bodyPr/>
+          <a:lstStyle/>
+          <a:p>
+            <a:fld id="{0C913308-F349-4B6D-A68A-DD1791B4A57B}" type="slidenum">
+              <a:rPr lang="zh-CN" altLang="en-US" smtClean="0"/>
+              <a:t>4</a:t>
+            </a:fld>
+            <a:endParaRPr lang="zh-CN" altLang="en-US"/>
           </a:p>
         </p:txBody>
       </p:sp>
     </p:spTree>
     <p:extLst>
       <p:ext uri="{BB962C8B-B14F-4D97-AF65-F5344CB8AC3E}">
-        <p14:creationId xmlns:p14="http://schemas.microsoft.com/office/powerpoint/2010/main" val="237857045"/>
+        <p14:creationId xmlns:p14="http://schemas.microsoft.com/office/powerpoint/2010/main" val="1644744338"/>
       </p:ext>
     </p:extLst>
   </p:cSld>
@@ -3530,36 +10322,185 @@
           <a:lstStyle/>
           <a:p>
             <a:r>
+              <a:rPr lang="zh-CN" altLang="en-US" dirty="0"/>
+              <a:t>源代码管理</a:t>
+            </a:r>
+          </a:p>
+        </p:txBody>
+      </p:sp>
+      <p:sp>
+        <p:nvSpPr>
+          <p:cNvPr id="3" name="内容占位符 2"/>
+          <p:cNvSpPr>
+            <a:spLocks noGrp="1"/>
+          </p:cNvSpPr>
+          <p:nvPr>
+            <p:ph idx="1"/>
+          </p:nvPr>
+        </p:nvSpPr>
+        <p:spPr/>
+        <p:txBody>
+          <a:bodyPr/>
+          <a:lstStyle/>
+          <a:p>
+            <a:pPr marL="0" indent="0">
+              <a:buNone/>
+            </a:pPr>
+            <a:r>
+              <a:rPr lang="zh-CN" altLang="en-US" dirty="0" smtClean="0"/>
+              <a:t>工具：</a:t>
+            </a:r>
+            <a:r>
               <a:rPr lang="en-US" altLang="zh-CN" dirty="0" err="1" smtClean="0"/>
               <a:t>Git</a:t>
             </a:r>
-            <a:r>
-              <a:rPr lang="en-US" altLang="zh-CN" dirty="0" smtClean="0"/>
-              <a:t> </a:t>
-            </a:r>
+            <a:endParaRPr lang="en-US" altLang="zh-CN" dirty="0" smtClean="0"/>
+          </a:p>
+          <a:p>
+            <a:pPr marL="0" indent="0">
+              <a:buNone/>
+            </a:pPr>
+            <a:r>
+              <a:rPr lang="zh-CN" altLang="en-US" sz="2000" dirty="0"/>
+              <a:t>一款免费、开源的分布式版本控制系统，用于敏捷高效地处理任何或小或大的项目。</a:t>
+            </a:r>
+            <a:endParaRPr lang="en-US" altLang="zh-CN" sz="2000" dirty="0" smtClean="0"/>
+          </a:p>
+          <a:p>
+            <a:pPr marL="0" indent="0">
+              <a:buNone/>
+            </a:pPr>
+            <a:r>
+              <a:rPr lang="en-US" altLang="zh-CN" sz="2000" i="1" dirty="0" smtClean="0"/>
+              <a:t>(</a:t>
+            </a:r>
+            <a:r>
+              <a:rPr lang="en-US" altLang="zh-CN" sz="2000" i="1" dirty="0">
+                <a:hlinkClick r:id="rId2"/>
+              </a:rPr>
+              <a:t>https://git-scm.com</a:t>
+            </a:r>
+            <a:r>
+              <a:rPr lang="en-US" altLang="zh-CN" sz="2000" i="1" dirty="0" smtClean="0">
+                <a:hlinkClick r:id="rId2"/>
+              </a:rPr>
+              <a:t>/</a:t>
+            </a:r>
+            <a:r>
+              <a:rPr lang="en-US" altLang="zh-CN" sz="2000" i="1" dirty="0" smtClean="0"/>
+              <a:t>)</a:t>
+            </a:r>
+          </a:p>
+          <a:p>
+            <a:pPr marL="0" indent="0">
+              <a:buNone/>
+            </a:pPr>
+            <a:endParaRPr lang="en-US" altLang="zh-CN" sz="2000" i="1" dirty="0" smtClean="0"/>
+          </a:p>
+          <a:p>
+            <a:pPr marL="0" indent="0">
+              <a:buNone/>
+            </a:pPr>
             <a:r>
               <a:rPr lang="zh-CN" altLang="en-US" dirty="0" smtClean="0"/>
-              <a:t>原理</a:t>
-            </a:r>
-            <a:endParaRPr lang="zh-CN" altLang="en-US" dirty="0"/>
-          </a:p>
-        </p:txBody>
-      </p:sp>
-      <p:sp>
-        <p:nvSpPr>
-          <p:cNvPr id="3" name="内容占位符 2"/>
-          <p:cNvSpPr>
-            <a:spLocks noGrp="1"/>
-          </p:cNvSpPr>
-          <p:nvPr>
-            <p:ph idx="1"/>
-          </p:nvPr>
-        </p:nvSpPr>
-        <p:spPr/>
-        <p:txBody>
-          <a:bodyPr/>
-          <a:lstStyle/>
-          <a:p>
+              <a:t>在线平台：</a:t>
+            </a:r>
+            <a:r>
+              <a:rPr lang="en-US" altLang="zh-CN" dirty="0" err="1" smtClean="0"/>
+              <a:t>GitHub</a:t>
+            </a:r>
+            <a:endParaRPr lang="en-US" altLang="zh-CN" dirty="0" smtClean="0"/>
+          </a:p>
+          <a:p>
+            <a:pPr marL="0" indent="0">
+              <a:buNone/>
+            </a:pPr>
+            <a:r>
+              <a:rPr lang="zh-CN" altLang="en-US" sz="2000" dirty="0"/>
+              <a:t>一个面向开源及私有软件项目的托管</a:t>
+            </a:r>
+            <a:r>
+              <a:rPr lang="zh-CN" altLang="en-US" sz="2000" dirty="0" smtClean="0"/>
+              <a:t>平台</a:t>
+            </a:r>
+            <a:endParaRPr lang="en-US" altLang="zh-CN" sz="2000" dirty="0"/>
+          </a:p>
+          <a:p>
+            <a:pPr marL="0" indent="0">
+              <a:buNone/>
+            </a:pPr>
+            <a:r>
+              <a:rPr lang="en-US" altLang="zh-CN" sz="2000" i="1" dirty="0"/>
+              <a:t>(</a:t>
+            </a:r>
+            <a:r>
+              <a:rPr lang="en-US" altLang="zh-CN" sz="2000" i="1" dirty="0">
+                <a:hlinkClick r:id="rId3"/>
+              </a:rPr>
+              <a:t>https://github.com</a:t>
+            </a:r>
+            <a:r>
+              <a:rPr lang="en-US" altLang="zh-CN" sz="2000" i="1" dirty="0" smtClean="0">
+                <a:hlinkClick r:id="rId3"/>
+              </a:rPr>
+              <a:t>/</a:t>
+            </a:r>
+            <a:r>
+              <a:rPr lang="en-US" altLang="zh-CN" sz="2000" i="1" dirty="0" smtClean="0"/>
+              <a:t>)</a:t>
+            </a:r>
+            <a:endParaRPr lang="en-US" altLang="zh-CN" sz="2000" i="1" dirty="0"/>
+          </a:p>
+          <a:p>
+            <a:pPr marL="0" indent="0">
+              <a:buNone/>
+            </a:pPr>
+            <a:endParaRPr lang="zh-CN" altLang="en-US" sz="2000" dirty="0"/>
+          </a:p>
+        </p:txBody>
+      </p:sp>
+      <p:sp>
+        <p:nvSpPr>
+          <p:cNvPr id="4" name="日期占位符 3"/>
+          <p:cNvSpPr>
+            <a:spLocks noGrp="1"/>
+          </p:cNvSpPr>
+          <p:nvPr>
+            <p:ph type="dt" sz="half" idx="10"/>
+          </p:nvPr>
+        </p:nvSpPr>
+        <p:spPr/>
+        <p:txBody>
+          <a:bodyPr/>
+          <a:lstStyle/>
+          <a:p>
+            <a:fld id="{B0047480-20E2-4013-AB1F-B1D0CE437616}" type="datetime1">
+              <a:rPr lang="zh-CN" altLang="en-US" smtClean="0"/>
+              <a:t>2016/10/10</a:t>
+            </a:fld>
+            <a:endParaRPr lang="zh-CN" altLang="en-US"/>
+          </a:p>
+        </p:txBody>
+      </p:sp>
+      <p:sp>
+        <p:nvSpPr>
+          <p:cNvPr id="5" name="灯片编号占位符 4"/>
+          <p:cNvSpPr>
+            <a:spLocks noGrp="1"/>
+          </p:cNvSpPr>
+          <p:nvPr>
+            <p:ph type="sldNum" sz="quarter" idx="12"/>
+          </p:nvPr>
+        </p:nvSpPr>
+        <p:spPr/>
+        <p:txBody>
+          <a:bodyPr/>
+          <a:lstStyle/>
+          <a:p>
+            <a:fld id="{0C913308-F349-4B6D-A68A-DD1791B4A57B}" type="slidenum">
+              <a:rPr lang="zh-CN" altLang="en-US" smtClean="0"/>
+              <a:t>5</a:t>
+            </a:fld>
             <a:endParaRPr lang="zh-CN" altLang="en-US"/>
           </a:p>
         </p:txBody>
@@ -3567,7 +10508,7 @@
     </p:spTree>
     <p:extLst>
       <p:ext uri="{BB962C8B-B14F-4D97-AF65-F5344CB8AC3E}">
-        <p14:creationId xmlns:p14="http://schemas.microsoft.com/office/powerpoint/2010/main" val="241524413"/>
+        <p14:creationId xmlns:p14="http://schemas.microsoft.com/office/powerpoint/2010/main" val="237857045"/>
       </p:ext>
     </p:extLst>
   </p:cSld>
@@ -3610,8 +10551,12 @@
           <a:lstStyle/>
           <a:p>
             <a:r>
+              <a:rPr lang="en-US" altLang="zh-CN" dirty="0" err="1" smtClean="0"/>
+              <a:t>Git</a:t>
+            </a:r>
+            <a:r>
               <a:rPr lang="zh-CN" altLang="en-US" dirty="0" smtClean="0"/>
-              <a:t>课后</a:t>
+              <a:t>：版本控制</a:t>
             </a:r>
             <a:endParaRPr lang="zh-CN" altLang="en-US" dirty="0"/>
           </a:p>
@@ -3625,6 +10570,173 @@
           </p:cNvSpPr>
           <p:nvPr>
             <p:ph idx="1"/>
+          </p:nvPr>
+        </p:nvSpPr>
+        <p:spPr/>
+        <p:txBody>
+          <a:bodyPr/>
+          <a:lstStyle/>
+          <a:p>
+            <a:r>
+              <a:rPr lang="zh-CN" altLang="en-US" sz="2800" dirty="0" smtClean="0"/>
+              <a:t>什么是版本控制？</a:t>
+            </a:r>
+            <a:endParaRPr lang="en-US" altLang="zh-CN" sz="2800" dirty="0" smtClean="0"/>
+          </a:p>
+          <a:p>
+            <a:pPr marL="0" indent="0">
+              <a:buNone/>
+            </a:pPr>
+            <a:r>
+              <a:rPr lang="zh-CN" altLang="en-US" sz="2000" dirty="0" smtClean="0"/>
+              <a:t> 一</a:t>
+            </a:r>
+            <a:r>
+              <a:rPr lang="zh-CN" altLang="en-US" sz="2000" dirty="0"/>
+              <a:t>种记录一个或若干文件内容变化，以便将来查阅特定版本修订情况的系统</a:t>
+            </a:r>
+            <a:r>
+              <a:rPr lang="zh-CN" altLang="en-US" sz="2000" dirty="0" smtClean="0"/>
+              <a:t>。</a:t>
+            </a:r>
+            <a:endParaRPr lang="en-US" altLang="zh-CN" sz="2000" dirty="0" smtClean="0"/>
+          </a:p>
+          <a:p>
+            <a:pPr marL="0" indent="0">
+              <a:buNone/>
+            </a:pPr>
+            <a:endParaRPr lang="en-US" altLang="zh-CN" sz="2000" dirty="0"/>
+          </a:p>
+          <a:p>
+            <a:r>
+              <a:rPr lang="zh-CN" altLang="en-US" sz="2800" dirty="0"/>
+              <a:t>常见的版本控制</a:t>
+            </a:r>
+            <a:r>
+              <a:rPr lang="zh-CN" altLang="en-US" sz="2800" dirty="0" smtClean="0"/>
+              <a:t>类型</a:t>
+            </a:r>
+            <a:endParaRPr lang="en-US" altLang="zh-CN" sz="2800" dirty="0"/>
+          </a:p>
+          <a:p>
+            <a:pPr marL="514350" indent="-514350">
+              <a:buFont typeface="+mj-lt"/>
+              <a:buAutoNum type="arabicParenR"/>
+            </a:pPr>
+            <a:r>
+              <a:rPr lang="zh-CN" altLang="en-US" sz="1800" dirty="0" smtClean="0"/>
+              <a:t>本地版本控制</a:t>
+            </a:r>
+            <a:endParaRPr lang="en-US" altLang="zh-CN" sz="1800" dirty="0" smtClean="0"/>
+          </a:p>
+          <a:p>
+            <a:pPr marL="514350" indent="-514350">
+              <a:buFont typeface="+mj-lt"/>
+              <a:buAutoNum type="arabicParenR"/>
+            </a:pPr>
+            <a:r>
+              <a:rPr lang="zh-CN" altLang="en-US" sz="1800" dirty="0" smtClean="0"/>
+              <a:t>集中化版本控制</a:t>
+            </a:r>
+            <a:endParaRPr lang="en-US" altLang="zh-CN" sz="1800" dirty="0" smtClean="0"/>
+          </a:p>
+          <a:p>
+            <a:pPr marL="514350" indent="-514350">
+              <a:buFont typeface="+mj-lt"/>
+              <a:buAutoNum type="arabicParenR"/>
+            </a:pPr>
+            <a:r>
+              <a:rPr lang="zh-CN" altLang="en-US" sz="1800" dirty="0" smtClean="0"/>
+              <a:t>分布式版本控制</a:t>
+            </a:r>
+            <a:endParaRPr lang="en-US" altLang="zh-CN" sz="1800" dirty="0"/>
+          </a:p>
+        </p:txBody>
+      </p:sp>
+      <p:sp>
+        <p:nvSpPr>
+          <p:cNvPr id="4" name="日期占位符 3"/>
+          <p:cNvSpPr>
+            <a:spLocks noGrp="1"/>
+          </p:cNvSpPr>
+          <p:nvPr>
+            <p:ph type="dt" sz="half" idx="10"/>
+          </p:nvPr>
+        </p:nvSpPr>
+        <p:spPr/>
+        <p:txBody>
+          <a:bodyPr/>
+          <a:lstStyle/>
+          <a:p>
+            <a:fld id="{DCAFB88A-D6CF-476F-8686-449877D6BB95}" type="datetime1">
+              <a:rPr lang="zh-CN" altLang="en-US" smtClean="0"/>
+              <a:t>2016/10/10</a:t>
+            </a:fld>
+            <a:endParaRPr lang="zh-CN" altLang="en-US"/>
+          </a:p>
+        </p:txBody>
+      </p:sp>
+      <p:sp>
+        <p:nvSpPr>
+          <p:cNvPr id="5" name="灯片编号占位符 4"/>
+          <p:cNvSpPr>
+            <a:spLocks noGrp="1"/>
+          </p:cNvSpPr>
+          <p:nvPr>
+            <p:ph type="sldNum" sz="quarter" idx="12"/>
+          </p:nvPr>
+        </p:nvSpPr>
+        <p:spPr/>
+        <p:txBody>
+          <a:bodyPr/>
+          <a:lstStyle/>
+          <a:p>
+            <a:fld id="{0C913308-F349-4B6D-A68A-DD1791B4A57B}" type="slidenum">
+              <a:rPr lang="zh-CN" altLang="en-US" smtClean="0"/>
+              <a:t>6</a:t>
+            </a:fld>
+            <a:endParaRPr lang="zh-CN" altLang="en-US"/>
+          </a:p>
+        </p:txBody>
+      </p:sp>
+    </p:spTree>
+    <p:extLst>
+      <p:ext uri="{BB962C8B-B14F-4D97-AF65-F5344CB8AC3E}">
+        <p14:creationId xmlns:p14="http://schemas.microsoft.com/office/powerpoint/2010/main" val="241524413"/>
+      </p:ext>
+    </p:extLst>
+  </p:cSld>
+  <p:clrMapOvr>
+    <a:masterClrMapping/>
+  </p:clrMapOvr>
+</p:sld>
+</file>
+
+<file path=ppt/slides/slide7.xml><?xml version="1.0" encoding="utf-8"?>
+<p:sld xmlns:a="http://schemas.openxmlformats.org/drawingml/2006/main" xmlns:r="http://schemas.openxmlformats.org/officeDocument/2006/relationships" xmlns:p="http://schemas.openxmlformats.org/presentationml/2006/main">
+  <p:cSld>
+    <p:spTree>
+      <p:nvGrpSpPr>
+        <p:cNvPr id="1" name=""/>
+        <p:cNvGrpSpPr/>
+        <p:nvPr/>
+      </p:nvGrpSpPr>
+      <p:grpSpPr>
+        <a:xfrm>
+          <a:off x="0" y="0"/>
+          <a:ext cx="0" cy="0"/>
+          <a:chOff x="0" y="0"/>
+          <a:chExt cx="0" cy="0"/>
+        </a:xfrm>
+      </p:grpSpPr>
+      <p:sp>
+        <p:nvSpPr>
+          <p:cNvPr id="2" name="标题 1"/>
+          <p:cNvSpPr>
+            <a:spLocks noGrp="1"/>
+          </p:cNvSpPr>
+          <p:nvPr>
+            <p:ph type="title"/>
           </p:nvPr>
         </p:nvSpPr>
         <p:spPr/>
@@ -3635,90 +10747,666 @@
           <a:lstStyle/>
           <a:p>
             <a:r>
+              <a:rPr lang="zh-CN" altLang="en-US" dirty="0"/>
+              <a:t>本地</a:t>
+            </a:r>
+            <a:r>
               <a:rPr lang="zh-CN" altLang="en-US" dirty="0" smtClean="0"/>
-              <a:t>阅读观看</a:t>
-            </a:r>
-            <a:r>
-              <a:rPr lang="en-US" altLang="zh-CN" dirty="0">
-                <a:hlinkClick r:id="rId2"/>
-              </a:rPr>
-              <a:t>https://</a:t>
-            </a:r>
-            <a:r>
-              <a:rPr lang="en-US" altLang="zh-CN" dirty="0" smtClean="0">
-                <a:hlinkClick r:id="rId2"/>
-              </a:rPr>
-              <a:t>git-scm.com/doc</a:t>
-            </a:r>
+              <a:t>版本控制</a:t>
+            </a:r>
+            <a:endParaRPr lang="en-US" dirty="0"/>
+          </a:p>
+        </p:txBody>
+      </p:sp>
+      <p:pic>
+        <p:nvPicPr>
+          <p:cNvPr id="1026" name="Picture 2" descr="C:\Users\Wangsong\Pictures\company course\cs01-localvcs.png"/>
+          <p:cNvPicPr>
+            <a:picLocks noGrp="1" noChangeAspect="1" noChangeArrowheads="1"/>
+          </p:cNvPicPr>
+          <p:nvPr>
+            <p:ph idx="1"/>
+          </p:nvPr>
+        </p:nvPicPr>
+        <p:blipFill>
+          <a:blip r:embed="rId2">
+            <a:extLst>
+              <a:ext uri="{28A0092B-C50C-407E-A947-70E740481C1C}">
+                <a14:useLocalDpi xmlns:a14="http://schemas.microsoft.com/office/drawing/2010/main" val="0"/>
+              </a:ext>
+            </a:extLst>
+          </a:blip>
+          <a:srcRect/>
+          <a:stretch>
+            <a:fillRect/>
+          </a:stretch>
+        </p:blipFill>
+        <p:spPr bwMode="auto">
+          <a:xfrm>
+            <a:off x="3203848" y="1412776"/>
+            <a:ext cx="5301274" cy="4525963"/>
+          </a:xfrm>
+          <a:prstGeom prst="rect">
+            <a:avLst/>
+          </a:prstGeom>
+          <a:noFill/>
+          <a:extLst>
+            <a:ext uri="{909E8E84-426E-40DD-AFC4-6F175D3DCCD1}">
+              <a14:hiddenFill xmlns:a14="http://schemas.microsoft.com/office/drawing/2010/main">
+                <a:solidFill>
+                  <a:srgbClr val="FFFFFF"/>
+                </a:solidFill>
+              </a14:hiddenFill>
+            </a:ext>
+          </a:extLst>
+        </p:spPr>
+      </p:pic>
+      <p:sp>
+        <p:nvSpPr>
+          <p:cNvPr id="5" name="TextBox 4"/>
+          <p:cNvSpPr txBox="1"/>
+          <p:nvPr/>
+        </p:nvSpPr>
+        <p:spPr>
+          <a:xfrm>
+            <a:off x="683568" y="1484784"/>
+            <a:ext cx="2304255" cy="3416320"/>
+          </a:xfrm>
+          <a:prstGeom prst="rect">
+            <a:avLst/>
+          </a:prstGeom>
+          <a:noFill/>
+        </p:spPr>
+        <p:txBody>
+          <a:bodyPr wrap="square" rtlCol="0">
+            <a:spAutoFit/>
+          </a:bodyPr>
+          <a:lstStyle/>
+          <a:p>
             <a:r>
               <a:rPr lang="zh-CN" altLang="en-US" dirty="0" smtClean="0"/>
-              <a:t>中的</a:t>
+              <a:t>原理：保存整个文件</a:t>
             </a:r>
             <a:r>
               <a:rPr lang="en-US" altLang="zh-CN" dirty="0" smtClean="0"/>
-              <a:t>Book</a:t>
+              <a:t>(</a:t>
             </a:r>
             <a:r>
               <a:rPr lang="zh-CN" altLang="en-US" dirty="0" smtClean="0"/>
-              <a:t>和</a:t>
+              <a:t>目录</a:t>
             </a:r>
             <a:r>
               <a:rPr lang="en-US" altLang="zh-CN" dirty="0" smtClean="0"/>
-              <a:t>Videos</a:t>
-            </a:r>
-            <a:endParaRPr lang="en-US" altLang="zh-CN" dirty="0"/>
-          </a:p>
-          <a:p>
+              <a:t>)</a:t>
+            </a:r>
             <a:r>
               <a:rPr lang="zh-CN" altLang="en-US" dirty="0" smtClean="0"/>
-              <a:t>注册</a:t>
-            </a:r>
-            <a:r>
-              <a:rPr lang="en-US" altLang="zh-CN" dirty="0" err="1" smtClean="0"/>
-              <a:t>github</a:t>
-            </a:r>
+              <a:t>方式管理不同的版本</a:t>
+            </a:r>
+            <a:endParaRPr lang="en-US" altLang="zh-CN" dirty="0" smtClean="0"/>
+          </a:p>
+          <a:p>
+            <a:endParaRPr lang="en-US" dirty="0" smtClean="0"/>
+          </a:p>
+          <a:p>
             <a:r>
               <a:rPr lang="zh-CN" altLang="en-US" dirty="0" smtClean="0"/>
-              <a:t>账号</a:t>
-            </a:r>
-            <a:endParaRPr lang="en-US" altLang="zh-CN" dirty="0" smtClean="0"/>
-          </a:p>
-          <a:p>
+              <a:t>现实应用：自动化发布工具</a:t>
+            </a:r>
+            <a:r>
+              <a:rPr lang="en-US" altLang="zh-CN" dirty="0" smtClean="0"/>
+              <a:t>(Capistrano)</a:t>
+            </a:r>
+            <a:endParaRPr lang="en-US" dirty="0"/>
+          </a:p>
+          <a:p>
+            <a:endParaRPr lang="en-US" dirty="0" smtClean="0"/>
+          </a:p>
+          <a:p>
+            <a:endParaRPr lang="en-US" dirty="0"/>
+          </a:p>
+          <a:p>
+            <a:r>
+              <a:rPr lang="en-US" altLang="zh-CN" dirty="0" smtClean="0"/>
+              <a:t>Q</a:t>
+            </a:r>
             <a:r>
               <a:rPr lang="zh-CN" altLang="en-US" dirty="0" smtClean="0"/>
-              <a:t>安装配置</a:t>
-            </a:r>
-            <a:r>
-              <a:rPr lang="en-US" altLang="zh-CN" dirty="0" err="1" smtClean="0"/>
-              <a:t>git</a:t>
-            </a:r>
-            <a:r>
-              <a:rPr lang="zh-CN" altLang="en-US" dirty="0" smtClean="0"/>
-              <a:t>环境</a:t>
-            </a:r>
-            <a:endParaRPr lang="en-US" altLang="zh-CN" dirty="0" smtClean="0"/>
-          </a:p>
-          <a:p>
-            <a:r>
-              <a:rPr lang="zh-CN" altLang="en-US" dirty="0" smtClean="0"/>
-              <a:t>注册</a:t>
-            </a:r>
-            <a:r>
-              <a:rPr lang="en-US" altLang="zh-CN" dirty="0" smtClean="0"/>
-              <a:t>tower</a:t>
-            </a:r>
-            <a:r>
-              <a:rPr lang="zh-CN" altLang="en-US" dirty="0" smtClean="0"/>
-              <a:t>账号</a:t>
-            </a:r>
-            <a:endParaRPr lang="en-US" altLang="zh-CN" dirty="0" smtClean="0"/>
+              <a:t>：缺点是什么？</a:t>
+            </a:r>
+            <a:endParaRPr lang="en-US" dirty="0" smtClean="0"/>
+          </a:p>
+          <a:p>
+            <a:endParaRPr lang="en-US" dirty="0"/>
+          </a:p>
+          <a:p>
+            <a:endParaRPr lang="en-US" dirty="0" smtClean="0"/>
+          </a:p>
+          <a:p>
+            <a:endParaRPr lang="en-US" dirty="0"/>
+          </a:p>
+        </p:txBody>
+      </p:sp>
+      <p:sp>
+        <p:nvSpPr>
+          <p:cNvPr id="3" name="日期占位符 2"/>
+          <p:cNvSpPr>
+            <a:spLocks noGrp="1"/>
+          </p:cNvSpPr>
+          <p:nvPr>
+            <p:ph type="dt" sz="half" idx="10"/>
+          </p:nvPr>
+        </p:nvSpPr>
+        <p:spPr/>
+        <p:txBody>
+          <a:bodyPr/>
+          <a:lstStyle/>
+          <a:p>
+            <a:fld id="{DCA61A70-13F5-4301-BB5F-A4DEAD9FB388}" type="datetime1">
+              <a:rPr lang="zh-CN" altLang="en-US" smtClean="0"/>
+              <a:t>2016/10/10</a:t>
+            </a:fld>
+            <a:endParaRPr lang="zh-CN" altLang="en-US"/>
+          </a:p>
+        </p:txBody>
+      </p:sp>
+      <p:sp>
+        <p:nvSpPr>
+          <p:cNvPr id="4" name="灯片编号占位符 3"/>
+          <p:cNvSpPr>
+            <a:spLocks noGrp="1"/>
+          </p:cNvSpPr>
+          <p:nvPr>
+            <p:ph type="sldNum" sz="quarter" idx="12"/>
+          </p:nvPr>
+        </p:nvSpPr>
+        <p:spPr/>
+        <p:txBody>
+          <a:bodyPr/>
+          <a:lstStyle/>
+          <a:p>
+            <a:fld id="{0C913308-F349-4B6D-A68A-DD1791B4A57B}" type="slidenum">
+              <a:rPr lang="zh-CN" altLang="en-US" smtClean="0"/>
+              <a:t>7</a:t>
+            </a:fld>
+            <a:endParaRPr lang="zh-CN" altLang="en-US"/>
           </a:p>
         </p:txBody>
       </p:sp>
     </p:spTree>
     <p:extLst>
       <p:ext uri="{BB962C8B-B14F-4D97-AF65-F5344CB8AC3E}">
-        <p14:creationId xmlns:p14="http://schemas.microsoft.com/office/powerpoint/2010/main" val="3692089880"/>
+        <p14:creationId xmlns:p14="http://schemas.microsoft.com/office/powerpoint/2010/main" val="2051317065"/>
+      </p:ext>
+    </p:extLst>
+  </p:cSld>
+  <p:clrMapOvr>
+    <a:masterClrMapping/>
+  </p:clrMapOvr>
+</p:sld>
+</file>
+
+<file path=ppt/slides/slide8.xml><?xml version="1.0" encoding="utf-8"?>
+<p:sld xmlns:a="http://schemas.openxmlformats.org/drawingml/2006/main" xmlns:r="http://schemas.openxmlformats.org/officeDocument/2006/relationships" xmlns:p="http://schemas.openxmlformats.org/presentationml/2006/main">
+  <p:cSld>
+    <p:spTree>
+      <p:nvGrpSpPr>
+        <p:cNvPr id="1" name=""/>
+        <p:cNvGrpSpPr/>
+        <p:nvPr/>
+      </p:nvGrpSpPr>
+      <p:grpSpPr>
+        <a:xfrm>
+          <a:off x="0" y="0"/>
+          <a:ext cx="0" cy="0"/>
+          <a:chOff x="0" y="0"/>
+          <a:chExt cx="0" cy="0"/>
+        </a:xfrm>
+      </p:grpSpPr>
+      <p:sp>
+        <p:nvSpPr>
+          <p:cNvPr id="2" name="标题 1"/>
+          <p:cNvSpPr>
+            <a:spLocks noGrp="1"/>
+          </p:cNvSpPr>
+          <p:nvPr>
+            <p:ph type="title"/>
+          </p:nvPr>
+        </p:nvSpPr>
+        <p:spPr/>
+        <p:txBody>
+          <a:bodyPr>
+            <a:normAutofit/>
+          </a:bodyPr>
+          <a:lstStyle/>
+          <a:p>
+            <a:r>
+              <a:rPr lang="zh-CN" altLang="en-US" dirty="0"/>
+              <a:t>集中化</a:t>
+            </a:r>
+            <a:r>
+              <a:rPr lang="zh-CN" altLang="en-US" dirty="0" smtClean="0"/>
+              <a:t>版本控制</a:t>
+            </a:r>
+            <a:endParaRPr lang="en-US" dirty="0"/>
+          </a:p>
+        </p:txBody>
+      </p:sp>
+      <p:pic>
+        <p:nvPicPr>
+          <p:cNvPr id="2050" name="Picture 2" descr="C:\Users\Wangsong\Pictures\company course\cs01-centralvcs.png"/>
+          <p:cNvPicPr>
+            <a:picLocks noChangeAspect="1" noChangeArrowheads="1"/>
+          </p:cNvPicPr>
+          <p:nvPr/>
+        </p:nvPicPr>
+        <p:blipFill>
+          <a:blip r:embed="rId2">
+            <a:extLst>
+              <a:ext uri="{28A0092B-C50C-407E-A947-70E740481C1C}">
+                <a14:useLocalDpi xmlns:a14="http://schemas.microsoft.com/office/drawing/2010/main" val="0"/>
+              </a:ext>
+            </a:extLst>
+          </a:blip>
+          <a:srcRect/>
+          <a:stretch>
+            <a:fillRect/>
+          </a:stretch>
+        </p:blipFill>
+        <p:spPr bwMode="auto">
+          <a:xfrm>
+            <a:off x="3059832" y="1700809"/>
+            <a:ext cx="5760640" cy="4293688"/>
+          </a:xfrm>
+          <a:prstGeom prst="rect">
+            <a:avLst/>
+          </a:prstGeom>
+          <a:noFill/>
+          <a:extLst>
+            <a:ext uri="{909E8E84-426E-40DD-AFC4-6F175D3DCCD1}">
+              <a14:hiddenFill xmlns:a14="http://schemas.microsoft.com/office/drawing/2010/main">
+                <a:solidFill>
+                  <a:srgbClr val="FFFFFF"/>
+                </a:solidFill>
+              </a14:hiddenFill>
+            </a:ext>
+          </a:extLst>
+        </p:spPr>
+      </p:pic>
+      <p:sp>
+        <p:nvSpPr>
+          <p:cNvPr id="5" name="TextBox 4"/>
+          <p:cNvSpPr txBox="1"/>
+          <p:nvPr/>
+        </p:nvSpPr>
+        <p:spPr>
+          <a:xfrm>
+            <a:off x="539552" y="1772816"/>
+            <a:ext cx="2304255" cy="3693319"/>
+          </a:xfrm>
+          <a:prstGeom prst="rect">
+            <a:avLst/>
+          </a:prstGeom>
+          <a:noFill/>
+        </p:spPr>
+        <p:txBody>
+          <a:bodyPr wrap="square" rtlCol="0">
+            <a:spAutoFit/>
+          </a:bodyPr>
+          <a:lstStyle/>
+          <a:p>
+            <a:r>
+              <a:rPr lang="zh-CN" altLang="en-US" dirty="0" smtClean="0"/>
+              <a:t>原理：通过</a:t>
+            </a:r>
+            <a:r>
+              <a:rPr lang="zh-CN" altLang="en-US" dirty="0"/>
+              <a:t>客户端连到这台服务器，取出最新的文件或者提交</a:t>
+            </a:r>
+            <a:r>
+              <a:rPr lang="zh-CN" altLang="en-US" dirty="0" smtClean="0"/>
+              <a:t>更新，以实现不同</a:t>
+            </a:r>
+            <a:r>
+              <a:rPr lang="zh-CN" altLang="en-US" dirty="0"/>
+              <a:t>系统上的开发者协同</a:t>
+            </a:r>
+            <a:r>
+              <a:rPr lang="zh-CN" altLang="en-US" dirty="0" smtClean="0"/>
+              <a:t>工作</a:t>
+            </a:r>
+            <a:endParaRPr lang="en-US" altLang="zh-CN" dirty="0" smtClean="0"/>
+          </a:p>
+          <a:p>
+            <a:endParaRPr lang="en-US" dirty="0" smtClean="0"/>
+          </a:p>
+          <a:p>
+            <a:r>
+              <a:rPr lang="zh-CN" altLang="en-US" dirty="0" smtClean="0"/>
+              <a:t>现实应用</a:t>
+            </a:r>
+            <a:r>
+              <a:rPr lang="en-US" altLang="zh-CN" dirty="0" smtClean="0"/>
+              <a:t>:</a:t>
+            </a:r>
+            <a:r>
+              <a:rPr lang="en-US" altLang="zh-CN" dirty="0" smtClean="0">
+                <a:sym typeface="Wingdings" pitchFamily="2" charset="2"/>
+              </a:rPr>
+              <a:t>(</a:t>
+            </a:r>
+            <a:r>
+              <a:rPr lang="zh-CN" altLang="en-US" dirty="0" smtClean="0">
+                <a:sym typeface="Wingdings" pitchFamily="2" charset="2"/>
+              </a:rPr>
+              <a:t>共享硬盘</a:t>
+            </a:r>
+            <a:r>
+              <a:rPr lang="en-US" altLang="zh-CN" dirty="0" smtClean="0">
+                <a:sym typeface="Wingdings" pitchFamily="2" charset="2"/>
+              </a:rPr>
+              <a:t>)</a:t>
+            </a:r>
+            <a:endParaRPr lang="en-US" dirty="0" smtClean="0"/>
+          </a:p>
+          <a:p>
+            <a:endParaRPr lang="en-US" dirty="0"/>
+          </a:p>
+          <a:p>
+            <a:r>
+              <a:rPr lang="en-US" altLang="zh-CN" dirty="0" smtClean="0"/>
+              <a:t>Q</a:t>
+            </a:r>
+            <a:r>
+              <a:rPr lang="zh-CN" altLang="en-US" dirty="0" smtClean="0"/>
+              <a:t>：缺点是什么？</a:t>
+            </a:r>
+            <a:endParaRPr lang="en-US" dirty="0" smtClean="0"/>
+          </a:p>
+          <a:p>
+            <a:endParaRPr lang="en-US" dirty="0"/>
+          </a:p>
+          <a:p>
+            <a:endParaRPr lang="en-US" dirty="0" smtClean="0"/>
+          </a:p>
+          <a:p>
+            <a:endParaRPr lang="en-US" dirty="0"/>
+          </a:p>
+        </p:txBody>
+      </p:sp>
+      <p:sp>
+        <p:nvSpPr>
+          <p:cNvPr id="3" name="日期占位符 2"/>
+          <p:cNvSpPr>
+            <a:spLocks noGrp="1"/>
+          </p:cNvSpPr>
+          <p:nvPr>
+            <p:ph type="dt" sz="half" idx="10"/>
+          </p:nvPr>
+        </p:nvSpPr>
+        <p:spPr/>
+        <p:txBody>
+          <a:bodyPr/>
+          <a:lstStyle/>
+          <a:p>
+            <a:fld id="{3A99B579-2EBE-4112-BE53-886758630A18}" type="datetime1">
+              <a:rPr lang="zh-CN" altLang="en-US" smtClean="0"/>
+              <a:t>2016/10/10</a:t>
+            </a:fld>
+            <a:endParaRPr lang="zh-CN" altLang="en-US"/>
+          </a:p>
+        </p:txBody>
+      </p:sp>
+      <p:sp>
+        <p:nvSpPr>
+          <p:cNvPr id="4" name="灯片编号占位符 3"/>
+          <p:cNvSpPr>
+            <a:spLocks noGrp="1"/>
+          </p:cNvSpPr>
+          <p:nvPr>
+            <p:ph type="sldNum" sz="quarter" idx="12"/>
+          </p:nvPr>
+        </p:nvSpPr>
+        <p:spPr/>
+        <p:txBody>
+          <a:bodyPr/>
+          <a:lstStyle/>
+          <a:p>
+            <a:fld id="{0C913308-F349-4B6D-A68A-DD1791B4A57B}" type="slidenum">
+              <a:rPr lang="zh-CN" altLang="en-US" smtClean="0"/>
+              <a:t>8</a:t>
+            </a:fld>
+            <a:endParaRPr lang="zh-CN" altLang="en-US"/>
+          </a:p>
+        </p:txBody>
+      </p:sp>
+    </p:spTree>
+    <p:extLst>
+      <p:ext uri="{BB962C8B-B14F-4D97-AF65-F5344CB8AC3E}">
+        <p14:creationId xmlns:p14="http://schemas.microsoft.com/office/powerpoint/2010/main" val="2784453006"/>
+      </p:ext>
+    </p:extLst>
+  </p:cSld>
+  <p:clrMapOvr>
+    <a:masterClrMapping/>
+  </p:clrMapOvr>
+</p:sld>
+</file>
+
+<file path=ppt/slides/slide9.xml><?xml version="1.0" encoding="utf-8"?>
+<p:sld xmlns:a="http://schemas.openxmlformats.org/drawingml/2006/main" xmlns:r="http://schemas.openxmlformats.org/officeDocument/2006/relationships" xmlns:p="http://schemas.openxmlformats.org/presentationml/2006/main">
+  <p:cSld>
+    <p:spTree>
+      <p:nvGrpSpPr>
+        <p:cNvPr id="1" name=""/>
+        <p:cNvGrpSpPr/>
+        <p:nvPr/>
+      </p:nvGrpSpPr>
+      <p:grpSpPr>
+        <a:xfrm>
+          <a:off x="0" y="0"/>
+          <a:ext cx="0" cy="0"/>
+          <a:chOff x="0" y="0"/>
+          <a:chExt cx="0" cy="0"/>
+        </a:xfrm>
+      </p:grpSpPr>
+      <p:sp>
+        <p:nvSpPr>
+          <p:cNvPr id="2" name="标题 1"/>
+          <p:cNvSpPr>
+            <a:spLocks noGrp="1"/>
+          </p:cNvSpPr>
+          <p:nvPr>
+            <p:ph type="title"/>
+          </p:nvPr>
+        </p:nvSpPr>
+        <p:spPr/>
+        <p:txBody>
+          <a:bodyPr>
+            <a:normAutofit/>
+          </a:bodyPr>
+          <a:lstStyle/>
+          <a:p>
+            <a:r>
+              <a:rPr lang="zh-CN" altLang="en-US" dirty="0"/>
+              <a:t>分布式</a:t>
+            </a:r>
+            <a:r>
+              <a:rPr lang="zh-CN" altLang="en-US" dirty="0" smtClean="0"/>
+              <a:t>版本控制</a:t>
+            </a:r>
+            <a:endParaRPr lang="en-US" dirty="0"/>
+          </a:p>
+        </p:txBody>
+      </p:sp>
+      <p:pic>
+        <p:nvPicPr>
+          <p:cNvPr id="3074" name="Picture 2" descr="C:\Users\Wangsong\Pictures\company course\cs01-distributedvcs.png"/>
+          <p:cNvPicPr>
+            <a:picLocks noChangeAspect="1" noChangeArrowheads="1"/>
+          </p:cNvPicPr>
+          <p:nvPr/>
+        </p:nvPicPr>
+        <p:blipFill>
+          <a:blip r:embed="rId2">
+            <a:extLst>
+              <a:ext uri="{28A0092B-C50C-407E-A947-70E740481C1C}">
+                <a14:useLocalDpi xmlns:a14="http://schemas.microsoft.com/office/drawing/2010/main" val="0"/>
+              </a:ext>
+            </a:extLst>
+          </a:blip>
+          <a:srcRect/>
+          <a:stretch>
+            <a:fillRect/>
+          </a:stretch>
+        </p:blipFill>
+        <p:spPr bwMode="auto">
+          <a:xfrm>
+            <a:off x="4499992" y="1556792"/>
+            <a:ext cx="3888432" cy="4320479"/>
+          </a:xfrm>
+          <a:prstGeom prst="rect">
+            <a:avLst/>
+          </a:prstGeom>
+          <a:noFill/>
+          <a:extLst>
+            <a:ext uri="{909E8E84-426E-40DD-AFC4-6F175D3DCCD1}">
+              <a14:hiddenFill xmlns:a14="http://schemas.microsoft.com/office/drawing/2010/main">
+                <a:solidFill>
+                  <a:srgbClr val="FFFFFF"/>
+                </a:solidFill>
+              </a14:hiddenFill>
+            </a:ext>
+          </a:extLst>
+        </p:spPr>
+      </p:pic>
+      <p:sp>
+        <p:nvSpPr>
+          <p:cNvPr id="5" name="TextBox 4"/>
+          <p:cNvSpPr txBox="1"/>
+          <p:nvPr/>
+        </p:nvSpPr>
+        <p:spPr>
+          <a:xfrm>
+            <a:off x="539552" y="1556792"/>
+            <a:ext cx="2952328" cy="4801314"/>
+          </a:xfrm>
+          <a:prstGeom prst="rect">
+            <a:avLst/>
+          </a:prstGeom>
+          <a:noFill/>
+        </p:spPr>
+        <p:txBody>
+          <a:bodyPr wrap="square" rtlCol="0">
+            <a:spAutoFit/>
+          </a:bodyPr>
+          <a:lstStyle/>
+          <a:p>
+            <a:r>
+              <a:rPr lang="zh-CN" altLang="en-US" dirty="0" smtClean="0"/>
+              <a:t>原理：</a:t>
+            </a:r>
+            <a:r>
+              <a:rPr lang="zh-CN" altLang="en-US" dirty="0"/>
+              <a:t>客户端并不只提取最新版本的文件快照，而是把代码仓库完整地镜像下来。 这么一来，任何一处协同工作用的服务器发生故障，事后都可以用任何一个镜像出来的本地仓库恢复。 因为每一次的克隆操作，实际上都是一次对代码仓库的完整备份</a:t>
+            </a:r>
+            <a:r>
+              <a:rPr lang="zh-CN" altLang="en-US" dirty="0" smtClean="0"/>
+              <a:t>。</a:t>
+            </a:r>
+            <a:endParaRPr lang="en-US" altLang="zh-CN" dirty="0" smtClean="0"/>
+          </a:p>
+          <a:p>
+            <a:endParaRPr lang="en-US" dirty="0" smtClean="0"/>
+          </a:p>
+          <a:p>
+            <a:r>
+              <a:rPr lang="zh-CN" altLang="en-US" dirty="0" smtClean="0"/>
+              <a:t>现实应用：</a:t>
+            </a:r>
+            <a:r>
+              <a:rPr lang="en-US" altLang="zh-CN" dirty="0" err="1">
+                <a:sym typeface="Wingdings" pitchFamily="2" charset="2"/>
+              </a:rPr>
+              <a:t>Git</a:t>
+            </a:r>
+            <a:endParaRPr lang="en-US" dirty="0" smtClean="0"/>
+          </a:p>
+          <a:p>
+            <a:endParaRPr lang="en-US" dirty="0"/>
+          </a:p>
+          <a:p>
+            <a:r>
+              <a:rPr lang="en-US" altLang="zh-CN" dirty="0" smtClean="0"/>
+              <a:t>Q</a:t>
+            </a:r>
+            <a:r>
+              <a:rPr lang="zh-CN" altLang="en-US" dirty="0" smtClean="0"/>
+              <a:t>：缺点是什么？</a:t>
+            </a:r>
+            <a:endParaRPr lang="en-US" dirty="0" smtClean="0"/>
+          </a:p>
+          <a:p>
+            <a:endParaRPr lang="en-US" dirty="0"/>
+          </a:p>
+          <a:p>
+            <a:endParaRPr lang="en-US" dirty="0" smtClean="0"/>
+          </a:p>
+          <a:p>
+            <a:endParaRPr lang="en-US" dirty="0"/>
+          </a:p>
+        </p:txBody>
+      </p:sp>
+      <p:sp>
+        <p:nvSpPr>
+          <p:cNvPr id="3" name="日期占位符 2"/>
+          <p:cNvSpPr>
+            <a:spLocks noGrp="1"/>
+          </p:cNvSpPr>
+          <p:nvPr>
+            <p:ph type="dt" sz="half" idx="10"/>
+          </p:nvPr>
+        </p:nvSpPr>
+        <p:spPr/>
+        <p:txBody>
+          <a:bodyPr/>
+          <a:lstStyle/>
+          <a:p>
+            <a:fld id="{AE61D1F6-C358-45BA-82EE-BE2CB83EF57F}" type="datetime1">
+              <a:rPr lang="zh-CN" altLang="en-US" smtClean="0"/>
+              <a:t>2016/10/10</a:t>
+            </a:fld>
+            <a:endParaRPr lang="zh-CN" altLang="en-US"/>
+          </a:p>
+        </p:txBody>
+      </p:sp>
+      <p:sp>
+        <p:nvSpPr>
+          <p:cNvPr id="4" name="灯片编号占位符 3"/>
+          <p:cNvSpPr>
+            <a:spLocks noGrp="1"/>
+          </p:cNvSpPr>
+          <p:nvPr>
+            <p:ph type="sldNum" sz="quarter" idx="12"/>
+          </p:nvPr>
+        </p:nvSpPr>
+        <p:spPr/>
+        <p:txBody>
+          <a:bodyPr/>
+          <a:lstStyle/>
+          <a:p>
+            <a:fld id="{0C913308-F349-4B6D-A68A-DD1791B4A57B}" type="slidenum">
+              <a:rPr lang="zh-CN" altLang="en-US" smtClean="0"/>
+              <a:t>9</a:t>
+            </a:fld>
+            <a:endParaRPr lang="zh-CN" altLang="en-US"/>
+          </a:p>
+        </p:txBody>
+      </p:sp>
+    </p:spTree>
+    <p:extLst>
+      <p:ext uri="{BB962C8B-B14F-4D97-AF65-F5344CB8AC3E}">
+        <p14:creationId xmlns:p14="http://schemas.microsoft.com/office/powerpoint/2010/main" val="697503996"/>
       </p:ext>
     </p:extLst>
   </p:cSld>
@@ -4009,4 +11697,289 @@
   <a:objectDefaults/>
   <a:extraClrSchemeLst/>
 </a:theme>
+</file>
+
+<file path=ppt/theme/theme2.xml><?xml version="1.0" encoding="utf-8"?>
+<a:theme xmlns:a="http://schemas.openxmlformats.org/drawingml/2006/main" name="Office 主题​​">
+  <a:themeElements>
+    <a:clrScheme name="Office">
+      <a:dk1>
+        <a:sysClr val="windowText" lastClr="000000"/>
+      </a:dk1>
+      <a:lt1>
+        <a:sysClr val="window" lastClr="FFFFFF"/>
+      </a:lt1>
+      <a:dk2>
+        <a:srgbClr val="1F497D"/>
+      </a:dk2>
+      <a:lt2>
+        <a:srgbClr val="EEECE1"/>
+      </a:lt2>
+      <a:accent1>
+        <a:srgbClr val="4F81BD"/>
+      </a:accent1>
+      <a:accent2>
+        <a:srgbClr val="C0504D"/>
+      </a:accent2>
+      <a:accent3>
+        <a:srgbClr val="9BBB59"/>
+      </a:accent3>
+      <a:accent4>
+        <a:srgbClr val="8064A2"/>
+      </a:accent4>
+      <a:accent5>
+        <a:srgbClr val="4BACC6"/>
+      </a:accent5>
+      <a:accent6>
+        <a:srgbClr val="F79646"/>
+      </a:accent6>
+      <a:hlink>
+        <a:srgbClr val="0000FF"/>
+      </a:hlink>
+      <a:folHlink>
+        <a:srgbClr val="800080"/>
+      </a:folHlink>
+    </a:clrScheme>
+    <a:fontScheme name="Office">
+      <a:majorFont>
+        <a:latin typeface="Calibri"/>
+        <a:ea typeface=""/>
+        <a:cs typeface=""/>
+        <a:font script="Jpan" typeface="ＭＳ Ｐゴシック"/>
+        <a:font script="Hang" typeface="맑은 고딕"/>
+        <a:font script="Hans" typeface="宋体"/>
+        <a:font script="Hant" typeface="新細明體"/>
+        <a:font script="Arab" typeface="Times New Roman"/>
+        <a:font script="Hebr" typeface="Times New Roman"/>
+        <a:font script="Thai" typeface="Angsana New"/>
+        <a:font script="Ethi" typeface="Nyala"/>
+        <a:font script="Beng" typeface="Vrinda"/>
+        <a:font script="Gujr" typeface="Shruti"/>
+        <a:font script="Khmr" typeface="MoolBoran"/>
+        <a:font script="Knda" typeface="Tunga"/>
+        <a:font script="Guru" typeface="Raavi"/>
+        <a:font script="Cans" typeface="Euphemia"/>
+        <a:font script="Cher" typeface="Plantagenet Cherokee"/>
+        <a:font script="Yiii" typeface="Microsoft Yi Baiti"/>
+        <a:font script="Tibt" typeface="Microsoft Himalaya"/>
+        <a:font script="Thaa" typeface="MV Boli"/>
+        <a:font script="Deva" typeface="Mangal"/>
+        <a:font script="Telu" typeface="Gautami"/>
+        <a:font script="Taml" typeface="Latha"/>
+        <a:font script="Syrc" typeface="Estrangelo Edessa"/>
+        <a:font script="Orya" typeface="Kalinga"/>
+        <a:font script="Mlym" typeface="Kartika"/>
+        <a:font script="Laoo" typeface="DokChampa"/>
+        <a:font script="Sinh" typeface="Iskoola Pota"/>
+        <a:font script="Mong" typeface="Mongolian Baiti"/>
+        <a:font script="Viet" typeface="Times New Roman"/>
+        <a:font script="Uigh" typeface="Microsoft Uighur"/>
+        <a:font script="Geor" typeface="Sylfaen"/>
+      </a:majorFont>
+      <a:minorFont>
+        <a:latin typeface="Calibri"/>
+        <a:ea typeface=""/>
+        <a:cs typeface=""/>
+        <a:font script="Jpan" typeface="ＭＳ Ｐゴシック"/>
+        <a:font script="Hang" typeface="맑은 고딕"/>
+        <a:font script="Hans" typeface="宋体"/>
+        <a:font script="Hant" typeface="新細明體"/>
+        <a:font script="Arab" typeface="Arial"/>
+        <a:font script="Hebr" typeface="Arial"/>
+        <a:font script="Thai" typeface="Cordia New"/>
+        <a:font script="Ethi" typeface="Nyala"/>
+        <a:font script="Beng" typeface="Vrinda"/>
+        <a:font script="Gujr" typeface="Shruti"/>
+        <a:font script="Khmr" typeface="DaunPenh"/>
+        <a:font script="Knda" typeface="Tunga"/>
+        <a:font script="Guru" typeface="Raavi"/>
+        <a:font script="Cans" typeface="Euphemia"/>
+        <a:font script="Cher" typeface="Plantagenet Cherokee"/>
+        <a:font script="Yiii" typeface="Microsoft Yi Baiti"/>
+        <a:font script="Tibt" typeface="Microsoft Himalaya"/>
+        <a:font script="Thaa" typeface="MV Boli"/>
+        <a:font script="Deva" typeface="Mangal"/>
+        <a:font script="Telu" typeface="Gautami"/>
+        <a:font script="Taml" typeface="Latha"/>
+        <a:font script="Syrc" typeface="Estrangelo Edessa"/>
+        <a:font script="Orya" typeface="Kalinga"/>
+        <a:font script="Mlym" typeface="Kartika"/>
+        <a:font script="Laoo" typeface="DokChampa"/>
+        <a:font script="Sinh" typeface="Iskoola Pota"/>
+        <a:font script="Mong" typeface="Mongolian Baiti"/>
+        <a:font script="Viet" typeface="Arial"/>
+        <a:font script="Uigh" typeface="Microsoft Uighur"/>
+        <a:font script="Geor" typeface="Sylfaen"/>
+      </a:minorFont>
+    </a:fontScheme>
+    <a:fmtScheme name="Office">
+      <a:fillStyleLst>
+        <a:solidFill>
+          <a:schemeClr val="phClr"/>
+        </a:solidFill>
+        <a:gradFill rotWithShape="1">
+          <a:gsLst>
+            <a:gs pos="0">
+              <a:schemeClr val="phClr">
+                <a:tint val="50000"/>
+                <a:satMod val="300000"/>
+              </a:schemeClr>
+            </a:gs>
+            <a:gs pos="35000">
+              <a:schemeClr val="phClr">
+                <a:tint val="37000"/>
+                <a:satMod val="300000"/>
+              </a:schemeClr>
+            </a:gs>
+            <a:gs pos="100000">
+              <a:schemeClr val="phClr">
+                <a:tint val="15000"/>
+                <a:satMod val="350000"/>
+              </a:schemeClr>
+            </a:gs>
+          </a:gsLst>
+          <a:lin ang="16200000" scaled="1"/>
+        </a:gradFill>
+        <a:gradFill rotWithShape="1">
+          <a:gsLst>
+            <a:gs pos="0">
+              <a:schemeClr val="phClr">
+                <a:shade val="51000"/>
+                <a:satMod val="130000"/>
+              </a:schemeClr>
+            </a:gs>
+            <a:gs pos="80000">
+              <a:schemeClr val="phClr">
+                <a:shade val="93000"/>
+                <a:satMod val="130000"/>
+              </a:schemeClr>
+            </a:gs>
+            <a:gs pos="100000">
+              <a:schemeClr val="phClr">
+                <a:shade val="94000"/>
+                <a:satMod val="135000"/>
+              </a:schemeClr>
+            </a:gs>
+          </a:gsLst>
+          <a:lin ang="16200000" scaled="0"/>
+        </a:gradFill>
+      </a:fillStyleLst>
+      <a:lnStyleLst>
+        <a:ln w="9525" cap="flat" cmpd="sng" algn="ctr">
+          <a:solidFill>
+            <a:schemeClr val="phClr">
+              <a:shade val="95000"/>
+              <a:satMod val="105000"/>
+            </a:schemeClr>
+          </a:solidFill>
+          <a:prstDash val="solid"/>
+        </a:ln>
+        <a:ln w="25400" cap="flat" cmpd="sng" algn="ctr">
+          <a:solidFill>
+            <a:schemeClr val="phClr"/>
+          </a:solidFill>
+          <a:prstDash val="solid"/>
+        </a:ln>
+        <a:ln w="38100" cap="flat" cmpd="sng" algn="ctr">
+          <a:solidFill>
+            <a:schemeClr val="phClr"/>
+          </a:solidFill>
+          <a:prstDash val="solid"/>
+        </a:ln>
+      </a:lnStyleLst>
+      <a:effectStyleLst>
+        <a:effectStyle>
+          <a:effectLst>
+            <a:outerShdw blurRad="40000" dist="20000" dir="5400000" rotWithShape="0">
+              <a:srgbClr val="000000">
+                <a:alpha val="38000"/>
+              </a:srgbClr>
+            </a:outerShdw>
+          </a:effectLst>
+        </a:effectStyle>
+        <a:effectStyle>
+          <a:effectLst>
+            <a:outerShdw blurRad="40000" dist="23000" dir="5400000" rotWithShape="0">
+              <a:srgbClr val="000000">
+                <a:alpha val="35000"/>
+              </a:srgbClr>
+            </a:outerShdw>
+          </a:effectLst>
+        </a:effectStyle>
+        <a:effectStyle>
+          <a:effectLst>
+            <a:outerShdw blurRad="40000" dist="23000" dir="5400000" rotWithShape="0">
+              <a:srgbClr val="000000">
+                <a:alpha val="35000"/>
+              </a:srgbClr>
+            </a:outerShdw>
+          </a:effectLst>
+          <a:scene3d>
+            <a:camera prst="orthographicFront">
+              <a:rot lat="0" lon="0" rev="0"/>
+            </a:camera>
+            <a:lightRig rig="threePt" dir="t">
+              <a:rot lat="0" lon="0" rev="1200000"/>
+            </a:lightRig>
+          </a:scene3d>
+          <a:sp3d>
+            <a:bevelT w="63500" h="25400"/>
+          </a:sp3d>
+        </a:effectStyle>
+      </a:effectStyleLst>
+      <a:bgFillStyleLst>
+        <a:solidFill>
+          <a:schemeClr val="phClr"/>
+        </a:solidFill>
+        <a:gradFill rotWithShape="1">
+          <a:gsLst>
+            <a:gs pos="0">
+              <a:schemeClr val="phClr">
+                <a:tint val="40000"/>
+                <a:satMod val="350000"/>
+              </a:schemeClr>
+            </a:gs>
+            <a:gs pos="40000">
+              <a:schemeClr val="phClr">
+                <a:tint val="45000"/>
+                <a:shade val="99000"/>
+                <a:satMod val="350000"/>
+              </a:schemeClr>
+            </a:gs>
+            <a:gs pos="100000">
+              <a:schemeClr val="phClr">
+                <a:shade val="20000"/>
+                <a:satMod val="255000"/>
+              </a:schemeClr>
+            </a:gs>
+          </a:gsLst>
+          <a:path path="circle">
+            <a:fillToRect l="50000" t="-80000" r="50000" b="180000"/>
+          </a:path>
+        </a:gradFill>
+        <a:gradFill rotWithShape="1">
+          <a:gsLst>
+            <a:gs pos="0">
+              <a:schemeClr val="phClr">
+                <a:tint val="80000"/>
+                <a:satMod val="300000"/>
+              </a:schemeClr>
+            </a:gs>
+            <a:gs pos="100000">
+              <a:schemeClr val="phClr">
+                <a:shade val="30000"/>
+                <a:satMod val="200000"/>
+              </a:schemeClr>
+            </a:gs>
+          </a:gsLst>
+          <a:path path="circle">
+            <a:fillToRect l="50000" t="50000" r="50000" b="50000"/>
+          </a:path>
+        </a:gradFill>
+      </a:bgFillStyleLst>
+    </a:fmtScheme>
+  </a:themeElements>
+  <a:objectDefaults/>
+  <a:extraClrSchemeLst/>
+</a:theme>
 </file>
--- a/CodeMonkey/cs01-1 开发工具及基本流程/开发工具及基本流程.pptx
+++ b/CodeMonkey/cs01-1 开发工具及基本流程/开发工具及基本流程.pptx
@@ -5053,12 +5053,8 @@
               <a:buNone/>
             </a:pPr>
             <a:r>
-              <a:rPr lang="en-US" dirty="0" err="1" smtClean="0"/>
-              <a:t>Mokey</a:t>
-            </a:r>
-            <a:r>
               <a:rPr lang="en-US" dirty="0" smtClean="0"/>
-              <a:t> </a:t>
+              <a:t>Monkey </a:t>
             </a:r>
             <a:r>
               <a:rPr lang="en-US" altLang="zh-CN" dirty="0" smtClean="0"/>
@@ -6727,15 +6723,7 @@
             </a:r>
             <a:r>
               <a:rPr lang="zh-CN" altLang="en-US" sz="4000" dirty="0" smtClean="0"/>
-              <a:t>及</a:t>
-            </a:r>
-            <a:r>
-              <a:rPr lang="zh-CN" altLang="en-US" sz="4000" dirty="0" smtClean="0"/>
-              <a:t>团队协作</a:t>
-            </a:r>
-            <a:r>
-              <a:rPr lang="zh-CN" altLang="en-US" sz="4000" dirty="0" smtClean="0"/>
-              <a:t>基本</a:t>
+              <a:t>及团队协作基本</a:t>
             </a:r>
             <a:r>
               <a:rPr lang="zh-CN" altLang="en-US" sz="4000" dirty="0"/>
@@ -8604,11 +8592,7 @@
             </a:r>
             <a:r>
               <a:rPr lang="en-US" altLang="zh-CN" sz="2400" dirty="0" smtClean="0"/>
-              <a:t>putty.exe, </a:t>
-            </a:r>
-            <a:r>
-              <a:rPr lang="en-US" altLang="zh-CN" sz="2400" dirty="0" smtClean="0"/>
-              <a:t>pscp.exe</a:t>
+              <a:t>putty.exe, pscp.exe</a:t>
             </a:r>
           </a:p>
           <a:p>
